--- a/presentations/acdlSeminar_20190503.pptx
+++ b/presentations/acdlSeminar_20190503.pptx
@@ -5,7 +5,7 @@
     <p:sldMasterId id="2147483696" r:id="rId1"/>
   </p:sldMasterIdLst>
   <p:notesMasterIdLst>
-    <p:notesMasterId r:id="rId38"/>
+    <p:notesMasterId r:id="rId40"/>
   </p:notesMasterIdLst>
   <p:sldIdLst>
     <p:sldId id="256" r:id="rId2"/>
@@ -22,28 +22,30 @@
     <p:sldId id="264" r:id="rId13"/>
     <p:sldId id="265" r:id="rId14"/>
     <p:sldId id="266" r:id="rId15"/>
-    <p:sldId id="300" r:id="rId16"/>
-    <p:sldId id="293" r:id="rId17"/>
-    <p:sldId id="295" r:id="rId18"/>
-    <p:sldId id="296" r:id="rId19"/>
-    <p:sldId id="301" r:id="rId20"/>
-    <p:sldId id="297" r:id="rId21"/>
-    <p:sldId id="272" r:id="rId22"/>
-    <p:sldId id="298" r:id="rId23"/>
-    <p:sldId id="271" r:id="rId24"/>
-    <p:sldId id="276" r:id="rId25"/>
-    <p:sldId id="286" r:id="rId26"/>
-    <p:sldId id="287" r:id="rId27"/>
-    <p:sldId id="285" r:id="rId28"/>
-    <p:sldId id="288" r:id="rId29"/>
-    <p:sldId id="289" r:id="rId30"/>
-    <p:sldId id="294" r:id="rId31"/>
-    <p:sldId id="277" r:id="rId32"/>
-    <p:sldId id="269" r:id="rId33"/>
-    <p:sldId id="274" r:id="rId34"/>
-    <p:sldId id="268" r:id="rId35"/>
-    <p:sldId id="281" r:id="rId36"/>
-    <p:sldId id="282" r:id="rId37"/>
+    <p:sldId id="303" r:id="rId16"/>
+    <p:sldId id="300" r:id="rId17"/>
+    <p:sldId id="293" r:id="rId18"/>
+    <p:sldId id="302" r:id="rId19"/>
+    <p:sldId id="295" r:id="rId20"/>
+    <p:sldId id="296" r:id="rId21"/>
+    <p:sldId id="301" r:id="rId22"/>
+    <p:sldId id="297" r:id="rId23"/>
+    <p:sldId id="272" r:id="rId24"/>
+    <p:sldId id="298" r:id="rId25"/>
+    <p:sldId id="271" r:id="rId26"/>
+    <p:sldId id="276" r:id="rId27"/>
+    <p:sldId id="286" r:id="rId28"/>
+    <p:sldId id="287" r:id="rId29"/>
+    <p:sldId id="285" r:id="rId30"/>
+    <p:sldId id="289" r:id="rId31"/>
+    <p:sldId id="288" r:id="rId32"/>
+    <p:sldId id="294" r:id="rId33"/>
+    <p:sldId id="277" r:id="rId34"/>
+    <p:sldId id="269" r:id="rId35"/>
+    <p:sldId id="274" r:id="rId36"/>
+    <p:sldId id="268" r:id="rId37"/>
+    <p:sldId id="281" r:id="rId38"/>
+    <p:sldId id="282" r:id="rId39"/>
   </p:sldIdLst>
   <p:sldSz cx="12192000" cy="6858000"/>
   <p:notesSz cx="6858000" cy="9144000"/>
@@ -232,7 +234,7 @@
           <a:p>
             <a:fld id="{9863EDAF-BE19-4C2E-B10B-68469489FF30}" type="datetimeFigureOut">
               <a:rPr lang="en-US" smtClean="0"/>
-              <a:t>4/30/2019</a:t>
+              <a:t>5/3/2019</a:t>
             </a:fld>
             <a:endParaRPr lang="en-US"/>
           </a:p>
@@ -544,6 +546,46 @@
           <a:bodyPr/>
           <a:lstStyle/>
           <a:p>
+            <a:r>
+              <a:rPr lang="en-US" dirty="0" smtClean="0"/>
+              <a:t>Polling</a:t>
+            </a:r>
+          </a:p>
+          <a:p>
+            <a:r>
+              <a:rPr lang="en-US" baseline="0" dirty="0" smtClean="0"/>
+              <a:t>CFD?</a:t>
+            </a:r>
+          </a:p>
+          <a:p>
+            <a:r>
+              <a:rPr lang="en-US" baseline="0" dirty="0" smtClean="0"/>
+              <a:t>UQ? </a:t>
+            </a:r>
+          </a:p>
+          <a:p>
+            <a:r>
+              <a:rPr lang="en-US" baseline="0" dirty="0" smtClean="0"/>
+              <a:t>Optimization?</a:t>
+            </a:r>
+          </a:p>
+          <a:p>
+            <a:r>
+              <a:rPr lang="en-US" baseline="0" dirty="0" smtClean="0"/>
+              <a:t>Conceptual Design? </a:t>
+            </a:r>
+          </a:p>
+          <a:p>
+            <a:r>
+              <a:rPr lang="en-US" baseline="0" dirty="0" smtClean="0"/>
+              <a:t>This is going to have a different flavor, I hope you like it. </a:t>
+            </a:r>
+          </a:p>
+          <a:p>
+            <a:r>
+              <a:rPr lang="en-US" dirty="0" smtClean="0"/>
+              <a:t>(20s)</a:t>
+            </a:r>
             <a:endParaRPr lang="en-US" dirty="0"/>
           </a:p>
         </p:txBody>
@@ -628,6 +670,22 @@
           <a:bodyPr/>
           <a:lstStyle/>
           <a:p>
+            <a:r>
+              <a:rPr lang="en-US" dirty="0" smtClean="0"/>
+              <a:t>Robust optimization (mathematical</a:t>
+            </a:r>
+            <a:r>
+              <a:rPr lang="en-US" baseline="0" dirty="0" smtClean="0"/>
+              <a:t> programming) </a:t>
+            </a:r>
+          </a:p>
+          <a:p>
+            <a:r>
+              <a:rPr lang="en-US" baseline="0" dirty="0" smtClean="0"/>
+              <a:t>Different contexts: optimization over uncertainty sets, worst case</a:t>
+            </a:r>
+          </a:p>
+          <a:p>
             <a:endParaRPr lang="en-US" dirty="0" smtClean="0"/>
           </a:p>
           <a:p>
@@ -645,7 +703,26 @@
             </a:r>
           </a:p>
           <a:p>
-            <a:endParaRPr lang="en-US" dirty="0"/>
+            <a:r>
+              <a:rPr lang="en-US" dirty="0" smtClean="0"/>
+              <a:t>Bounded support</a:t>
+            </a:r>
+          </a:p>
+          <a:p>
+            <a:endParaRPr lang="en-US" dirty="0" smtClean="0"/>
+          </a:p>
+          <a:p>
+            <a:r>
+              <a:rPr lang="en-US" dirty="0" smtClean="0"/>
+              <a:t>This</a:t>
+            </a:r>
+            <a:r>
+              <a:rPr lang="en-US" baseline="0" dirty="0" smtClean="0"/>
+              <a:t> is beautiful because many engineering design problems</a:t>
+            </a:r>
+          </a:p>
+          <a:p>
+            <a:endParaRPr lang="en-US" dirty="0" smtClean="0"/>
           </a:p>
         </p:txBody>
       </p:sp>
@@ -835,13 +912,8 @@
           <a:p>
             <a:r>
               <a:rPr lang="en-US" dirty="0" smtClean="0"/>
-              <a:t>Balance of complexity and efficiency </a:t>
-            </a:r>
-            <a:r>
-              <a:rPr lang="en-US" dirty="0" smtClean="0"/>
-              <a:t>for conceptual design</a:t>
-            </a:r>
-            <a:endParaRPr lang="en-US" dirty="0" smtClean="0"/>
+              <a:t>Balance of complexity and efficiency for conceptual design</a:t>
+            </a:r>
           </a:p>
           <a:p>
             <a:r>
@@ -1224,11 +1296,11 @@
 </file>
 
 <file path=ppt/notesSlides/notesSlide15.xml><?xml version="1.0" encoding="utf-8"?>
-<p:notes xmlns:a="http://schemas.openxmlformats.org/drawingml/2006/main" xmlns:r="http://schemas.openxmlformats.org/officeDocument/2006/relationships" xmlns:p="http://schemas.openxmlformats.org/presentationml/2006/main">
+<p:notes xmlns:a="http://schemas.openxmlformats.org/drawingml/2006/main" xmlns:r="http://schemas.openxmlformats.org/officeDocument/2006/relationships" xmlns:p="http://schemas.openxmlformats.org/presentationml/2006/main" showMasterSp="0" showMasterPhAnim="0">
   <p:cSld>
     <p:spTree>
       <p:nvGrpSpPr>
-        <p:cNvPr id="1" name=""/>
+        <p:cNvPr id="1" name="Shape 181"/>
         <p:cNvGrpSpPr/>
         <p:nvPr/>
       </p:nvGrpSpPr>
@@ -1242,102 +1314,141 @@
       </p:grpSpPr>
       <p:sp>
         <p:nvSpPr>
-          <p:cNvPr id="2" name="Slide Image Placeholder 1"/>
+          <p:cNvPr id="182" name="Google Shape;182;g367d495692_0_11:notes"/>
           <p:cNvSpPr>
             <a:spLocks noGrp="1" noRot="1" noChangeAspect="1"/>
           </p:cNvSpPr>
           <p:nvPr>
-            <p:ph type="sldImg"/>
-          </p:nvPr>
-        </p:nvSpPr>
-        <p:spPr/>
-      </p:sp>
-      <p:sp>
-        <p:nvSpPr>
-          <p:cNvPr id="3" name="Notes Placeholder 2"/>
-          <p:cNvSpPr>
+            <p:ph type="sldImg" idx="2"/>
+          </p:nvPr>
+        </p:nvSpPr>
+        <p:spPr>
+          <a:xfrm>
+            <a:off x="381000" y="685800"/>
+            <a:ext cx="6096000" cy="3429000"/>
+          </a:xfrm>
+          <a:custGeom>
+            <a:avLst/>
+            <a:gdLst/>
+            <a:ahLst/>
+            <a:cxnLst/>
+            <a:rect l="l" t="t" r="r" b="b"/>
+            <a:pathLst>
+              <a:path w="120000" h="120000" extrusionOk="0">
+                <a:moveTo>
+                  <a:pt x="0" y="0"/>
+                </a:moveTo>
+                <a:lnTo>
+                  <a:pt x="120000" y="0"/>
+                </a:lnTo>
+                <a:lnTo>
+                  <a:pt x="120000" y="120000"/>
+                </a:lnTo>
+                <a:lnTo>
+                  <a:pt x="0" y="120000"/>
+                </a:lnTo>
+                <a:close/>
+              </a:path>
+            </a:pathLst>
+          </a:custGeom>
+        </p:spPr>
+      </p:sp>
+      <p:sp>
+        <p:nvSpPr>
+          <p:cNvPr id="183" name="Google Shape;183;g367d495692_0_11:notes"/>
+          <p:cNvSpPr txBox="1">
             <a:spLocks noGrp="1"/>
           </p:cNvSpPr>
           <p:nvPr>
             <p:ph type="body" idx="1"/>
           </p:nvPr>
         </p:nvSpPr>
-        <p:spPr/>
-        <p:txBody>
-          <a:bodyPr/>
-          <a:lstStyle/>
-          <a:p>
-            <a:r>
-              <a:rPr lang="en-US" dirty="0" smtClean="0"/>
-              <a:t>Introduce useful nomenclature</a:t>
-            </a:r>
-            <a:r>
-              <a:rPr lang="en-US" baseline="0" dirty="0" smtClean="0"/>
-              <a:t> </a:t>
-            </a:r>
-          </a:p>
-          <a:p>
-            <a:r>
-              <a:rPr lang="en-US" baseline="0" dirty="0" err="1" smtClean="0"/>
-              <a:t>Mony</a:t>
-            </a:r>
-            <a:r>
-              <a:rPr lang="en-US" baseline="0" dirty="0" smtClean="0"/>
-              <a:t> and </a:t>
-            </a:r>
-            <a:r>
-              <a:rPr lang="en-US" baseline="0" dirty="0" err="1" smtClean="0"/>
-              <a:t>posys</a:t>
-            </a:r>
-            <a:endParaRPr lang="en-US" baseline="0" dirty="0" smtClean="0"/>
-          </a:p>
-          <a:p>
-            <a:r>
-              <a:rPr lang="en-US" baseline="0" dirty="0" smtClean="0"/>
-              <a:t>Equalities written as two </a:t>
-            </a:r>
-            <a:r>
-              <a:rPr lang="en-US" baseline="0" dirty="0" err="1" smtClean="0"/>
-              <a:t>ineqs</a:t>
-            </a:r>
-            <a:endParaRPr lang="en-US" baseline="0" dirty="0" smtClean="0"/>
-          </a:p>
-          <a:p>
-            <a:r>
-              <a:rPr lang="en-US" baseline="0" dirty="0" smtClean="0"/>
-              <a:t>Apply log, and we are convex</a:t>
-            </a:r>
-            <a:endParaRPr lang="en-US" dirty="0"/>
-          </a:p>
-        </p:txBody>
-      </p:sp>
-      <p:sp>
-        <p:nvSpPr>
-          <p:cNvPr id="4" name="Slide Number Placeholder 3"/>
-          <p:cNvSpPr>
-            <a:spLocks noGrp="1"/>
-          </p:cNvSpPr>
-          <p:nvPr>
-            <p:ph type="sldNum" sz="quarter" idx="10"/>
-          </p:nvPr>
-        </p:nvSpPr>
-        <p:spPr/>
-        <p:txBody>
-          <a:bodyPr/>
-          <a:lstStyle/>
-          <a:p>
-            <a:fld id="{638081BB-34DF-4EFC-A4AF-A5661304D689}" type="slidenum">
-              <a:rPr lang="en-US" smtClean="0"/>
-              <a:t>15</a:t>
-            </a:fld>
-            <a:endParaRPr lang="en-US"/>
+        <p:spPr>
+          <a:xfrm>
+            <a:off x="685800" y="4343400"/>
+            <a:ext cx="5486400" cy="4114800"/>
+          </a:xfrm>
+          <a:prstGeom prst="rect">
+            <a:avLst/>
+          </a:prstGeom>
+        </p:spPr>
+        <p:txBody>
+          <a:bodyPr spcFirstLastPara="1" wrap="square" lIns="91425" tIns="91425" rIns="91425" bIns="91425" anchor="t" anchorCtr="0">
+            <a:noAutofit/>
+          </a:bodyPr>
+          <a:lstStyle/>
+          <a:p>
+            <a:pPr marL="914400" lvl="1" indent="-298450" algn="l" rtl="0">
+              <a:lnSpc>
+                <a:spcPct val="115000"/>
+              </a:lnSpc>
+              <a:spcBef>
+                <a:spcPts val="0"/>
+              </a:spcBef>
+              <a:spcAft>
+                <a:spcPts val="0"/>
+              </a:spcAft>
+              <a:buClr>
+                <a:schemeClr val="dk2"/>
+              </a:buClr>
+              <a:buSzPts val="1100"/>
+              <a:buChar char="○"/>
+            </a:pPr>
+            <a:r>
+              <a:rPr lang="en" sz="1400" dirty="0">
+                <a:solidFill>
+                  <a:schemeClr val="dk2"/>
+                </a:solidFill>
+              </a:rPr>
+              <a:t>Bridging the serial nature of software with the integrated nature of design</a:t>
+            </a:r>
+            <a:endParaRPr sz="1400" dirty="0">
+              <a:solidFill>
+                <a:schemeClr val="dk2"/>
+              </a:solidFill>
+            </a:endParaRPr>
+          </a:p>
+          <a:p>
+            <a:pPr marL="914400" lvl="1" indent="-317500" algn="l" rtl="0">
+              <a:lnSpc>
+                <a:spcPct val="115000"/>
+              </a:lnSpc>
+              <a:spcBef>
+                <a:spcPts val="0"/>
+              </a:spcBef>
+              <a:spcAft>
+                <a:spcPts val="0"/>
+              </a:spcAft>
+              <a:buClr>
+                <a:schemeClr val="dk2"/>
+              </a:buClr>
+              <a:buSzPts val="1400"/>
+              <a:buChar char="○"/>
+            </a:pPr>
+            <a:endParaRPr sz="1400" dirty="0">
+              <a:solidFill>
+                <a:schemeClr val="dk2"/>
+              </a:solidFill>
+            </a:endParaRPr>
+          </a:p>
+          <a:p>
+            <a:pPr marL="0" lvl="0" indent="0" algn="l" rtl="0">
+              <a:spcBef>
+                <a:spcPts val="1600"/>
+              </a:spcBef>
+              <a:spcAft>
+                <a:spcPts val="0"/>
+              </a:spcAft>
+              <a:buNone/>
+            </a:pPr>
+            <a:endParaRPr dirty="0"/>
           </a:p>
         </p:txBody>
       </p:sp>
     </p:spTree>
     <p:extLst>
       <p:ext uri="{BB962C8B-B14F-4D97-AF65-F5344CB8AC3E}">
-        <p14:creationId xmlns:p14="http://schemas.microsoft.com/office/powerpoint/2010/main" val="3139275173"/>
+        <p14:creationId xmlns:p14="http://schemas.microsoft.com/office/powerpoint/2010/main" val="251468784"/>
       </p:ext>
     </p:extLst>
   </p:cSld>
@@ -1393,38 +1504,49 @@
           <a:p>
             <a:r>
               <a:rPr lang="en-US" dirty="0" smtClean="0"/>
-              <a:t>Want to merge this framework with</a:t>
-            </a:r>
-            <a:r>
-              <a:rPr lang="en-US" dirty="0" smtClean="0"/>
-              <a:t>…</a:t>
-            </a:r>
-          </a:p>
-          <a:p>
-            <a:r>
-              <a:rPr lang="en-US" dirty="0" smtClean="0"/>
-              <a:t>Number of mathematical moves to convert nominal</a:t>
+              <a:t>Introduce useful nomenclature</a:t>
             </a:r>
             <a:r>
               <a:rPr lang="en-US" baseline="0" dirty="0" smtClean="0"/>
-              <a:t> to RO.</a:t>
-            </a:r>
-            <a:endParaRPr lang="en-US" dirty="0" smtClean="0"/>
-          </a:p>
-          <a:p>
-            <a:r>
-              <a:rPr lang="en-US" dirty="0" smtClean="0"/>
-              <a:t>Now that we have found a representation,</a:t>
+              <a:t> </a:t>
+            </a:r>
+          </a:p>
+          <a:p>
+            <a:r>
+              <a:rPr lang="en-US" baseline="0" dirty="0" err="1" smtClean="0"/>
+              <a:t>Mony</a:t>
             </a:r>
             <a:r>
               <a:rPr lang="en-US" baseline="0" dirty="0" smtClean="0"/>
-              <a:t> what is next? </a:t>
-            </a:r>
+              <a:t> and </a:t>
+            </a:r>
+            <a:r>
+              <a:rPr lang="en-US" baseline="0" dirty="0" err="1" smtClean="0"/>
+              <a:t>posys</a:t>
+            </a:r>
+            <a:endParaRPr lang="en-US" baseline="0" dirty="0" smtClean="0"/>
           </a:p>
           <a:p>
             <a:r>
               <a:rPr lang="en-US" baseline="0" dirty="0" smtClean="0"/>
-              <a:t>Why is this different than margins? </a:t>
+              <a:t>Equalities written as two </a:t>
+            </a:r>
+            <a:r>
+              <a:rPr lang="en-US" baseline="0" dirty="0" err="1" smtClean="0"/>
+              <a:t>ineqs</a:t>
+            </a:r>
+            <a:endParaRPr lang="en-US" baseline="0" dirty="0" smtClean="0"/>
+          </a:p>
+          <a:p>
+            <a:r>
+              <a:rPr lang="en-US" baseline="0" dirty="0" smtClean="0"/>
+              <a:t>Apply log, and we are convex</a:t>
+            </a:r>
+          </a:p>
+          <a:p>
+            <a:r>
+              <a:rPr lang="en-US" baseline="0" dirty="0" smtClean="0"/>
+              <a:t>WLOG get rid of equalities</a:t>
             </a:r>
             <a:endParaRPr lang="en-US" dirty="0"/>
           </a:p>
@@ -1456,7 +1578,7 @@
     </p:spTree>
     <p:extLst>
       <p:ext uri="{BB962C8B-B14F-4D97-AF65-F5344CB8AC3E}">
-        <p14:creationId xmlns:p14="http://schemas.microsoft.com/office/powerpoint/2010/main" val="1205605825"/>
+        <p14:creationId xmlns:p14="http://schemas.microsoft.com/office/powerpoint/2010/main" val="3139275173"/>
       </p:ext>
     </p:extLst>
   </p:cSld>
@@ -1512,58 +1634,32 @@
           <a:p>
             <a:r>
               <a:rPr lang="en-US" dirty="0" smtClean="0"/>
-              <a:t>As an example. LPs, seminal paper by…</a:t>
+              <a:t>Want to merge this framework with…</a:t>
             </a:r>
           </a:p>
           <a:p>
             <a:r>
               <a:rPr lang="en-US" dirty="0" smtClean="0"/>
-              <a:t>Context: </a:t>
-            </a:r>
-            <a:r>
-              <a:rPr lang="en-US" dirty="0" err="1" smtClean="0"/>
-              <a:t>Soyster</a:t>
-            </a:r>
+              <a:t>Number of mathematical moves to convert nominal</a:t>
+            </a:r>
+            <a:r>
+              <a:rPr lang="en-US" baseline="0" dirty="0" smtClean="0"/>
+              <a:t> to RO.</a:t>
+            </a:r>
+            <a:endParaRPr lang="en-US" dirty="0" smtClean="0"/>
+          </a:p>
+          <a:p>
             <a:r>
               <a:rPr lang="en-US" dirty="0" smtClean="0"/>
-              <a:t> 1974</a:t>
-            </a:r>
-          </a:p>
-          <a:p>
-            <a:r>
-              <a:rPr lang="en-US" dirty="0" smtClean="0"/>
-              <a:t>Pi(u) is an affine embedding of L uncertain</a:t>
+              <a:t>Now that we have found a representation,</a:t>
             </a:r>
             <a:r>
               <a:rPr lang="en-US" baseline="0" dirty="0" smtClean="0"/>
-              <a:t> parameters into m constraints</a:t>
-            </a:r>
-            <a:endParaRPr lang="en-US" dirty="0" smtClean="0"/>
-          </a:p>
-          <a:p>
-            <a:r>
-              <a:rPr lang="en-US" dirty="0" smtClean="0"/>
-              <a:t>Intuition</a:t>
-            </a:r>
-            <a:r>
-              <a:rPr lang="en-US" baseline="0" dirty="0" smtClean="0"/>
-              <a:t> for SOCP: max over linear </a:t>
-            </a:r>
-            <a:r>
-              <a:rPr lang="en-US" baseline="0" dirty="0" err="1" smtClean="0"/>
-              <a:t>ineqs</a:t>
-            </a:r>
-            <a:r>
-              <a:rPr lang="en-US" baseline="0" dirty="0" smtClean="0"/>
-              <a:t> is optimization over QCs.</a:t>
-            </a:r>
-          </a:p>
-          <a:p>
-            <a:r>
-              <a:rPr lang="en-US" baseline="0" dirty="0" smtClean="0"/>
-              <a:t>We are all mortal, even seminal papers can have typos. </a:t>
-            </a:r>
-            <a:endParaRPr lang="en-US" dirty="0"/>
+              <a:t> what is next? </a:t>
+            </a:r>
+          </a:p>
+          <a:p>
+            <a:endParaRPr lang="en-US" baseline="0" dirty="0" smtClean="0"/>
           </a:p>
         </p:txBody>
       </p:sp>
@@ -1593,7 +1689,7 @@
     </p:spTree>
     <p:extLst>
       <p:ext uri="{BB962C8B-B14F-4D97-AF65-F5344CB8AC3E}">
-        <p14:creationId xmlns:p14="http://schemas.microsoft.com/office/powerpoint/2010/main" val="2331434676"/>
+        <p14:creationId xmlns:p14="http://schemas.microsoft.com/office/powerpoint/2010/main" val="1205605825"/>
       </p:ext>
     </p:extLst>
   </p:cSld>
@@ -1649,37 +1745,7 @@
           <a:p>
             <a:r>
               <a:rPr lang="en-US" dirty="0" smtClean="0"/>
-              <a:t>Use principles</a:t>
-            </a:r>
-            <a:r>
-              <a:rPr lang="en-US" baseline="0" dirty="0" smtClean="0"/>
-              <a:t> from </a:t>
-            </a:r>
-            <a:r>
-              <a:rPr lang="en-US" baseline="0" dirty="0" err="1" smtClean="0"/>
-              <a:t>BTandN</a:t>
-            </a:r>
-            <a:r>
-              <a:rPr lang="en-US" baseline="0" dirty="0" smtClean="0"/>
-              <a:t> to form robust approximations of GPs.</a:t>
-            </a:r>
-          </a:p>
-          <a:p>
-            <a:r>
-              <a:rPr lang="en-US" baseline="0" dirty="0" smtClean="0"/>
-              <a:t>Deep mathematics I don’t understand…</a:t>
-            </a:r>
-          </a:p>
-          <a:p>
-            <a:r>
-              <a:rPr lang="en-US" baseline="0" dirty="0" smtClean="0"/>
-              <a:t>Epsilon is max error, phi is the t</a:t>
-            </a:r>
-          </a:p>
-          <a:p>
-            <a:r>
-              <a:rPr lang="en-US" baseline="0" dirty="0" smtClean="0"/>
-              <a:t>Each nonlinear constraint, which is convex in log-space, gets PWL approximation</a:t>
+              <a:t>Here are the moves I will describe. </a:t>
             </a:r>
             <a:endParaRPr lang="en-US" dirty="0"/>
           </a:p>
@@ -1711,7 +1777,7 @@
     </p:spTree>
     <p:extLst>
       <p:ext uri="{BB962C8B-B14F-4D97-AF65-F5344CB8AC3E}">
-        <p14:creationId xmlns:p14="http://schemas.microsoft.com/office/powerpoint/2010/main" val="2581866746"/>
+        <p14:creationId xmlns:p14="http://schemas.microsoft.com/office/powerpoint/2010/main" val="2728632510"/>
       </p:ext>
     </p:extLst>
   </p:cSld>
@@ -1767,17 +1833,56 @@
           <a:p>
             <a:r>
               <a:rPr lang="en-US" dirty="0" smtClean="0"/>
-              <a:t>By the optimal</a:t>
+              <a:t>As an example. LPs, seminal paper by…</a:t>
+            </a:r>
+          </a:p>
+          <a:p>
+            <a:r>
+              <a:rPr lang="en-US" dirty="0" smtClean="0"/>
+              <a:t>Context: </a:t>
+            </a:r>
+            <a:r>
+              <a:rPr lang="en-US" dirty="0" err="1" smtClean="0"/>
+              <a:t>Soyster</a:t>
+            </a:r>
+            <a:r>
+              <a:rPr lang="en-US" dirty="0" smtClean="0"/>
+              <a:t> 1974</a:t>
+            </a:r>
+          </a:p>
+          <a:p>
+            <a:r>
+              <a:rPr lang="en-US" dirty="0" smtClean="0"/>
+              <a:t>Pi(u) is an affine embedding of L uncertain</a:t>
             </a:r>
             <a:r>
               <a:rPr lang="en-US" baseline="0" dirty="0" smtClean="0"/>
-              <a:t> two term approximation, each posynomial must be LP-approx.</a:t>
-            </a:r>
-          </a:p>
-          <a:p>
+              <a:t> parameters into m constraints</a:t>
+            </a:r>
+            <a:endParaRPr lang="en-US" dirty="0" smtClean="0"/>
+          </a:p>
+          <a:p>
+            <a:r>
+              <a:rPr lang="en-US" dirty="0" smtClean="0"/>
+              <a:t>Intuition</a:t>
+            </a:r>
             <a:r>
               <a:rPr lang="en-US" baseline="0" dirty="0" smtClean="0"/>
-              <a:t>Recipe looks complicated, it’s just ‘chaining’ two term posynomials. </a:t>
+              <a:t> for SOCP: max over linear </a:t>
+            </a:r>
+            <a:r>
+              <a:rPr lang="en-US" baseline="0" dirty="0" err="1" smtClean="0"/>
+              <a:t>ineqs</a:t>
+            </a:r>
+            <a:r>
+              <a:rPr lang="en-US" baseline="0" dirty="0" smtClean="0"/>
+              <a:t> is optimization over QCs.</a:t>
+            </a:r>
+          </a:p>
+          <a:p>
+            <a:r>
+              <a:rPr lang="en-US" baseline="0" dirty="0" smtClean="0"/>
+              <a:t>We are all mortal, even seminal papers can have typos. </a:t>
             </a:r>
             <a:endParaRPr lang="en-US" dirty="0"/>
           </a:p>
@@ -1809,7 +1914,7 @@
     </p:spTree>
     <p:extLst>
       <p:ext uri="{BB962C8B-B14F-4D97-AF65-F5344CB8AC3E}">
-        <p14:creationId xmlns:p14="http://schemas.microsoft.com/office/powerpoint/2010/main" val="1468666736"/>
+        <p14:creationId xmlns:p14="http://schemas.microsoft.com/office/powerpoint/2010/main" val="2331434676"/>
       </p:ext>
     </p:extLst>
   </p:cSld>
@@ -1893,7 +1998,7 @@
             </a:r>
             <a:r>
               <a:rPr lang="en-US" baseline="0" dirty="0" smtClean="0"/>
-              <a:t>.</a:t>
+              <a:t> deterministically</a:t>
             </a:r>
           </a:p>
           <a:p>
@@ -1911,7 +2016,13 @@
           <a:p>
             <a:r>
               <a:rPr lang="en-US" baseline="0" dirty="0" smtClean="0"/>
-              <a:t>Conservative</a:t>
+              <a:t>Sublinear – much better than other OUU, polynomial at best</a:t>
+            </a:r>
+          </a:p>
+          <a:p>
+            <a:r>
+              <a:rPr lang="en-US" baseline="0" dirty="0" smtClean="0"/>
+              <a:t>Talk a lot about design as well as math</a:t>
             </a:r>
             <a:br>
               <a:rPr lang="en-US" baseline="0" dirty="0" smtClean="0"/>
@@ -1933,6 +2044,10 @@
             </a:r>
           </a:p>
           <a:p>
+            <a:r>
+              <a:rPr lang="en-US" dirty="0" smtClean="0"/>
+              <a:t>(90s)</a:t>
+            </a:r>
             <a:endParaRPr lang="en-US" dirty="0"/>
           </a:p>
         </p:txBody>
@@ -2019,31 +2134,67 @@
           <a:p>
             <a:r>
               <a:rPr lang="en-US" dirty="0" smtClean="0"/>
-              <a:t>Treat uncoupled</a:t>
+              <a:t>Key to understanding why GPs have robust formulations. </a:t>
+            </a:r>
+          </a:p>
+          <a:p>
+            <a:r>
+              <a:rPr lang="en-US" dirty="0" smtClean="0"/>
+              <a:t>Clearly</a:t>
             </a:r>
             <a:r>
               <a:rPr lang="en-US" baseline="0" dirty="0" smtClean="0"/>
-              <a:t> posynomials separately. </a:t>
-            </a:r>
-          </a:p>
-          <a:p>
-            <a:r>
-              <a:rPr lang="en-US" dirty="0" err="1" smtClean="0"/>
-              <a:t>Robustifying</a:t>
-            </a:r>
+              <a:t> monomials are LP </a:t>
+            </a:r>
+            <a:r>
+              <a:rPr lang="en-US" baseline="0" dirty="0" err="1" smtClean="0"/>
+              <a:t>approximable</a:t>
+            </a:r>
+            <a:r>
+              <a:rPr lang="en-US" baseline="0" dirty="0" smtClean="0"/>
+              <a:t>. (log-log transform)</a:t>
+            </a:r>
+          </a:p>
+          <a:p>
             <a:r>
               <a:rPr lang="en-US" dirty="0" smtClean="0"/>
-              <a:t> s2,</a:t>
+              <a:t>Use principles</a:t>
             </a:r>
             <a:r>
               <a:rPr lang="en-US" baseline="0" dirty="0" smtClean="0"/>
-              <a:t> s3 easy. </a:t>
-            </a:r>
-          </a:p>
-          <a:p>
+              <a:t> from </a:t>
+            </a:r>
+            <a:r>
+              <a:rPr lang="en-US" baseline="0" dirty="0" err="1" smtClean="0"/>
+              <a:t>BTandN</a:t>
+            </a:r>
             <a:r>
               <a:rPr lang="en-US" baseline="0" dirty="0" smtClean="0"/>
-              <a:t>S1 requires previous recipe. </a:t>
+              <a:t> to form robust approximations of GPs.</a:t>
+            </a:r>
+          </a:p>
+          <a:p>
+            <a:r>
+              <a:rPr lang="en-US" baseline="0" dirty="0" smtClean="0"/>
+              <a:t>Relatively recent paper, 2008. </a:t>
+            </a:r>
+          </a:p>
+          <a:p>
+            <a:r>
+              <a:rPr lang="en-US" baseline="0" dirty="0" smtClean="0"/>
+              <a:t>Deep mathematics… find proof in paper. </a:t>
+            </a:r>
+          </a:p>
+          <a:p>
+            <a:r>
+              <a:rPr lang="en-US" baseline="0" dirty="0" smtClean="0"/>
+              <a:t>Epsilon is max error, phi is the t</a:t>
+            </a:r>
+          </a:p>
+          <a:p>
+            <a:r>
+              <a:rPr lang="en-US" baseline="0" dirty="0" smtClean="0"/>
+              <a:t>Each nonlinear constraint, which is convex in log-space, gets PWL approximation</a:t>
             </a:r>
             <a:endParaRPr lang="en-US" dirty="0"/>
           </a:p>
@@ -2075,7 +2226,7 @@
     </p:spTree>
     <p:extLst>
       <p:ext uri="{BB962C8B-B14F-4D97-AF65-F5344CB8AC3E}">
-        <p14:creationId xmlns:p14="http://schemas.microsoft.com/office/powerpoint/2010/main" val="4237361412"/>
+        <p14:creationId xmlns:p14="http://schemas.microsoft.com/office/powerpoint/2010/main" val="2581866746"/>
       </p:ext>
     </p:extLst>
   </p:cSld>
@@ -2131,11 +2282,17 @@
           <a:p>
             <a:r>
               <a:rPr lang="en-US" dirty="0" smtClean="0"/>
-              <a:t>Best pairs is against</a:t>
+              <a:t>By the optimal</a:t>
             </a:r>
             <a:r>
               <a:rPr lang="en-US" baseline="0" dirty="0" smtClean="0"/>
-              <a:t> some mathematical magic. Please </a:t>
+              <a:t> two term approximation, each posynomial must be LP-approx.</a:t>
+            </a:r>
+          </a:p>
+          <a:p>
+            <a:r>
+              <a:rPr lang="en-US" baseline="0" dirty="0" smtClean="0"/>
+              <a:t>Recipe looks complicated, it’s just ‘chaining’ two term posynomials. </a:t>
             </a:r>
             <a:endParaRPr lang="en-US" dirty="0"/>
           </a:p>
@@ -2167,7 +2324,7 @@
     </p:spTree>
     <p:extLst>
       <p:ext uri="{BB962C8B-B14F-4D97-AF65-F5344CB8AC3E}">
-        <p14:creationId xmlns:p14="http://schemas.microsoft.com/office/powerpoint/2010/main" val="1485716918"/>
+        <p14:creationId xmlns:p14="http://schemas.microsoft.com/office/powerpoint/2010/main" val="1468666736"/>
       </p:ext>
     </p:extLst>
   </p:cSld>
@@ -2223,19 +2380,31 @@
           <a:p>
             <a:r>
               <a:rPr lang="en-US" dirty="0" smtClean="0"/>
-              <a:t>Solving an </a:t>
-            </a:r>
+              <a:t>Treat uncoupled</a:t>
+            </a:r>
+            <a:r>
+              <a:rPr lang="en-US" baseline="0" dirty="0" smtClean="0"/>
+              <a:t> posynomials separately. Coupling with uncertain variables</a:t>
+            </a:r>
+          </a:p>
+          <a:p>
             <a:r>
               <a:rPr lang="en-US" dirty="0" err="1" smtClean="0"/>
-              <a:t>robustified</a:t>
+              <a:t>Robustifying</a:t>
             </a:r>
             <a:r>
               <a:rPr lang="en-US" dirty="0" smtClean="0"/>
-              <a:t> GP no different than solving GP</a:t>
+              <a:t> s2,</a:t>
             </a:r>
             <a:r>
               <a:rPr lang="en-US" baseline="0" dirty="0" smtClean="0"/>
-              <a:t> with more constraints</a:t>
+              <a:t> s3 easy. </a:t>
+            </a:r>
+          </a:p>
+          <a:p>
+            <a:r>
+              <a:rPr lang="en-US" baseline="0" dirty="0" smtClean="0"/>
+              <a:t>S1 requires previous recipe. </a:t>
             </a:r>
             <a:endParaRPr lang="en-US" dirty="0"/>
           </a:p>
@@ -2267,7 +2436,7 @@
     </p:spTree>
     <p:extLst>
       <p:ext uri="{BB962C8B-B14F-4D97-AF65-F5344CB8AC3E}">
-        <p14:creationId xmlns:p14="http://schemas.microsoft.com/office/powerpoint/2010/main" val="3561803458"/>
+        <p14:creationId xmlns:p14="http://schemas.microsoft.com/office/powerpoint/2010/main" val="4237361412"/>
       </p:ext>
     </p:extLst>
   </p:cSld>
@@ -2322,8 +2491,50 @@
           <a:lstStyle/>
           <a:p>
             <a:r>
+              <a:rPr lang="en-US" dirty="0" err="1" smtClean="0"/>
+              <a:t>Posys</a:t>
+            </a:r>
+            <a:r>
               <a:rPr lang="en-US" dirty="0" smtClean="0"/>
-              <a:t>General </a:t>
+              <a:t> LP </a:t>
+            </a:r>
+            <a:r>
+              <a:rPr lang="en-US" dirty="0" err="1" smtClean="0"/>
+              <a:t>approximable</a:t>
+            </a:r>
+            <a:r>
+              <a:rPr lang="en-US" dirty="0" smtClean="0"/>
+              <a:t>, LPs have tractable robust counterparts</a:t>
+            </a:r>
+          </a:p>
+          <a:p>
+            <a:r>
+              <a:rPr lang="en-US" dirty="0" smtClean="0"/>
+              <a:t>RGPs</a:t>
+            </a:r>
+            <a:r>
+              <a:rPr lang="en-US" baseline="0" dirty="0" smtClean="0"/>
+              <a:t> are tractable</a:t>
+            </a:r>
+          </a:p>
+          <a:p>
+            <a:r>
+              <a:rPr lang="en-US" baseline="0" dirty="0" err="1" smtClean="0"/>
+              <a:t>Simp</a:t>
+            </a:r>
+            <a:r>
+              <a:rPr lang="en-US" baseline="0" dirty="0" smtClean="0"/>
+              <a:t> Cons – can see why this is conservative. Monomials with inverse correlation to uncertain variable</a:t>
+            </a:r>
+          </a:p>
+          <a:p>
+            <a:r>
+              <a:rPr lang="en-US" dirty="0" smtClean="0"/>
+              <a:t>Best pairs is against</a:t>
+            </a:r>
+            <a:r>
+              <a:rPr lang="en-US" baseline="0" dirty="0" smtClean="0"/>
+              <a:t> some mathematical magic. </a:t>
             </a:r>
             <a:endParaRPr lang="en-US" dirty="0"/>
           </a:p>
@@ -2355,7 +2566,7 @@
     </p:spTree>
     <p:extLst>
       <p:ext uri="{BB962C8B-B14F-4D97-AF65-F5344CB8AC3E}">
-        <p14:creationId xmlns:p14="http://schemas.microsoft.com/office/powerpoint/2010/main" val="2299344330"/>
+        <p14:creationId xmlns:p14="http://schemas.microsoft.com/office/powerpoint/2010/main" val="1485716918"/>
       </p:ext>
     </p:extLst>
   </p:cSld>
@@ -2411,29 +2622,37 @@
           <a:p>
             <a:r>
               <a:rPr lang="en-US" dirty="0" smtClean="0"/>
-              <a:t>2d-rep</a:t>
+              <a:t>Describe</a:t>
+            </a:r>
+            <a:r>
+              <a:rPr lang="en-US" baseline="0" dirty="0" smtClean="0"/>
+              <a:t> inner loop of SPs as well. </a:t>
             </a:r>
           </a:p>
           <a:p>
             <a:r>
               <a:rPr lang="en-US" dirty="0" smtClean="0"/>
-              <a:t>In a way, margins are unintuitive. Should</a:t>
+              <a:t>Solving an </a:t>
+            </a:r>
+            <a:r>
+              <a:rPr lang="en-US" dirty="0" err="1" smtClean="0"/>
+              <a:t>robustified</a:t>
+            </a:r>
+            <a:r>
+              <a:rPr lang="en-US" dirty="0" smtClean="0"/>
+              <a:t> SP no different than solving an</a:t>
             </a:r>
             <a:r>
               <a:rPr lang="en-US" baseline="0" dirty="0" smtClean="0"/>
-              <a:t> we have positive </a:t>
-            </a:r>
-          </a:p>
-          <a:p>
+              <a:t> S</a:t>
+            </a:r>
+            <a:r>
+              <a:rPr lang="en-US" dirty="0" smtClean="0"/>
+              <a:t>P</a:t>
+            </a:r>
             <a:r>
               <a:rPr lang="en-US" baseline="0" dirty="0" smtClean="0"/>
-              <a:t>or negative margin on wing thickness? </a:t>
-            </a:r>
-          </a:p>
-          <a:p>
-            <a:r>
-              <a:rPr lang="en-US" baseline="0" dirty="0" smtClean="0"/>
-              <a:t>Elliptical makes sense, corners</a:t>
+              <a:t> with more constraints</a:t>
             </a:r>
             <a:endParaRPr lang="en-US" dirty="0"/>
           </a:p>
@@ -2465,7 +2684,7 @@
     </p:spTree>
     <p:extLst>
       <p:ext uri="{BB962C8B-B14F-4D97-AF65-F5344CB8AC3E}">
-        <p14:creationId xmlns:p14="http://schemas.microsoft.com/office/powerpoint/2010/main" val="3888149133"/>
+        <p14:creationId xmlns:p14="http://schemas.microsoft.com/office/powerpoint/2010/main" val="3561803458"/>
       </p:ext>
     </p:extLst>
   </p:cSld>
@@ -2521,41 +2740,7 @@
           <a:p>
             <a:r>
               <a:rPr lang="en-US" dirty="0" smtClean="0"/>
-              <a:t>3sigma – 3CV</a:t>
-            </a:r>
-          </a:p>
-          <a:p>
-            <a:r>
-              <a:rPr lang="en-US" dirty="0" smtClean="0"/>
-              <a:t>Build quality -&gt; high</a:t>
-            </a:r>
-          </a:p>
-          <a:p>
-            <a:r>
-              <a:rPr lang="en-US" dirty="0" smtClean="0"/>
-              <a:t>Payload weight and density -&gt; medium, developed concurrently</a:t>
-            </a:r>
-          </a:p>
-          <a:p>
-            <a:r>
-              <a:rPr lang="en-US" dirty="0" smtClean="0"/>
-              <a:t>Physical</a:t>
-            </a:r>
-            <a:r>
-              <a:rPr lang="en-US" baseline="0" dirty="0" smtClean="0"/>
-              <a:t> constants -&gt; low</a:t>
-            </a:r>
-          </a:p>
-          <a:p>
-            <a:r>
-              <a:rPr lang="en-US" baseline="0" dirty="0" smtClean="0"/>
-              <a:t>Require testing -&gt; expected variance of empirical studies</a:t>
-            </a:r>
-          </a:p>
-          <a:p>
-            <a:r>
-              <a:rPr lang="en-US" baseline="0" dirty="0" smtClean="0"/>
-              <a:t>NOTE engineering knowledge required. </a:t>
+              <a:t>General </a:t>
             </a:r>
             <a:endParaRPr lang="en-US" dirty="0"/>
           </a:p>
@@ -2578,7 +2763,7 @@
           <a:p>
             <a:fld id="{638081BB-34DF-4EFC-A4AF-A5661304D689}" type="slidenum">
               <a:rPr lang="en-US" smtClean="0"/>
-              <a:t>27</a:t>
+              <a:t>25</a:t>
             </a:fld>
             <a:endParaRPr lang="en-US"/>
           </a:p>
@@ -2587,7 +2772,7 @@
     </p:spTree>
     <p:extLst>
       <p:ext uri="{BB962C8B-B14F-4D97-AF65-F5344CB8AC3E}">
-        <p14:creationId xmlns:p14="http://schemas.microsoft.com/office/powerpoint/2010/main" val="3141566302"/>
+        <p14:creationId xmlns:p14="http://schemas.microsoft.com/office/powerpoint/2010/main" val="2299344330"/>
       </p:ext>
     </p:extLst>
   </p:cSld>
@@ -2641,93 +2826,22 @@
           <a:bodyPr/>
           <a:lstStyle/>
           <a:p>
-            <a:pPr marL="0" marR="0" lvl="0" indent="0" algn="l" defTabSz="914400" rtl="0" eaLnBrk="1" fontAlgn="auto" latinLnBrk="0" hangingPunct="1">
-              <a:lnSpc>
-                <a:spcPct val="100000"/>
-              </a:lnSpc>
-              <a:spcBef>
-                <a:spcPts val="0"/>
-              </a:spcBef>
-              <a:spcAft>
-                <a:spcPts val="0"/>
-              </a:spcAft>
-              <a:buClrTx/>
-              <a:buSzTx/>
-              <a:buFontTx/>
-              <a:buNone/>
-              <a:tabLst/>
-              <a:defRPr/>
-            </a:pPr>
-            <a:r>
-              <a:rPr lang="en-US" dirty="0" err="1" smtClean="0"/>
-              <a:t>Prob</a:t>
-            </a:r>
             <a:r>
               <a:rPr lang="en-US" dirty="0" smtClean="0"/>
-              <a:t> of failure</a:t>
-            </a:r>
+              <a:t>2d-rep</a:t>
+            </a:r>
+          </a:p>
+          <a:p>
+            <a:r>
+              <a:rPr lang="en-US" dirty="0" smtClean="0"/>
+              <a:t>Statement about margins: The worst-case outcome of uncertainty</a:t>
+            </a:r>
+          </a:p>
+          <a:p>
             <a:r>
               <a:rPr lang="en-US" baseline="0" dirty="0" smtClean="0"/>
-              <a:t> = constraint violation. </a:t>
-            </a:r>
-          </a:p>
-          <a:p>
-            <a:pPr marL="0" marR="0" lvl="0" indent="0" algn="l" defTabSz="914400" rtl="0" eaLnBrk="1" fontAlgn="auto" latinLnBrk="0" hangingPunct="1">
-              <a:lnSpc>
-                <a:spcPct val="100000"/>
-              </a:lnSpc>
-              <a:spcBef>
-                <a:spcPts val="0"/>
-              </a:spcBef>
-              <a:spcAft>
-                <a:spcPts val="0"/>
-              </a:spcAft>
-              <a:buClrTx/>
-              <a:buSzTx/>
-              <a:buFontTx/>
-              <a:buNone/>
-              <a:tabLst/>
-              <a:defRPr/>
-            </a:pPr>
-            <a:r>
-              <a:rPr lang="en-US" dirty="0" smtClean="0"/>
-              <a:t>100 samples</a:t>
-            </a:r>
-            <a:r>
-              <a:rPr lang="en-US" baseline="0" dirty="0" smtClean="0"/>
-              <a:t> for MC simulation, truncated 3sigma </a:t>
-            </a:r>
-            <a:r>
-              <a:rPr lang="en-US" baseline="0" dirty="0" err="1" smtClean="0"/>
-              <a:t>Gaussaisn</a:t>
-            </a:r>
-            <a:endParaRPr lang="en-US" baseline="0" dirty="0" smtClean="0"/>
-          </a:p>
-          <a:p>
-            <a:pPr marL="0" marR="0" lvl="0" indent="0" algn="l" defTabSz="914400" rtl="0" eaLnBrk="1" fontAlgn="auto" latinLnBrk="0" hangingPunct="1">
-              <a:lnSpc>
-                <a:spcPct val="100000"/>
-              </a:lnSpc>
-              <a:spcBef>
-                <a:spcPts val="0"/>
-              </a:spcBef>
-              <a:spcAft>
-                <a:spcPts val="0"/>
-              </a:spcAft>
-              <a:buClrTx/>
-              <a:buSzTx/>
-              <a:buFontTx/>
-              <a:buNone/>
-              <a:tabLst/>
-              <a:defRPr/>
-            </a:pPr>
-            <a:r>
-              <a:rPr lang="en-US" baseline="0" dirty="0" smtClean="0"/>
-              <a:t>Mean and standard deviation of performance</a:t>
-            </a:r>
-            <a:endParaRPr lang="en-US" dirty="0" smtClean="0"/>
-          </a:p>
-          <a:p>
+              <a:t>Elliptical makes sense, corners</a:t>
+            </a:r>
             <a:endParaRPr lang="en-US" dirty="0"/>
           </a:p>
         </p:txBody>
@@ -2749,7 +2863,7 @@
           <a:p>
             <a:fld id="{638081BB-34DF-4EFC-A4AF-A5661304D689}" type="slidenum">
               <a:rPr lang="en-US" smtClean="0"/>
-              <a:t>28</a:t>
+              <a:t>26</a:t>
             </a:fld>
             <a:endParaRPr lang="en-US"/>
           </a:p>
@@ -2758,7 +2872,7 @@
     </p:spTree>
     <p:extLst>
       <p:ext uri="{BB962C8B-B14F-4D97-AF65-F5344CB8AC3E}">
-        <p14:creationId xmlns:p14="http://schemas.microsoft.com/office/powerpoint/2010/main" val="1106281060"/>
+        <p14:creationId xmlns:p14="http://schemas.microsoft.com/office/powerpoint/2010/main" val="3888149133"/>
       </p:ext>
     </p:extLst>
   </p:cSld>
@@ -2812,6 +2926,14 @@
           <a:bodyPr/>
           <a:lstStyle/>
           <a:p>
+            <a:r>
+              <a:rPr lang="en-US" dirty="0" smtClean="0"/>
+              <a:t>See whether we have</a:t>
+            </a:r>
+            <a:r>
+              <a:rPr lang="en-US" baseline="0" dirty="0" smtClean="0"/>
+              <a:t> a useful framework</a:t>
+            </a:r>
             <a:endParaRPr lang="en-US" dirty="0"/>
           </a:p>
         </p:txBody>
@@ -2833,7 +2955,7 @@
           <a:p>
             <a:fld id="{638081BB-34DF-4EFC-A4AF-A5661304D689}" type="slidenum">
               <a:rPr lang="en-US" smtClean="0"/>
-              <a:t>29</a:t>
+              <a:t>27</a:t>
             </a:fld>
             <a:endParaRPr lang="en-US"/>
           </a:p>
@@ -2842,7 +2964,7 @@
     </p:spTree>
     <p:extLst>
       <p:ext uri="{BB962C8B-B14F-4D97-AF65-F5344CB8AC3E}">
-        <p14:creationId xmlns:p14="http://schemas.microsoft.com/office/powerpoint/2010/main" val="1374788150"/>
+        <p14:creationId xmlns:p14="http://schemas.microsoft.com/office/powerpoint/2010/main" val="1714882264"/>
       </p:ext>
     </p:extLst>
   </p:cSld>
@@ -2898,43 +3020,17 @@
           <a:p>
             <a:r>
               <a:rPr lang="en-US" dirty="0" smtClean="0"/>
-              <a:t>Highlight importance of considering multiple objectives</a:t>
+              <a:t>Great thing about models</a:t>
             </a:r>
           </a:p>
           <a:p>
             <a:r>
               <a:rPr lang="en-US" dirty="0" smtClean="0"/>
-              <a:t>Look at two specific things</a:t>
-            </a:r>
-          </a:p>
-          <a:p>
-            <a:r>
-              <a:rPr lang="en-US" dirty="0" smtClean="0"/>
-              <a:t>Aspect ratio (unintuitive)</a:t>
-            </a:r>
-          </a:p>
-          <a:p>
-            <a:r>
-              <a:rPr lang="en-US" dirty="0" smtClean="0"/>
-              <a:t>Fuel and time</a:t>
+              <a:t>Yes they are simple, but we can easily augment models with data.</a:t>
             </a:r>
             <a:r>
               <a:rPr lang="en-US" baseline="0" dirty="0" smtClean="0"/>
-              <a:t> cost</a:t>
-            </a:r>
-            <a:r>
-              <a:rPr lang="en-US" dirty="0" smtClean="0"/>
-              <a:t>: interesting correlations but also differences</a:t>
-            </a:r>
-          </a:p>
-          <a:p>
-            <a:r>
-              <a:rPr lang="en-US" dirty="0" smtClean="0"/>
-              <a:t>Wing loading</a:t>
-            </a:r>
-            <a:r>
-              <a:rPr lang="en-US" baseline="0" dirty="0" smtClean="0"/>
-              <a:t> are the same. Why does this occur? </a:t>
+              <a:t> </a:t>
             </a:r>
             <a:endParaRPr lang="en-US" dirty="0"/>
           </a:p>
@@ -2957,7 +3053,7 @@
           <a:p>
             <a:fld id="{638081BB-34DF-4EFC-A4AF-A5661304D689}" type="slidenum">
               <a:rPr lang="en-US" smtClean="0"/>
-              <a:t>30</a:t>
+              <a:t>28</a:t>
             </a:fld>
             <a:endParaRPr lang="en-US"/>
           </a:p>
@@ -2966,7 +3062,7 @@
     </p:spTree>
     <p:extLst>
       <p:ext uri="{BB962C8B-B14F-4D97-AF65-F5344CB8AC3E}">
-        <p14:creationId xmlns:p14="http://schemas.microsoft.com/office/powerpoint/2010/main" val="1659778768"/>
+        <p14:creationId xmlns:p14="http://schemas.microsoft.com/office/powerpoint/2010/main" val="424220370"/>
       </p:ext>
     </p:extLst>
   </p:cSld>
@@ -3022,11 +3118,41 @@
           <a:p>
             <a:r>
               <a:rPr lang="en-US" dirty="0" smtClean="0"/>
-              <a:t>Relative convergence of designs to each other.</a:t>
+              <a:t>3sigma – 3CV</a:t>
+            </a:r>
+          </a:p>
+          <a:p>
+            <a:r>
+              <a:rPr lang="en-US" dirty="0" smtClean="0"/>
+              <a:t>Build quality -&gt; high</a:t>
+            </a:r>
+          </a:p>
+          <a:p>
+            <a:r>
+              <a:rPr lang="en-US" dirty="0" smtClean="0"/>
+              <a:t>Payload weight and density -&gt; medium, developed concurrently</a:t>
+            </a:r>
+          </a:p>
+          <a:p>
+            <a:r>
+              <a:rPr lang="en-US" dirty="0" smtClean="0"/>
+              <a:t>Physical</a:t>
             </a:r>
             <a:r>
               <a:rPr lang="en-US" baseline="0" dirty="0" smtClean="0"/>
-              <a:t> </a:t>
+              <a:t> constants -&gt; low</a:t>
+            </a:r>
+          </a:p>
+          <a:p>
+            <a:r>
+              <a:rPr lang="en-US" baseline="0" dirty="0" smtClean="0"/>
+              <a:t>Require testing -&gt; expected variance of empirical studies</a:t>
+            </a:r>
+          </a:p>
+          <a:p>
+            <a:r>
+              <a:rPr lang="en-US" baseline="0" dirty="0" smtClean="0"/>
+              <a:t>NOTE engineering knowledge required. </a:t>
             </a:r>
             <a:endParaRPr lang="en-US" dirty="0"/>
           </a:p>
@@ -3049,7 +3175,7 @@
           <a:p>
             <a:fld id="{638081BB-34DF-4EFC-A4AF-A5661304D689}" type="slidenum">
               <a:rPr lang="en-US" smtClean="0"/>
-              <a:t>31</a:t>
+              <a:t>29</a:t>
             </a:fld>
             <a:endParaRPr lang="en-US"/>
           </a:p>
@@ -3058,7 +3184,7 @@
     </p:spTree>
     <p:extLst>
       <p:ext uri="{BB962C8B-B14F-4D97-AF65-F5344CB8AC3E}">
-        <p14:creationId xmlns:p14="http://schemas.microsoft.com/office/powerpoint/2010/main" val="2105297986"/>
+        <p14:creationId xmlns:p14="http://schemas.microsoft.com/office/powerpoint/2010/main" val="3141566302"/>
       </p:ext>
     </p:extLst>
   </p:cSld>
@@ -3114,15 +3240,26 @@
           <a:p>
             <a:r>
               <a:rPr lang="en-US" dirty="0" smtClean="0"/>
-              <a:t>Motivate </a:t>
-            </a:r>
-            <a:r>
-              <a:rPr lang="en-US" dirty="0" smtClean="0"/>
-              <a:t>first</a:t>
+              <a:t>Motivate first</a:t>
             </a:r>
             <a:r>
               <a:rPr lang="en-US" baseline="0" dirty="0" smtClean="0"/>
               <a:t> in aerospace field. </a:t>
+            </a:r>
+          </a:p>
+          <a:p>
+            <a:r>
+              <a:rPr lang="en-US" baseline="0" dirty="0" smtClean="0"/>
+              <a:t>I know a lot of you will say, it is obvious, but I’m going to provide some concrete examples anyways. </a:t>
+            </a:r>
+          </a:p>
+          <a:p>
+            <a:endParaRPr lang="en-US" baseline="0" dirty="0" smtClean="0"/>
+          </a:p>
+          <a:p>
+            <a:r>
+              <a:rPr lang="en-US" baseline="0" dirty="0" smtClean="0"/>
+              <a:t>(10s)</a:t>
             </a:r>
             <a:endParaRPr lang="en-US" dirty="0"/>
           </a:p>
@@ -3210,19 +3347,445 @@
           <a:p>
             <a:r>
               <a:rPr lang="en-US" dirty="0" smtClean="0"/>
-              <a:t>MO makes my skin crawl. </a:t>
-            </a:r>
-          </a:p>
-          <a:p>
+              <a:t>Here</a:t>
+            </a:r>
+            <a:r>
+              <a:rPr lang="en-US" baseline="0" dirty="0" smtClean="0"/>
+              <a:t> are results, with corresponding aircraft</a:t>
+            </a:r>
+          </a:p>
+          <a:p>
+            <a:r>
+              <a:rPr lang="en-US" baseline="0" dirty="0" smtClean="0"/>
+              <a:t>Objective is fuel weight, where </a:t>
+            </a:r>
+            <a:r>
+              <a:rPr lang="en-US" baseline="0" dirty="0" err="1" smtClean="0"/>
+              <a:t>m,b,e</a:t>
+            </a:r>
+            <a:r>
+              <a:rPr lang="en-US" baseline="0" dirty="0" smtClean="0"/>
+              <a:t> have worst-case</a:t>
+            </a:r>
+          </a:p>
+          <a:p>
+            <a:r>
+              <a:rPr lang="en-US" baseline="0" dirty="0" smtClean="0"/>
+              <a:t>We can compare the designs as we like, but we are interested in statistics of objective</a:t>
+            </a:r>
+          </a:p>
+          <a:p>
+            <a:r>
+              <a:rPr lang="en-US" baseline="0" dirty="0" smtClean="0"/>
+              <a:t>Margins don’t have the level of conservativeness they signal</a:t>
+            </a:r>
+          </a:p>
+          <a:p>
+            <a:pPr marL="0" marR="0" lvl="0" indent="0" algn="l" defTabSz="914400" rtl="0" eaLnBrk="1" fontAlgn="auto" latinLnBrk="0" hangingPunct="1">
+              <a:lnSpc>
+                <a:spcPct val="100000"/>
+              </a:lnSpc>
+              <a:spcBef>
+                <a:spcPts val="0"/>
+              </a:spcBef>
+              <a:spcAft>
+                <a:spcPts val="0"/>
+              </a:spcAft>
+              <a:buClrTx/>
+              <a:buSzTx/>
+              <a:buFontTx/>
+              <a:buNone/>
+              <a:tabLst/>
+              <a:defRPr/>
+            </a:pPr>
+            <a:r>
+              <a:rPr lang="en-US" baseline="0" dirty="0" smtClean="0"/>
+              <a:t>Firstly, </a:t>
+            </a:r>
+            <a:r>
+              <a:rPr lang="en-US" baseline="0" dirty="0" err="1" smtClean="0"/>
+              <a:t>prob</a:t>
+            </a:r>
+            <a:r>
+              <a:rPr lang="en-US" baseline="0" dirty="0" smtClean="0"/>
+              <a:t> of failure. </a:t>
+            </a:r>
+            <a:r>
+              <a:rPr lang="en-US" dirty="0" err="1" smtClean="0"/>
+              <a:t>Prob</a:t>
+            </a:r>
             <a:r>
               <a:rPr lang="en-US" dirty="0" smtClean="0"/>
-              <a:t>Max gamma</a:t>
+              <a:t> of failure</a:t>
             </a:r>
             <a:r>
               <a:rPr lang="en-US" baseline="0" dirty="0" smtClean="0"/>
-              <a:t> worsens objective</a:t>
+              <a:t> = constraint violation. </a:t>
+            </a:r>
+          </a:p>
+          <a:p>
+            <a:pPr marL="0" marR="0" lvl="0" indent="0" algn="l" defTabSz="914400" rtl="0" eaLnBrk="1" fontAlgn="auto" latinLnBrk="0" hangingPunct="1">
+              <a:lnSpc>
+                <a:spcPct val="100000"/>
+              </a:lnSpc>
+              <a:spcBef>
+                <a:spcPts val="0"/>
+              </a:spcBef>
+              <a:spcAft>
+                <a:spcPts val="0"/>
+              </a:spcAft>
+              <a:buClrTx/>
+              <a:buSzTx/>
+              <a:buFontTx/>
+              <a:buNone/>
+              <a:tabLst/>
+              <a:defRPr/>
+            </a:pPr>
+            <a:r>
+              <a:rPr lang="en-US" baseline="0" dirty="0" smtClean="0"/>
+              <a:t>Makes sense. Think of hyperplane for LP. </a:t>
+            </a:r>
+          </a:p>
+          <a:p>
+            <a:r>
+              <a:rPr lang="en-US" baseline="0" dirty="0" smtClean="0"/>
+              <a:t>Margin not as conservative as it signals</a:t>
+            </a:r>
+          </a:p>
+          <a:p>
+            <a:r>
+              <a:rPr lang="en-US" baseline="0" dirty="0" smtClean="0"/>
+              <a:t>Use </a:t>
+            </a:r>
+            <a:r>
+              <a:rPr lang="en-US" baseline="0" dirty="0" err="1" smtClean="0"/>
+              <a:t>sens</a:t>
+            </a:r>
+            <a:r>
+              <a:rPr lang="en-US" baseline="0" dirty="0" smtClean="0"/>
+              <a:t> of nominal, push to support</a:t>
+            </a:r>
+          </a:p>
+          <a:p>
+            <a:r>
+              <a:rPr lang="en-US" baseline="0" dirty="0" smtClean="0"/>
+              <a:t>Roughly same E and sigma</a:t>
+            </a:r>
+          </a:p>
+          <a:p>
+            <a:r>
+              <a:rPr lang="en-US" baseline="0" dirty="0" smtClean="0"/>
+              <a:t>Elliptical strictly less conservative</a:t>
             </a:r>
             <a:endParaRPr lang="en-US" dirty="0"/>
+          </a:p>
+        </p:txBody>
+      </p:sp>
+      <p:sp>
+        <p:nvSpPr>
+          <p:cNvPr id="4" name="Slide Number Placeholder 3"/>
+          <p:cNvSpPr>
+            <a:spLocks noGrp="1"/>
+          </p:cNvSpPr>
+          <p:nvPr>
+            <p:ph type="sldNum" sz="quarter" idx="10"/>
+          </p:nvPr>
+        </p:nvSpPr>
+        <p:spPr/>
+        <p:txBody>
+          <a:bodyPr/>
+          <a:lstStyle/>
+          <a:p>
+            <a:fld id="{638081BB-34DF-4EFC-A4AF-A5661304D689}" type="slidenum">
+              <a:rPr lang="en-US" smtClean="0"/>
+              <a:t>30</a:t>
+            </a:fld>
+            <a:endParaRPr lang="en-US"/>
+          </a:p>
+        </p:txBody>
+      </p:sp>
+    </p:spTree>
+    <p:extLst>
+      <p:ext uri="{BB962C8B-B14F-4D97-AF65-F5344CB8AC3E}">
+        <p14:creationId xmlns:p14="http://schemas.microsoft.com/office/powerpoint/2010/main" val="1374788150"/>
+      </p:ext>
+    </p:extLst>
+  </p:cSld>
+  <p:clrMapOvr>
+    <a:masterClrMapping/>
+  </p:clrMapOvr>
+</p:notes>
+</file>
+
+<file path=ppt/notesSlides/notesSlide31.xml><?xml version="1.0" encoding="utf-8"?>
+<p:notes xmlns:a="http://schemas.openxmlformats.org/drawingml/2006/main" xmlns:r="http://schemas.openxmlformats.org/officeDocument/2006/relationships" xmlns:p="http://schemas.openxmlformats.org/presentationml/2006/main">
+  <p:cSld>
+    <p:spTree>
+      <p:nvGrpSpPr>
+        <p:cNvPr id="1" name=""/>
+        <p:cNvGrpSpPr/>
+        <p:nvPr/>
+      </p:nvGrpSpPr>
+      <p:grpSpPr>
+        <a:xfrm>
+          <a:off x="0" y="0"/>
+          <a:ext cx="0" cy="0"/>
+          <a:chOff x="0" y="0"/>
+          <a:chExt cx="0" cy="0"/>
+        </a:xfrm>
+      </p:grpSpPr>
+      <p:sp>
+        <p:nvSpPr>
+          <p:cNvPr id="2" name="Slide Image Placeholder 1"/>
+          <p:cNvSpPr>
+            <a:spLocks noGrp="1" noRot="1" noChangeAspect="1"/>
+          </p:cNvSpPr>
+          <p:nvPr>
+            <p:ph type="sldImg"/>
+          </p:nvPr>
+        </p:nvSpPr>
+        <p:spPr/>
+      </p:sp>
+      <p:sp>
+        <p:nvSpPr>
+          <p:cNvPr id="3" name="Notes Placeholder 2"/>
+          <p:cNvSpPr>
+            <a:spLocks noGrp="1"/>
+          </p:cNvSpPr>
+          <p:nvPr>
+            <p:ph type="body" idx="1"/>
+          </p:nvPr>
+        </p:nvSpPr>
+        <p:spPr/>
+        <p:txBody>
+          <a:bodyPr/>
+          <a:lstStyle/>
+          <a:p>
+            <a:pPr marL="0" marR="0" lvl="0" indent="0" algn="l" defTabSz="914400" rtl="0" eaLnBrk="1" fontAlgn="auto" latinLnBrk="0" hangingPunct="1">
+              <a:lnSpc>
+                <a:spcPct val="100000"/>
+              </a:lnSpc>
+              <a:spcBef>
+                <a:spcPts val="0"/>
+              </a:spcBef>
+              <a:spcAft>
+                <a:spcPts val="0"/>
+              </a:spcAft>
+              <a:buClrTx/>
+              <a:buSzTx/>
+              <a:buFontTx/>
+              <a:buNone/>
+              <a:tabLst/>
+              <a:defRPr/>
+            </a:pPr>
+            <a:r>
+              <a:rPr lang="en-US" baseline="0" dirty="0" smtClean="0"/>
+              <a:t>Don’t present results for margins, look similar to box</a:t>
+            </a:r>
+          </a:p>
+          <a:p>
+            <a:pPr marL="0" marR="0" lvl="0" indent="0" algn="l" defTabSz="914400" rtl="0" eaLnBrk="1" fontAlgn="auto" latinLnBrk="0" hangingPunct="1">
+              <a:lnSpc>
+                <a:spcPct val="100000"/>
+              </a:lnSpc>
+              <a:spcBef>
+                <a:spcPts val="0"/>
+              </a:spcBef>
+              <a:spcAft>
+                <a:spcPts val="0"/>
+              </a:spcAft>
+              <a:buClrTx/>
+              <a:buSzTx/>
+              <a:buFontTx/>
+              <a:buNone/>
+              <a:tabLst/>
+              <a:defRPr/>
+            </a:pPr>
+            <a:r>
+              <a:rPr lang="en-US" dirty="0" smtClean="0"/>
+              <a:t>100 samples</a:t>
+            </a:r>
+            <a:r>
+              <a:rPr lang="en-US" baseline="0" dirty="0" smtClean="0"/>
+              <a:t> for MC simulation, truncated 3sigma </a:t>
+            </a:r>
+            <a:r>
+              <a:rPr lang="en-US" baseline="0" dirty="0" err="1" smtClean="0"/>
+              <a:t>Gaussaisn</a:t>
+            </a:r>
+            <a:endParaRPr lang="en-US" baseline="0" dirty="0" smtClean="0"/>
+          </a:p>
+          <a:p>
+            <a:pPr marL="0" marR="0" lvl="0" indent="0" algn="l" defTabSz="914400" rtl="0" eaLnBrk="1" fontAlgn="auto" latinLnBrk="0" hangingPunct="1">
+              <a:lnSpc>
+                <a:spcPct val="100000"/>
+              </a:lnSpc>
+              <a:spcBef>
+                <a:spcPts val="0"/>
+              </a:spcBef>
+              <a:spcAft>
+                <a:spcPts val="0"/>
+              </a:spcAft>
+              <a:buClrTx/>
+              <a:buSzTx/>
+              <a:buFontTx/>
+              <a:buNone/>
+              <a:tabLst/>
+              <a:defRPr/>
+            </a:pPr>
+            <a:r>
+              <a:rPr lang="en-US" baseline="0" dirty="0" smtClean="0"/>
+              <a:t>Mean and standard deviation of performance</a:t>
+            </a:r>
+            <a:endParaRPr lang="en-US" dirty="0" smtClean="0"/>
+          </a:p>
+          <a:p>
+            <a:r>
+              <a:rPr lang="en-US" dirty="0" smtClean="0"/>
+              <a:t>Method significantly less conservative than margins!</a:t>
+            </a:r>
+            <a:endParaRPr lang="en-US" dirty="0"/>
+          </a:p>
+        </p:txBody>
+      </p:sp>
+      <p:sp>
+        <p:nvSpPr>
+          <p:cNvPr id="4" name="Slide Number Placeholder 3"/>
+          <p:cNvSpPr>
+            <a:spLocks noGrp="1"/>
+          </p:cNvSpPr>
+          <p:nvPr>
+            <p:ph type="sldNum" sz="quarter" idx="10"/>
+          </p:nvPr>
+        </p:nvSpPr>
+        <p:spPr/>
+        <p:txBody>
+          <a:bodyPr/>
+          <a:lstStyle/>
+          <a:p>
+            <a:fld id="{638081BB-34DF-4EFC-A4AF-A5661304D689}" type="slidenum">
+              <a:rPr lang="en-US" smtClean="0"/>
+              <a:t>31</a:t>
+            </a:fld>
+            <a:endParaRPr lang="en-US"/>
+          </a:p>
+        </p:txBody>
+      </p:sp>
+    </p:spTree>
+    <p:extLst>
+      <p:ext uri="{BB962C8B-B14F-4D97-AF65-F5344CB8AC3E}">
+        <p14:creationId xmlns:p14="http://schemas.microsoft.com/office/powerpoint/2010/main" val="1106281060"/>
+      </p:ext>
+    </p:extLst>
+  </p:cSld>
+  <p:clrMapOvr>
+    <a:masterClrMapping/>
+  </p:clrMapOvr>
+</p:notes>
+</file>
+
+<file path=ppt/notesSlides/notesSlide32.xml><?xml version="1.0" encoding="utf-8"?>
+<p:notes xmlns:a="http://schemas.openxmlformats.org/drawingml/2006/main" xmlns:r="http://schemas.openxmlformats.org/officeDocument/2006/relationships" xmlns:p="http://schemas.openxmlformats.org/presentationml/2006/main">
+  <p:cSld>
+    <p:spTree>
+      <p:nvGrpSpPr>
+        <p:cNvPr id="1" name=""/>
+        <p:cNvGrpSpPr/>
+        <p:nvPr/>
+      </p:nvGrpSpPr>
+      <p:grpSpPr>
+        <a:xfrm>
+          <a:off x="0" y="0"/>
+          <a:ext cx="0" cy="0"/>
+          <a:chOff x="0" y="0"/>
+          <a:chExt cx="0" cy="0"/>
+        </a:xfrm>
+      </p:grpSpPr>
+      <p:sp>
+        <p:nvSpPr>
+          <p:cNvPr id="2" name="Slide Image Placeholder 1"/>
+          <p:cNvSpPr>
+            <a:spLocks noGrp="1" noRot="1" noChangeAspect="1"/>
+          </p:cNvSpPr>
+          <p:nvPr>
+            <p:ph type="sldImg"/>
+          </p:nvPr>
+        </p:nvSpPr>
+        <p:spPr/>
+      </p:sp>
+      <p:sp>
+        <p:nvSpPr>
+          <p:cNvPr id="3" name="Notes Placeholder 2"/>
+          <p:cNvSpPr>
+            <a:spLocks noGrp="1"/>
+          </p:cNvSpPr>
+          <p:nvPr>
+            <p:ph type="body" idx="1"/>
+          </p:nvPr>
+        </p:nvSpPr>
+        <p:spPr/>
+        <p:txBody>
+          <a:bodyPr/>
+          <a:lstStyle/>
+          <a:p>
+            <a:r>
+              <a:rPr lang="en-US" dirty="0" smtClean="0"/>
+              <a:t>Highlight importance of considering multiple objectives</a:t>
+            </a:r>
+          </a:p>
+          <a:p>
+            <a:r>
+              <a:rPr lang="en-US" dirty="0" smtClean="0"/>
+              <a:t>Same aircraft, designed under</a:t>
+            </a:r>
+            <a:r>
+              <a:rPr lang="en-US" baseline="0" dirty="0" smtClean="0"/>
+              <a:t> certainty for these objectives. Normalized cost</a:t>
+            </a:r>
+            <a:endParaRPr lang="en-US" dirty="0" smtClean="0"/>
+          </a:p>
+          <a:p>
+            <a:r>
+              <a:rPr lang="en-US" dirty="0" smtClean="0"/>
+              <a:t>Look at two specific things</a:t>
+            </a:r>
+          </a:p>
+          <a:p>
+            <a:r>
+              <a:rPr lang="en-US" dirty="0" smtClean="0"/>
+              <a:t>Aspect ratio (unintuitive). Let’s say stubby wings are an objective</a:t>
+            </a:r>
+          </a:p>
+          <a:p>
+            <a:r>
+              <a:rPr lang="en-US" dirty="0" smtClean="0"/>
+              <a:t>Fuel and time</a:t>
+            </a:r>
+            <a:r>
+              <a:rPr lang="en-US" baseline="0" dirty="0" smtClean="0"/>
+              <a:t> cost</a:t>
+            </a:r>
+            <a:r>
+              <a:rPr lang="en-US" dirty="0" smtClean="0"/>
+              <a:t>: Two extreme cases of</a:t>
+            </a:r>
+            <a:r>
+              <a:rPr lang="en-US" baseline="0" dirty="0" smtClean="0"/>
+              <a:t> recurring cost</a:t>
+            </a:r>
+          </a:p>
+          <a:p>
+            <a:r>
+              <a:rPr lang="en-US" baseline="0" dirty="0" smtClean="0"/>
+              <a:t>Can be combined in a total cost metric, compromise aircraft</a:t>
+            </a:r>
+          </a:p>
+          <a:p>
+            <a:r>
+              <a:rPr lang="en-US" baseline="0" dirty="0" smtClean="0"/>
+              <a:t>If we don’t, we can end up with extreme solutions</a:t>
+            </a:r>
+            <a:endParaRPr lang="en-US" dirty="0" smtClean="0"/>
           </a:p>
         </p:txBody>
       </p:sp>
@@ -3252,7 +3815,506 @@
     </p:spTree>
     <p:extLst>
       <p:ext uri="{BB962C8B-B14F-4D97-AF65-F5344CB8AC3E}">
+        <p14:creationId xmlns:p14="http://schemas.microsoft.com/office/powerpoint/2010/main" val="1659778768"/>
+      </p:ext>
+    </p:extLst>
+  </p:cSld>
+  <p:clrMapOvr>
+    <a:masterClrMapping/>
+  </p:clrMapOvr>
+</p:notes>
+</file>
+
+<file path=ppt/notesSlides/notesSlide33.xml><?xml version="1.0" encoding="utf-8"?>
+<p:notes xmlns:a="http://schemas.openxmlformats.org/drawingml/2006/main" xmlns:r="http://schemas.openxmlformats.org/officeDocument/2006/relationships" xmlns:p="http://schemas.openxmlformats.org/presentationml/2006/main">
+  <p:cSld>
+    <p:spTree>
+      <p:nvGrpSpPr>
+        <p:cNvPr id="1" name=""/>
+        <p:cNvGrpSpPr/>
+        <p:nvPr/>
+      </p:nvGrpSpPr>
+      <p:grpSpPr>
+        <a:xfrm>
+          <a:off x="0" y="0"/>
+          <a:ext cx="0" cy="0"/>
+          <a:chOff x="0" y="0"/>
+          <a:chExt cx="0" cy="0"/>
+        </a:xfrm>
+      </p:grpSpPr>
+      <p:sp>
+        <p:nvSpPr>
+          <p:cNvPr id="2" name="Slide Image Placeholder 1"/>
+          <p:cNvSpPr>
+            <a:spLocks noGrp="1" noRot="1" noChangeAspect="1"/>
+          </p:cNvSpPr>
+          <p:nvPr>
+            <p:ph type="sldImg"/>
+          </p:nvPr>
+        </p:nvSpPr>
+        <p:spPr/>
+      </p:sp>
+      <p:sp>
+        <p:nvSpPr>
+          <p:cNvPr id="3" name="Notes Placeholder 2"/>
+          <p:cNvSpPr>
+            <a:spLocks noGrp="1"/>
+          </p:cNvSpPr>
+          <p:nvPr>
+            <p:ph type="body" idx="1"/>
+          </p:nvPr>
+        </p:nvSpPr>
+        <p:spPr/>
+        <p:txBody>
+          <a:bodyPr/>
+          <a:lstStyle/>
+          <a:p>
+            <a:r>
+              <a:rPr lang="en-US" dirty="0" smtClean="0"/>
+              <a:t>Take that further, add some good diagrams</a:t>
+            </a:r>
+          </a:p>
+          <a:p>
+            <a:r>
+              <a:rPr lang="en-US" dirty="0" smtClean="0"/>
+              <a:t>Spider plots. 12 aircraft</a:t>
+            </a:r>
+          </a:p>
+          <a:p>
+            <a:r>
+              <a:rPr lang="en-US" dirty="0" smtClean="0"/>
+              <a:t>4 objectives,</a:t>
+            </a:r>
+            <a:r>
+              <a:rPr lang="en-US" baseline="0" dirty="0" smtClean="0"/>
+              <a:t> 3 uncertainty sets. Normalized solutions.</a:t>
+            </a:r>
+            <a:endParaRPr lang="en-US" dirty="0" smtClean="0"/>
+          </a:p>
+          <a:p>
+            <a:r>
+              <a:rPr lang="en-US" dirty="0" smtClean="0"/>
+              <a:t>Figure</a:t>
+            </a:r>
+            <a:r>
+              <a:rPr lang="en-US" baseline="0" dirty="0" smtClean="0"/>
+              <a:t> of merit, area inside </a:t>
+            </a:r>
+          </a:p>
+          <a:p>
+            <a:r>
+              <a:rPr lang="en-US" baseline="0" dirty="0" smtClean="0"/>
+              <a:t>Again, confirm </a:t>
+            </a:r>
+            <a:r>
+              <a:rPr lang="en-US" baseline="0" dirty="0" err="1" smtClean="0"/>
+              <a:t>conservativity</a:t>
+            </a:r>
+            <a:r>
+              <a:rPr lang="en-US" baseline="0" dirty="0" smtClean="0"/>
+              <a:t>. </a:t>
+            </a:r>
+          </a:p>
+          <a:p>
+            <a:r>
+              <a:rPr lang="en-US" baseline="0" dirty="0" smtClean="0"/>
+              <a:t>Mid/Cruise L/D (traditionally used) is a bad metric for all other objectives. </a:t>
+            </a:r>
+          </a:p>
+          <a:p>
+            <a:r>
+              <a:rPr lang="en-US" dirty="0" smtClean="0"/>
+              <a:t>Relative convergence of designs to each other.</a:t>
+            </a:r>
+            <a:r>
+              <a:rPr lang="en-US" baseline="0" dirty="0" smtClean="0"/>
+              <a:t> </a:t>
+            </a:r>
+          </a:p>
+          <a:p>
+            <a:r>
+              <a:rPr lang="en-US" baseline="0" dirty="0" smtClean="0"/>
+              <a:t>Some examples of studies that we can perform. </a:t>
+            </a:r>
+            <a:endParaRPr lang="en-US" dirty="0"/>
+          </a:p>
+        </p:txBody>
+      </p:sp>
+      <p:sp>
+        <p:nvSpPr>
+          <p:cNvPr id="4" name="Slide Number Placeholder 3"/>
+          <p:cNvSpPr>
+            <a:spLocks noGrp="1"/>
+          </p:cNvSpPr>
+          <p:nvPr>
+            <p:ph type="sldNum" sz="quarter" idx="10"/>
+          </p:nvPr>
+        </p:nvSpPr>
+        <p:spPr/>
+        <p:txBody>
+          <a:bodyPr/>
+          <a:lstStyle/>
+          <a:p>
+            <a:fld id="{638081BB-34DF-4EFC-A4AF-A5661304D689}" type="slidenum">
+              <a:rPr lang="en-US" smtClean="0"/>
+              <a:t>33</a:t>
+            </a:fld>
+            <a:endParaRPr lang="en-US"/>
+          </a:p>
+        </p:txBody>
+      </p:sp>
+    </p:spTree>
+    <p:extLst>
+      <p:ext uri="{BB962C8B-B14F-4D97-AF65-F5344CB8AC3E}">
+        <p14:creationId xmlns:p14="http://schemas.microsoft.com/office/powerpoint/2010/main" val="2105297986"/>
+      </p:ext>
+    </p:extLst>
+  </p:cSld>
+  <p:clrMapOvr>
+    <a:masterClrMapping/>
+  </p:clrMapOvr>
+</p:notes>
+</file>
+
+<file path=ppt/notesSlides/notesSlide34.xml><?xml version="1.0" encoding="utf-8"?>
+<p:notes xmlns:a="http://schemas.openxmlformats.org/drawingml/2006/main" xmlns:r="http://schemas.openxmlformats.org/officeDocument/2006/relationships" xmlns:p="http://schemas.openxmlformats.org/presentationml/2006/main">
+  <p:cSld>
+    <p:spTree>
+      <p:nvGrpSpPr>
+        <p:cNvPr id="1" name=""/>
+        <p:cNvGrpSpPr/>
+        <p:nvPr/>
+      </p:nvGrpSpPr>
+      <p:grpSpPr>
+        <a:xfrm>
+          <a:off x="0" y="0"/>
+          <a:ext cx="0" cy="0"/>
+          <a:chOff x="0" y="0"/>
+          <a:chExt cx="0" cy="0"/>
+        </a:xfrm>
+      </p:grpSpPr>
+      <p:sp>
+        <p:nvSpPr>
+          <p:cNvPr id="2" name="Slide Image Placeholder 1"/>
+          <p:cNvSpPr>
+            <a:spLocks noGrp="1" noRot="1" noChangeAspect="1"/>
+          </p:cNvSpPr>
+          <p:nvPr>
+            <p:ph type="sldImg"/>
+          </p:nvPr>
+        </p:nvSpPr>
+        <p:spPr/>
+      </p:sp>
+      <p:sp>
+        <p:nvSpPr>
+          <p:cNvPr id="3" name="Notes Placeholder 2"/>
+          <p:cNvSpPr>
+            <a:spLocks noGrp="1"/>
+          </p:cNvSpPr>
+          <p:nvPr>
+            <p:ph type="body" idx="1"/>
+          </p:nvPr>
+        </p:nvSpPr>
+        <p:spPr/>
+        <p:txBody>
+          <a:bodyPr/>
+          <a:lstStyle/>
+          <a:p>
+            <a:r>
+              <a:rPr lang="en-US" dirty="0" smtClean="0"/>
+              <a:t>This is a slide that makes me extremely happy.</a:t>
+            </a:r>
+          </a:p>
+          <a:p>
+            <a:r>
+              <a:rPr lang="en-US" dirty="0" smtClean="0"/>
+              <a:t>MO makes my skin crawl,</a:t>
+            </a:r>
+            <a:r>
+              <a:rPr lang="en-US" baseline="0" dirty="0" smtClean="0"/>
+              <a:t> because there is no such thing</a:t>
+            </a:r>
+          </a:p>
+          <a:p>
+            <a:r>
+              <a:rPr lang="en-US" baseline="0" dirty="0" smtClean="0"/>
+              <a:t>Engineers have to make decisions about which objective is the most important. </a:t>
+            </a:r>
+          </a:p>
+          <a:p>
+            <a:r>
+              <a:rPr lang="en-US" baseline="0" dirty="0" smtClean="0"/>
+              <a:t>Or is risk the only real design metric? </a:t>
+            </a:r>
+            <a:endParaRPr lang="en-US" dirty="0" smtClean="0"/>
+          </a:p>
+          <a:p>
+            <a:r>
+              <a:rPr lang="en-US" dirty="0" smtClean="0"/>
+              <a:t>No solution on first line,</a:t>
+            </a:r>
+            <a:r>
+              <a:rPr lang="en-US" baseline="0" dirty="0" smtClean="0"/>
+              <a:t> singularity</a:t>
+            </a:r>
+            <a:endParaRPr lang="en-US" dirty="0" smtClean="0"/>
+          </a:p>
+          <a:p>
+            <a:r>
+              <a:rPr lang="en-US" dirty="0" smtClean="0"/>
+              <a:t>Formulation</a:t>
+            </a:r>
+            <a:r>
+              <a:rPr lang="en-US" baseline="0" dirty="0" smtClean="0"/>
+              <a:t> is tight!</a:t>
+            </a:r>
+            <a:endParaRPr lang="en-US" dirty="0"/>
+          </a:p>
+        </p:txBody>
+      </p:sp>
+      <p:sp>
+        <p:nvSpPr>
+          <p:cNvPr id="4" name="Slide Number Placeholder 3"/>
+          <p:cNvSpPr>
+            <a:spLocks noGrp="1"/>
+          </p:cNvSpPr>
+          <p:nvPr>
+            <p:ph type="sldNum" sz="quarter" idx="10"/>
+          </p:nvPr>
+        </p:nvSpPr>
+        <p:spPr/>
+        <p:txBody>
+          <a:bodyPr/>
+          <a:lstStyle/>
+          <a:p>
+            <a:fld id="{638081BB-34DF-4EFC-A4AF-A5661304D689}" type="slidenum">
+              <a:rPr lang="en-US" smtClean="0"/>
+              <a:t>34</a:t>
+            </a:fld>
+            <a:endParaRPr lang="en-US"/>
+          </a:p>
+        </p:txBody>
+      </p:sp>
+    </p:spTree>
+    <p:extLst>
+      <p:ext uri="{BB962C8B-B14F-4D97-AF65-F5344CB8AC3E}">
         <p14:creationId xmlns:p14="http://schemas.microsoft.com/office/powerpoint/2010/main" val="2920317849"/>
+      </p:ext>
+    </p:extLst>
+  </p:cSld>
+  <p:clrMapOvr>
+    <a:masterClrMapping/>
+  </p:clrMapOvr>
+</p:notes>
+</file>
+
+<file path=ppt/notesSlides/notesSlide35.xml><?xml version="1.0" encoding="utf-8"?>
+<p:notes xmlns:a="http://schemas.openxmlformats.org/drawingml/2006/main" xmlns:r="http://schemas.openxmlformats.org/officeDocument/2006/relationships" xmlns:p="http://schemas.openxmlformats.org/presentationml/2006/main">
+  <p:cSld>
+    <p:spTree>
+      <p:nvGrpSpPr>
+        <p:cNvPr id="1" name=""/>
+        <p:cNvGrpSpPr/>
+        <p:nvPr/>
+      </p:nvGrpSpPr>
+      <p:grpSpPr>
+        <a:xfrm>
+          <a:off x="0" y="0"/>
+          <a:ext cx="0" cy="0"/>
+          <a:chOff x="0" y="0"/>
+          <a:chExt cx="0" cy="0"/>
+        </a:xfrm>
+      </p:grpSpPr>
+      <p:sp>
+        <p:nvSpPr>
+          <p:cNvPr id="2" name="Slide Image Placeholder 1"/>
+          <p:cNvSpPr>
+            <a:spLocks noGrp="1" noRot="1" noChangeAspect="1"/>
+          </p:cNvSpPr>
+          <p:nvPr>
+            <p:ph type="sldImg"/>
+          </p:nvPr>
+        </p:nvSpPr>
+        <p:spPr/>
+      </p:sp>
+      <p:sp>
+        <p:nvSpPr>
+          <p:cNvPr id="3" name="Notes Placeholder 2"/>
+          <p:cNvSpPr>
+            <a:spLocks noGrp="1"/>
+          </p:cNvSpPr>
+          <p:nvPr>
+            <p:ph type="body" idx="1"/>
+          </p:nvPr>
+        </p:nvSpPr>
+        <p:spPr/>
+        <p:txBody>
+          <a:bodyPr/>
+          <a:lstStyle/>
+          <a:p>
+            <a:r>
+              <a:rPr lang="en-US" dirty="0" smtClean="0"/>
+              <a:t>Robustnes</a:t>
+            </a:r>
+            <a:r>
+              <a:rPr lang="en-US" baseline="0" dirty="0" smtClean="0"/>
+              <a:t>s to non-linear, non-log-convex optimization methods</a:t>
+            </a:r>
+          </a:p>
+          <a:p>
+            <a:endParaRPr lang="en-US" dirty="0"/>
+          </a:p>
+        </p:txBody>
+      </p:sp>
+      <p:sp>
+        <p:nvSpPr>
+          <p:cNvPr id="4" name="Slide Number Placeholder 3"/>
+          <p:cNvSpPr>
+            <a:spLocks noGrp="1"/>
+          </p:cNvSpPr>
+          <p:nvPr>
+            <p:ph type="sldNum" sz="quarter" idx="10"/>
+          </p:nvPr>
+        </p:nvSpPr>
+        <p:spPr/>
+        <p:txBody>
+          <a:bodyPr/>
+          <a:lstStyle/>
+          <a:p>
+            <a:fld id="{638081BB-34DF-4EFC-A4AF-A5661304D689}" type="slidenum">
+              <a:rPr lang="en-US" smtClean="0"/>
+              <a:t>35</a:t>
+            </a:fld>
+            <a:endParaRPr lang="en-US"/>
+          </a:p>
+        </p:txBody>
+      </p:sp>
+    </p:spTree>
+    <p:extLst>
+      <p:ext uri="{BB962C8B-B14F-4D97-AF65-F5344CB8AC3E}">
+        <p14:creationId xmlns:p14="http://schemas.microsoft.com/office/powerpoint/2010/main" val="1375396231"/>
+      </p:ext>
+    </p:extLst>
+  </p:cSld>
+  <p:clrMapOvr>
+    <a:masterClrMapping/>
+  </p:clrMapOvr>
+</p:notes>
+</file>
+
+<file path=ppt/notesSlides/notesSlide36.xml><?xml version="1.0" encoding="utf-8"?>
+<p:notes xmlns:a="http://schemas.openxmlformats.org/drawingml/2006/main" xmlns:r="http://schemas.openxmlformats.org/officeDocument/2006/relationships" xmlns:p="http://schemas.openxmlformats.org/presentationml/2006/main">
+  <p:cSld>
+    <p:spTree>
+      <p:nvGrpSpPr>
+        <p:cNvPr id="1" name=""/>
+        <p:cNvGrpSpPr/>
+        <p:nvPr/>
+      </p:nvGrpSpPr>
+      <p:grpSpPr>
+        <a:xfrm>
+          <a:off x="0" y="0"/>
+          <a:ext cx="0" cy="0"/>
+          <a:chOff x="0" y="0"/>
+          <a:chExt cx="0" cy="0"/>
+        </a:xfrm>
+      </p:grpSpPr>
+      <p:sp>
+        <p:nvSpPr>
+          <p:cNvPr id="2" name="Slide Image Placeholder 1"/>
+          <p:cNvSpPr>
+            <a:spLocks noGrp="1" noRot="1" noChangeAspect="1"/>
+          </p:cNvSpPr>
+          <p:nvPr>
+            <p:ph type="sldImg"/>
+          </p:nvPr>
+        </p:nvSpPr>
+        <p:spPr/>
+      </p:sp>
+      <p:sp>
+        <p:nvSpPr>
+          <p:cNvPr id="3" name="Notes Placeholder 2"/>
+          <p:cNvSpPr>
+            <a:spLocks noGrp="1"/>
+          </p:cNvSpPr>
+          <p:nvPr>
+            <p:ph type="body" idx="1"/>
+          </p:nvPr>
+        </p:nvSpPr>
+        <p:spPr/>
+        <p:txBody>
+          <a:bodyPr/>
+          <a:lstStyle/>
+          <a:p>
+            <a:r>
+              <a:rPr lang="en-US" dirty="0" smtClean="0"/>
+              <a:t>Not all… - structural constraint vs.</a:t>
+            </a:r>
+            <a:r>
+              <a:rPr lang="en-US" baseline="0" dirty="0" smtClean="0"/>
+              <a:t> range</a:t>
+            </a:r>
+          </a:p>
+          <a:p>
+            <a:r>
+              <a:rPr lang="en-US" baseline="0" dirty="0" smtClean="0"/>
+              <a:t>Power of nature – perhaps even less conservative. Constrain number of uncertain </a:t>
+            </a:r>
+            <a:r>
+              <a:rPr lang="en-US" baseline="0" dirty="0" err="1" smtClean="0"/>
+              <a:t>vars</a:t>
+            </a:r>
+            <a:r>
+              <a:rPr lang="en-US" baseline="0" dirty="0" smtClean="0"/>
+              <a:t> through L1-norm</a:t>
+            </a:r>
+          </a:p>
+          <a:p>
+            <a:r>
+              <a:rPr lang="en-US" baseline="0" dirty="0" smtClean="0"/>
+              <a:t>Does our ability to better capture uncertainty change value proposition. </a:t>
+            </a:r>
+          </a:p>
+          <a:p>
+            <a:r>
+              <a:rPr lang="en-US" baseline="0" dirty="0" smtClean="0"/>
+              <a:t>We can obtain sensitivities to size </a:t>
+            </a:r>
+            <a:r>
+              <a:rPr lang="en-US" baseline="0" smtClean="0"/>
+              <a:t>of uncertainty set. </a:t>
+            </a:r>
+            <a:endParaRPr lang="en-US" dirty="0"/>
+          </a:p>
+        </p:txBody>
+      </p:sp>
+      <p:sp>
+        <p:nvSpPr>
+          <p:cNvPr id="4" name="Slide Number Placeholder 3"/>
+          <p:cNvSpPr>
+            <a:spLocks noGrp="1"/>
+          </p:cNvSpPr>
+          <p:nvPr>
+            <p:ph type="sldNum" sz="quarter" idx="10"/>
+          </p:nvPr>
+        </p:nvSpPr>
+        <p:spPr/>
+        <p:txBody>
+          <a:bodyPr/>
+          <a:lstStyle/>
+          <a:p>
+            <a:fld id="{638081BB-34DF-4EFC-A4AF-A5661304D689}" type="slidenum">
+              <a:rPr lang="en-US" smtClean="0"/>
+              <a:t>36</a:t>
+            </a:fld>
+            <a:endParaRPr lang="en-US"/>
+          </a:p>
+        </p:txBody>
+      </p:sp>
+    </p:spTree>
+    <p:extLst>
+      <p:ext uri="{BB962C8B-B14F-4D97-AF65-F5344CB8AC3E}">
+        <p14:creationId xmlns:p14="http://schemas.microsoft.com/office/powerpoint/2010/main" val="3451414587"/>
       </p:ext>
     </p:extLst>
   </p:cSld>
@@ -3308,15 +4370,13 @@
           <a:p>
             <a:r>
               <a:rPr lang="en-US" dirty="0" smtClean="0"/>
-              <a:t>Start </a:t>
-            </a:r>
+              <a:t>Start with observations and a value proposition. </a:t>
+            </a:r>
+          </a:p>
+          <a:p>
             <a:r>
               <a:rPr lang="en-US" dirty="0" smtClean="0"/>
-              <a:t>with observations and a </a:t>
-            </a:r>
-            <a:r>
-              <a:rPr lang="en-US" dirty="0" smtClean="0"/>
-              <a:t>value proposition. </a:t>
+              <a:t>Describe graph…</a:t>
             </a:r>
           </a:p>
           <a:p>
@@ -3326,7 +4386,53 @@
             </a:r>
             <a:r>
               <a:rPr lang="en-US" baseline="0" dirty="0" smtClean="0"/>
-              <a:t> correlation between schedule and cost</a:t>
+              <a:t> power-law correlation between schedule and cost</a:t>
+            </a:r>
+          </a:p>
+          <a:p>
+            <a:pPr marL="0" marR="0" lvl="0" indent="0" algn="l" defTabSz="914400" rtl="0" eaLnBrk="1" fontAlgn="auto" latinLnBrk="0" hangingPunct="1">
+              <a:lnSpc>
+                <a:spcPct val="100000"/>
+              </a:lnSpc>
+              <a:spcBef>
+                <a:spcPts val="0"/>
+              </a:spcBef>
+              <a:spcAft>
+                <a:spcPts val="0"/>
+              </a:spcAft>
+              <a:buClrTx/>
+              <a:buSzTx/>
+              <a:buFontTx/>
+              <a:buNone/>
+              <a:tabLst/>
+              <a:defRPr/>
+            </a:pPr>
+            <a:r>
+              <a:rPr lang="en-US" baseline="0" dirty="0" smtClean="0"/>
+              <a:t>Why do patterns look different? </a:t>
+            </a:r>
+          </a:p>
+          <a:p>
+            <a:pPr marL="0" marR="0" lvl="0" indent="0" algn="l" defTabSz="914400" rtl="0" eaLnBrk="1" fontAlgn="auto" latinLnBrk="0" hangingPunct="1">
+              <a:lnSpc>
+                <a:spcPct val="100000"/>
+              </a:lnSpc>
+              <a:spcBef>
+                <a:spcPts val="0"/>
+              </a:spcBef>
+              <a:spcAft>
+                <a:spcPts val="0"/>
+              </a:spcAft>
+              <a:buClrTx/>
+              <a:buSzTx/>
+              <a:buFontTx/>
+              <a:buNone/>
+              <a:tabLst/>
+              <a:defRPr/>
+            </a:pPr>
+            <a:r>
+              <a:rPr lang="en-US" baseline="0" dirty="0" smtClean="0"/>
+              <a:t>Evolutionary design, C and A more commercial pull</a:t>
             </a:r>
             <a:endParaRPr lang="en-US" dirty="0" smtClean="0"/>
           </a:p>
@@ -3335,6 +4441,8 @@
               <a:rPr lang="en-US" dirty="0" smtClean="0"/>
               <a:t>Clearly not a complete picture…</a:t>
             </a:r>
+          </a:p>
+          <a:p>
             <a:endParaRPr lang="en-US" dirty="0"/>
           </a:p>
         </p:txBody>
@@ -3425,11 +4533,19 @@
             </a:r>
             <a:r>
               <a:rPr lang="en-US" baseline="0" dirty="0" smtClean="0"/>
-              <a:t> to explain </a:t>
-            </a:r>
+              <a:t> to explain overruns</a:t>
+            </a:r>
+          </a:p>
+          <a:p>
             <a:r>
               <a:rPr lang="en-US" baseline="0" dirty="0" smtClean="0"/>
-              <a:t>overruns</a:t>
+              <a:t>Let’s look specifically at military aircraft</a:t>
+            </a:r>
+          </a:p>
+          <a:p>
+            <a:r>
+              <a:rPr lang="en-US" baseline="0" dirty="0" smtClean="0"/>
+              <a:t>Naïve view says that the graph on left demonstrates this</a:t>
             </a:r>
           </a:p>
           <a:p>
@@ -3437,12 +4553,33 @@
               <a:rPr lang="en-US" baseline="0" dirty="0" smtClean="0"/>
               <a:t>Demand more capability</a:t>
             </a:r>
-            <a:endParaRPr lang="en-US" baseline="0" dirty="0" smtClean="0"/>
           </a:p>
           <a:p>
             <a:r>
               <a:rPr lang="en-US" dirty="0" smtClean="0"/>
               <a:t>Is this conflicting evidence? </a:t>
+            </a:r>
+          </a:p>
+          <a:p>
+            <a:r>
+              <a:rPr lang="en-US" dirty="0" smtClean="0"/>
+              <a:t>It seems we</a:t>
+            </a:r>
+            <a:r>
+              <a:rPr lang="en-US" baseline="0" dirty="0" smtClean="0"/>
+              <a:t> can get demonstrators out fast, but we are getting choked in a later stage.</a:t>
+            </a:r>
+          </a:p>
+          <a:p>
+            <a:r>
+              <a:rPr lang="en-US" baseline="0" dirty="0" smtClean="0"/>
+              <a:t>And it sure seems like computation is not helping. </a:t>
+            </a:r>
+          </a:p>
+          <a:p>
+            <a:r>
+              <a:rPr lang="en-US" baseline="0" dirty="0" smtClean="0"/>
+              <a:t>Capabilities have gone up, and design time has only increased. </a:t>
             </a:r>
             <a:endParaRPr lang="en-US" dirty="0"/>
           </a:p>
@@ -3530,12 +4667,25 @@
           <a:p>
             <a:r>
               <a:rPr lang="en-US" dirty="0" smtClean="0"/>
-              <a:t>It seems clear that</a:t>
+              <a:t>I</a:t>
             </a:r>
             <a:r>
               <a:rPr lang="en-US" baseline="0" dirty="0" smtClean="0"/>
-              <a:t> …</a:t>
-            </a:r>
+              <a:t> </a:t>
+            </a:r>
+            <a:r>
+              <a:rPr lang="en-US" dirty="0" smtClean="0"/>
+              <a:t>argue </a:t>
+            </a:r>
+            <a:r>
+              <a:rPr lang="en-US" baseline="0" dirty="0" smtClean="0"/>
+              <a:t>that u</a:t>
+            </a:r>
+            <a:r>
+              <a:rPr lang="en-US" dirty="0" smtClean="0"/>
+              <a:t>ncertainty has a key role to play. </a:t>
+            </a:r>
+            <a:endParaRPr lang="en-US" baseline="0" dirty="0" smtClean="0"/>
           </a:p>
           <a:p>
             <a:r>
@@ -3560,7 +4710,21 @@
           <a:p>
             <a:r>
               <a:rPr lang="en-US" dirty="0" smtClean="0"/>
-              <a:t>Designs are too conservative. </a:t>
+              <a:t>Why was the aircraft designed for the envelope? </a:t>
+            </a:r>
+          </a:p>
+          <a:p>
+            <a:r>
+              <a:rPr lang="en-US" dirty="0" smtClean="0"/>
+              <a:t>In presence of uncertainty, we</a:t>
+            </a:r>
+            <a:r>
+              <a:rPr lang="en-US" baseline="0" dirty="0" smtClean="0"/>
+              <a:t> add margins so we are conservative</a:t>
+            </a:r>
+            <a:r>
+              <a:rPr lang="en-US" dirty="0" smtClean="0"/>
+              <a:t>. </a:t>
             </a:r>
           </a:p>
           <a:p>
@@ -3578,7 +4742,30 @@
               <a:rPr lang="en-US" baseline="0" dirty="0" smtClean="0"/>
               <a:t> when we are uncertain about the environment aircraft are operating in. </a:t>
             </a:r>
-            <a:endParaRPr lang="en-US" dirty="0"/>
+          </a:p>
+          <a:p>
+            <a:r>
+              <a:rPr lang="en-US" baseline="0" dirty="0" smtClean="0"/>
+              <a:t>Primary reason for cost growth is that we chase a moving target when it comes to uncertainty </a:t>
+            </a:r>
+          </a:p>
+          <a:p>
+            <a:r>
+              <a:rPr lang="en-US" baseline="0" dirty="0" smtClean="0"/>
+              <a:t>The more uncertainty, the more overdesign, the longer the time horizon, </a:t>
+            </a:r>
+          </a:p>
+          <a:p>
+            <a:r>
+              <a:rPr lang="en-US" baseline="0" dirty="0" smtClean="0"/>
+              <a:t>the more the uncertainty, the longer the time to design and so on. </a:t>
+            </a:r>
+          </a:p>
+          <a:p>
+            <a:r>
+              <a:rPr lang="en-US" baseline="0" dirty="0" smtClean="0"/>
+              <a:t>We need to break this trend. </a:t>
+            </a:r>
           </a:p>
         </p:txBody>
       </p:sp>
@@ -3692,11 +4879,7 @@
           <a:p>
             <a:r>
               <a:rPr lang="en-US" baseline="0" dirty="0" smtClean="0"/>
-              <a:t>Checking – post </a:t>
-            </a:r>
-            <a:r>
-              <a:rPr lang="en-US" baseline="0" dirty="0" smtClean="0"/>
-              <a:t>process</a:t>
+              <a:t>Checking – post process</a:t>
             </a:r>
           </a:p>
           <a:p>
@@ -3730,7 +4913,6 @@
               <a:rPr lang="en-US" baseline="0" dirty="0" smtClean="0"/>
               <a:t>Conservative – throw out novel designs because we can’t properly understand effect of uncertainty</a:t>
             </a:r>
-            <a:endParaRPr lang="en-US" baseline="0" dirty="0" smtClean="0"/>
           </a:p>
           <a:p>
             <a:r>
@@ -3823,11 +5005,50 @@
           <a:p>
             <a:r>
               <a:rPr lang="en-US" dirty="0" smtClean="0"/>
-              <a:t>Studies</a:t>
+              <a:t>Confidence… – low update,</a:t>
             </a:r>
             <a:r>
               <a:rPr lang="en-US" baseline="0" dirty="0" smtClean="0"/>
-              <a:t> that show cost and schedule correlated through power law</a:t>
+              <a:t> heavy reliance on legacy. If we know tools can handle </a:t>
+            </a:r>
+            <a:r>
+              <a:rPr lang="en-US" baseline="0" dirty="0" err="1" smtClean="0"/>
+              <a:t>uncert</a:t>
+            </a:r>
+            <a:r>
+              <a:rPr lang="en-US" baseline="0" dirty="0" smtClean="0"/>
+              <a:t> better. </a:t>
+            </a:r>
+          </a:p>
+          <a:p>
+            <a:r>
+              <a:rPr lang="en-US" baseline="0" dirty="0" smtClean="0"/>
+              <a:t>Design… - Reducing </a:t>
+            </a:r>
+            <a:r>
+              <a:rPr lang="en-US" baseline="0" dirty="0" err="1" smtClean="0"/>
+              <a:t>sensitivitity</a:t>
+            </a:r>
+            <a:r>
+              <a:rPr lang="en-US" baseline="0" dirty="0" smtClean="0"/>
+              <a:t> of designs to uncertain </a:t>
+            </a:r>
+            <a:r>
+              <a:rPr lang="en-US" baseline="0" dirty="0" err="1" smtClean="0"/>
+              <a:t>outcoes</a:t>
+            </a:r>
+            <a:endParaRPr lang="en-US" baseline="0" dirty="0" smtClean="0"/>
+          </a:p>
+          <a:p>
+            <a:r>
+              <a:rPr lang="en-US" baseline="0" dirty="0" smtClean="0"/>
+              <a:t>System… - Better understanding of tradeoff risk performance. Less conservative designs</a:t>
+            </a:r>
+          </a:p>
+          <a:p>
+            <a:r>
+              <a:rPr lang="en-US" baseline="0" dirty="0" smtClean="0"/>
+              <a:t>Designs… - less sensitive to off-nominal conditions. </a:t>
             </a:r>
             <a:endParaRPr lang="en-US" dirty="0"/>
           </a:p>
@@ -3919,11 +5140,7 @@
             </a:r>
             <a:r>
               <a:rPr lang="en-US" baseline="0" dirty="0" smtClean="0"/>
-              <a:t> approach, </a:t>
-            </a:r>
-            <a:r>
-              <a:rPr lang="en-US" baseline="0" dirty="0" smtClean="0"/>
-              <a:t>first</a:t>
+              <a:t> approach, first</a:t>
             </a:r>
           </a:p>
           <a:p>
@@ -3947,17 +5164,23 @@
           <a:p>
             <a:r>
               <a:rPr lang="en-US" dirty="0" smtClean="0"/>
-              <a:t>Propagate</a:t>
-            </a:r>
-          </a:p>
-          <a:p>
-            <a:r>
-              <a:rPr lang="en-US" dirty="0" smtClean="0"/>
               <a:t>Objective</a:t>
             </a:r>
             <a:r>
               <a:rPr lang="en-US" baseline="0" dirty="0" smtClean="0"/>
               <a:t> is some characteristic</a:t>
+            </a:r>
+          </a:p>
+          <a:p>
+            <a:r>
+              <a:rPr lang="en-US" baseline="0" dirty="0" smtClean="0"/>
+              <a:t>Propagation requires integration of pdfs with potential outcomes</a:t>
+            </a:r>
+          </a:p>
+          <a:p>
+            <a:r>
+              <a:rPr lang="en-US" baseline="0" dirty="0" smtClean="0"/>
+              <a:t>HD quadrature and discretization into scenarios</a:t>
             </a:r>
             <a:endParaRPr lang="en-US" dirty="0"/>
           </a:p>
@@ -4189,7 +5412,7 @@
           <a:p>
             <a:fld id="{522A2EAF-1A5A-4855-A375-803569691F7A}" type="datetime1">
               <a:rPr lang="en-US" smtClean="0"/>
-              <a:t>4/30/2019</a:t>
+              <a:t>5/3/2019</a:t>
             </a:fld>
             <a:endParaRPr lang="en-US" dirty="0"/>
           </a:p>
@@ -4347,7 +5570,7 @@
           <a:p>
             <a:fld id="{1B5B787D-030D-4011-8F42-2E7654C3A0D3}" type="datetime1">
               <a:rPr lang="en-US" smtClean="0"/>
-              <a:t>4/30/2019</a:t>
+              <a:t>5/3/2019</a:t>
             </a:fld>
             <a:endParaRPr lang="en-US"/>
           </a:p>
@@ -4542,7 +5765,7 @@
           <a:p>
             <a:fld id="{B1902CE6-73CC-48C6-906C-D654E1415E54}" type="datetime1">
               <a:rPr lang="en-US" smtClean="0"/>
-              <a:t>4/30/2019</a:t>
+              <a:t>5/3/2019</a:t>
             </a:fld>
             <a:endParaRPr lang="en-US"/>
           </a:p>
@@ -4966,6 +6189,234 @@
 </p:sldLayout>
 </file>
 
+<file path=ppt/slideLayouts/slideLayout13.xml><?xml version="1.0" encoding="utf-8"?>
+<p:sldLayout xmlns:a="http://schemas.openxmlformats.org/drawingml/2006/main" xmlns:r="http://schemas.openxmlformats.org/officeDocument/2006/relationships" xmlns:p="http://schemas.openxmlformats.org/presentationml/2006/main" matchingName="Section header" type="secHead">
+  <p:cSld name="1_Section header">
+    <p:spTree>
+      <p:nvGrpSpPr>
+        <p:cNvPr id="1" name="Shape 59"/>
+        <p:cNvGrpSpPr/>
+        <p:nvPr/>
+      </p:nvGrpSpPr>
+      <p:grpSpPr>
+        <a:xfrm>
+          <a:off x="0" y="0"/>
+          <a:ext cx="0" cy="0"/>
+          <a:chOff x="0" y="0"/>
+          <a:chExt cx="0" cy="0"/>
+        </a:xfrm>
+      </p:grpSpPr>
+      <p:sp>
+        <p:nvSpPr>
+          <p:cNvPr id="60" name="Google Shape;60;p15"/>
+          <p:cNvSpPr txBox="1">
+            <a:spLocks noGrp="1"/>
+          </p:cNvSpPr>
+          <p:nvPr>
+            <p:ph type="title"/>
+          </p:nvPr>
+        </p:nvSpPr>
+        <p:spPr>
+          <a:xfrm>
+            <a:off x="415600" y="2867800"/>
+            <a:ext cx="11360800" cy="1122400"/>
+          </a:xfrm>
+          <a:prstGeom prst="rect">
+            <a:avLst/>
+          </a:prstGeom>
+        </p:spPr>
+        <p:txBody>
+          <a:bodyPr spcFirstLastPara="1" wrap="square" lIns="91425" tIns="91425" rIns="91425" bIns="91425" anchor="ctr" anchorCtr="0"/>
+          <a:lstStyle>
+            <a:lvl1pPr lvl="0" algn="ctr" rtl="0">
+              <a:spcBef>
+                <a:spcPts val="0"/>
+              </a:spcBef>
+              <a:spcAft>
+                <a:spcPts val="0"/>
+              </a:spcAft>
+              <a:buSzPts val="3600"/>
+              <a:buNone/>
+              <a:defRPr sz="4800"/>
+            </a:lvl1pPr>
+            <a:lvl2pPr lvl="1" algn="ctr" rtl="0">
+              <a:spcBef>
+                <a:spcPts val="0"/>
+              </a:spcBef>
+              <a:spcAft>
+                <a:spcPts val="0"/>
+              </a:spcAft>
+              <a:buSzPts val="3600"/>
+              <a:buNone/>
+              <a:defRPr sz="4800"/>
+            </a:lvl2pPr>
+            <a:lvl3pPr lvl="2" algn="ctr" rtl="0">
+              <a:spcBef>
+                <a:spcPts val="0"/>
+              </a:spcBef>
+              <a:spcAft>
+                <a:spcPts val="0"/>
+              </a:spcAft>
+              <a:buSzPts val="3600"/>
+              <a:buNone/>
+              <a:defRPr sz="4800"/>
+            </a:lvl3pPr>
+            <a:lvl4pPr lvl="3" algn="ctr" rtl="0">
+              <a:spcBef>
+                <a:spcPts val="0"/>
+              </a:spcBef>
+              <a:spcAft>
+                <a:spcPts val="0"/>
+              </a:spcAft>
+              <a:buSzPts val="3600"/>
+              <a:buNone/>
+              <a:defRPr sz="4800"/>
+            </a:lvl4pPr>
+            <a:lvl5pPr lvl="4" algn="ctr" rtl="0">
+              <a:spcBef>
+                <a:spcPts val="0"/>
+              </a:spcBef>
+              <a:spcAft>
+                <a:spcPts val="0"/>
+              </a:spcAft>
+              <a:buSzPts val="3600"/>
+              <a:buNone/>
+              <a:defRPr sz="4800"/>
+            </a:lvl5pPr>
+            <a:lvl6pPr lvl="5" algn="ctr" rtl="0">
+              <a:spcBef>
+                <a:spcPts val="0"/>
+              </a:spcBef>
+              <a:spcAft>
+                <a:spcPts val="0"/>
+              </a:spcAft>
+              <a:buSzPts val="3600"/>
+              <a:buNone/>
+              <a:defRPr sz="4800"/>
+            </a:lvl6pPr>
+            <a:lvl7pPr lvl="6" algn="ctr" rtl="0">
+              <a:spcBef>
+                <a:spcPts val="0"/>
+              </a:spcBef>
+              <a:spcAft>
+                <a:spcPts val="0"/>
+              </a:spcAft>
+              <a:buSzPts val="3600"/>
+              <a:buNone/>
+              <a:defRPr sz="4800"/>
+            </a:lvl7pPr>
+            <a:lvl8pPr lvl="7" algn="ctr" rtl="0">
+              <a:spcBef>
+                <a:spcPts val="0"/>
+              </a:spcBef>
+              <a:spcAft>
+                <a:spcPts val="0"/>
+              </a:spcAft>
+              <a:buSzPts val="3600"/>
+              <a:buNone/>
+              <a:defRPr sz="4800"/>
+            </a:lvl8pPr>
+            <a:lvl9pPr lvl="8" algn="ctr" rtl="0">
+              <a:spcBef>
+                <a:spcPts val="0"/>
+              </a:spcBef>
+              <a:spcAft>
+                <a:spcPts val="0"/>
+              </a:spcAft>
+              <a:buSzPts val="3600"/>
+              <a:buNone/>
+              <a:defRPr sz="4800"/>
+            </a:lvl9pPr>
+          </a:lstStyle>
+          <a:p>
+            <a:endParaRPr/>
+          </a:p>
+        </p:txBody>
+      </p:sp>
+      <p:sp>
+        <p:nvSpPr>
+          <p:cNvPr id="61" name="Google Shape;61;p15"/>
+          <p:cNvSpPr txBox="1">
+            <a:spLocks noGrp="1"/>
+          </p:cNvSpPr>
+          <p:nvPr>
+            <p:ph type="sldNum" idx="12"/>
+          </p:nvPr>
+        </p:nvSpPr>
+        <p:spPr>
+          <a:xfrm>
+            <a:off x="11296611" y="6217623"/>
+            <a:ext cx="731600" cy="524800"/>
+          </a:xfrm>
+          <a:prstGeom prst="rect">
+            <a:avLst/>
+          </a:prstGeom>
+        </p:spPr>
+        <p:txBody>
+          <a:bodyPr spcFirstLastPara="1" wrap="square" lIns="91425" tIns="91425" rIns="91425" bIns="91425" anchor="ctr" anchorCtr="0">
+            <a:noAutofit/>
+          </a:bodyPr>
+          <a:lstStyle>
+            <a:lvl1pPr lvl="0" rtl="0">
+              <a:buNone/>
+              <a:defRPr/>
+            </a:lvl1pPr>
+            <a:lvl2pPr lvl="1" rtl="0">
+              <a:buNone/>
+              <a:defRPr/>
+            </a:lvl2pPr>
+            <a:lvl3pPr lvl="2" rtl="0">
+              <a:buNone/>
+              <a:defRPr/>
+            </a:lvl3pPr>
+            <a:lvl4pPr lvl="3" rtl="0">
+              <a:buNone/>
+              <a:defRPr/>
+            </a:lvl4pPr>
+            <a:lvl5pPr lvl="4" rtl="0">
+              <a:buNone/>
+              <a:defRPr/>
+            </a:lvl5pPr>
+            <a:lvl6pPr lvl="5" rtl="0">
+              <a:buNone/>
+              <a:defRPr/>
+            </a:lvl6pPr>
+            <a:lvl7pPr lvl="6" rtl="0">
+              <a:buNone/>
+              <a:defRPr/>
+            </a:lvl7pPr>
+            <a:lvl8pPr lvl="7" rtl="0">
+              <a:buNone/>
+              <a:defRPr/>
+            </a:lvl8pPr>
+            <a:lvl9pPr lvl="8" rtl="0">
+              <a:buNone/>
+              <a:defRPr/>
+            </a:lvl9pPr>
+          </a:lstStyle>
+          <a:p>
+            <a:fld id="{00000000-1234-1234-1234-123412341234}" type="slidenum">
+              <a:rPr lang="en" smtClean="0"/>
+              <a:pPr/>
+              <a:t>‹#›</a:t>
+            </a:fld>
+            <a:endParaRPr lang="en"/>
+          </a:p>
+        </p:txBody>
+      </p:sp>
+    </p:spTree>
+    <p:extLst>
+      <p:ext uri="{BB962C8B-B14F-4D97-AF65-F5344CB8AC3E}">
+        <p14:creationId xmlns:p14="http://schemas.microsoft.com/office/powerpoint/2010/main" val="2204711356"/>
+      </p:ext>
+    </p:extLst>
+  </p:cSld>
+  <p:clrMapOvr>
+    <a:masterClrMapping/>
+  </p:clrMapOvr>
+</p:sldLayout>
+</file>
+
 <file path=ppt/slideLayouts/slideLayout2.xml><?xml version="1.0" encoding="utf-8"?>
 <p:sldLayout xmlns:a="http://schemas.openxmlformats.org/drawingml/2006/main" xmlns:r="http://schemas.openxmlformats.org/officeDocument/2006/relationships" xmlns:p="http://schemas.openxmlformats.org/presentationml/2006/main" type="obj" preserve="1">
   <p:cSld name="Title and Content">
@@ -5075,7 +6526,7 @@
           <a:p>
             <a:fld id="{DF3666C2-D4E3-4220-B5E4-E2A7632DABCB}" type="datetime1">
               <a:rPr lang="en-US" smtClean="0"/>
-              <a:t>4/30/2019</a:t>
+              <a:t>5/3/2019</a:t>
             </a:fld>
             <a:endParaRPr lang="en-US"/>
           </a:p>
@@ -5336,7 +6787,7 @@
           <a:p>
             <a:fld id="{2CD7CDF9-E63A-4498-875F-EBA423FDEFBC}" type="datetime1">
               <a:rPr lang="en-US" smtClean="0"/>
-              <a:t>4/30/2019</a:t>
+              <a:t>5/3/2019</a:t>
             </a:fld>
             <a:endParaRPr lang="en-US"/>
           </a:p>
@@ -5639,7 +7090,7 @@
           <a:p>
             <a:fld id="{33354F1C-279F-4CB4-87B8-AE06E5B6B501}" type="datetime1">
               <a:rPr lang="en-US" smtClean="0"/>
-              <a:t>4/30/2019</a:t>
+              <a:t>5/3/2019</a:t>
             </a:fld>
             <a:endParaRPr lang="en-US"/>
           </a:p>
@@ -6076,7 +7527,7 @@
           <a:p>
             <a:fld id="{D642F9AF-5928-4D5D-824A-32BCEBC64709}" type="datetime1">
               <a:rPr lang="en-US" smtClean="0"/>
-              <a:t>4/30/2019</a:t>
+              <a:t>5/3/2019</a:t>
             </a:fld>
             <a:endParaRPr lang="en-US"/>
           </a:p>
@@ -6209,7 +7660,7 @@
           <a:p>
             <a:fld id="{99103203-BC1C-4D6E-9419-CD75AFBB8CF6}" type="datetime1">
               <a:rPr lang="en-US" smtClean="0"/>
-              <a:t>4/30/2019</a:t>
+              <a:t>5/3/2019</a:t>
             </a:fld>
             <a:endParaRPr lang="en-US"/>
           </a:p>
@@ -6319,7 +7770,7 @@
           <a:p>
             <a:fld id="{879D62E7-AD66-498F-A6D5-DB11A0DF6F13}" type="datetime1">
               <a:rPr lang="en-US" smtClean="0"/>
-              <a:t>4/30/2019</a:t>
+              <a:t>5/3/2019</a:t>
             </a:fld>
             <a:endParaRPr lang="en-US"/>
           </a:p>
@@ -6611,7 +8062,7 @@
           <a:p>
             <a:fld id="{7CCC3067-25EE-49F1-B272-F98F040CAC44}" type="datetime1">
               <a:rPr lang="en-US" smtClean="0"/>
-              <a:t>4/30/2019</a:t>
+              <a:t>5/3/2019</a:t>
             </a:fld>
             <a:endParaRPr lang="en-US"/>
           </a:p>
@@ -6876,7 +8327,7 @@
           <a:p>
             <a:fld id="{577D43A8-1088-477D-9E02-BFD54F3CCFF5}" type="datetime1">
               <a:rPr lang="en-US" smtClean="0"/>
-              <a:t>4/30/2019</a:t>
+              <a:t>5/3/2019</a:t>
             </a:fld>
             <a:endParaRPr lang="en-US"/>
           </a:p>
@@ -7097,7 +8548,7 @@
           <a:p>
             <a:fld id="{169B0019-61FB-457F-B7E8-05C058F52931}" type="datetime1">
               <a:rPr lang="en-US" smtClean="0"/>
-              <a:t>4/30/2019</a:t>
+              <a:t>5/3/2019</a:t>
             </a:fld>
             <a:endParaRPr lang="en-US"/>
           </a:p>
@@ -7153,7 +8604,7 @@
           <p:nvPr/>
         </p:nvPicPr>
         <p:blipFill>
-          <a:blip r:embed="rId14">
+          <a:blip r:embed="rId15">
             <a:extLst>
               <a:ext uri="{28A0092B-C50C-407E-A947-70E740481C1C}">
                 <a14:useLocalDpi xmlns:a14="http://schemas.microsoft.com/office/drawing/2010/main" val="0"/>
@@ -7176,7 +8627,7 @@
           <a:noFill/>
           <a:extLst>
             <a:ext uri="{909E8E84-426E-40dd-AFC4-6F175D3DCCD1}">
-              <a14:hiddenFill xmlns="" xmlns:a14="http://schemas.microsoft.com/office/drawing/2010/main">
+              <a14:hiddenFill xmlns:a14="http://schemas.microsoft.com/office/drawing/2010/main" xmlns="">
                 <a:solidFill>
                   <a:srgbClr val="FFFFFF"/>
                 </a:solidFill>
@@ -7206,6 +8657,7 @@
     <p:sldLayoutId id="2147483706" r:id="rId10"/>
     <p:sldLayoutId id="2147483707" r:id="rId11"/>
     <p:sldLayoutId id="2147483708" r:id="rId12"/>
+    <p:sldLayoutId id="2147483709" r:id="rId13"/>
   </p:sldLayoutIdLst>
   <p:timing>
     <p:tnLst>
@@ -7560,7 +9012,7 @@
           <a:p>
             <a:fld id="{DA4A0988-BC83-4DD6-B608-2EEF6C42AFDD}" type="datetime1">
               <a:rPr lang="en-US" smtClean="0"/>
-              <a:t>4/30/2019</a:t>
+              <a:t>5/3/2019</a:t>
             </a:fld>
             <a:endParaRPr lang="en-US" dirty="0"/>
           </a:p>
@@ -7626,6 +9078,30 @@
           <a:chExt cx="0" cy="0"/>
         </a:xfrm>
       </p:grpSpPr>
+      <p:pic>
+        <p:nvPicPr>
+          <p:cNvPr id="31" name="Picture 30"/>
+          <p:cNvPicPr>
+            <a:picLocks noChangeAspect="1"/>
+          </p:cNvPicPr>
+          <p:nvPr/>
+        </p:nvPicPr>
+        <p:blipFill>
+          <a:blip r:embed="rId3"/>
+          <a:stretch>
+            <a:fillRect/>
+          </a:stretch>
+        </p:blipFill>
+        <p:spPr>
+          <a:xfrm>
+            <a:off x="3774887" y="3588488"/>
+            <a:ext cx="1913813" cy="2307308"/>
+          </a:xfrm>
+          <a:prstGeom prst="rect">
+            <a:avLst/>
+          </a:prstGeom>
+        </p:spPr>
+      </p:pic>
       <p:sp>
         <p:nvSpPr>
           <p:cNvPr id="2" name="Title 1"/>
@@ -7666,7 +9142,7 @@
           <a:p>
             <a:fld id="{DF3666C2-D4E3-4220-B5E4-E2A7632DABCB}" type="datetime1">
               <a:rPr lang="en-US" smtClean="0"/>
-              <a:t>4/30/2019</a:t>
+              <a:t>5/3/2019</a:t>
             </a:fld>
             <a:endParaRPr lang="en-US"/>
           </a:p>
@@ -7706,7 +9182,7 @@
           </p:nvPr>
         </p:nvPicPr>
         <p:blipFill rotWithShape="1">
-          <a:blip r:embed="rId3"/>
+          <a:blip r:embed="rId4"/>
           <a:srcRect r="41554"/>
           <a:stretch/>
         </p:blipFill>
@@ -7959,11 +9435,7 @@
             </a:pPr>
             <a:r>
               <a:rPr lang="en-US" sz="2400" dirty="0" smtClean="0"/>
-              <a:t>Tractabl</a:t>
-            </a:r>
-            <a:r>
-              <a:rPr lang="en-US" sz="2400" dirty="0" smtClean="0"/>
-              <a:t>e.</a:t>
+              <a:t>Tractable.</a:t>
             </a:r>
           </a:p>
           <a:p>
@@ -8005,7 +9477,7 @@
           <a:p>
             <a:r>
               <a:rPr lang="en-US" sz="2400" dirty="0" smtClean="0"/>
-              <a:t>The ugly:</a:t>
+              <a:t>The (beautiful) and ugly:</a:t>
             </a:r>
           </a:p>
           <a:p>
@@ -8027,30 +9499,6 @@
           </a:p>
         </p:txBody>
       </p:sp>
-      <p:pic>
-        <p:nvPicPr>
-          <p:cNvPr id="19" name="Picture 18"/>
-          <p:cNvPicPr>
-            <a:picLocks noChangeAspect="1"/>
-          </p:cNvPicPr>
-          <p:nvPr/>
-        </p:nvPicPr>
-        <p:blipFill>
-          <a:blip r:embed="rId4"/>
-          <a:stretch>
-            <a:fillRect/>
-          </a:stretch>
-        </p:blipFill>
-        <p:spPr>
-          <a:xfrm>
-            <a:off x="3774887" y="3588488"/>
-            <a:ext cx="1913813" cy="2307308"/>
-          </a:xfrm>
-          <a:prstGeom prst="rect">
-            <a:avLst/>
-          </a:prstGeom>
-        </p:spPr>
-      </p:pic>
       <p:pic>
         <p:nvPicPr>
           <p:cNvPr id="20" name="Picture 19"/>
@@ -8084,52 +9532,6 @@
         <p:spPr>
           <a:xfrm>
             <a:off x="4493632" y="1704755"/>
-            <a:ext cx="203200" cy="179294"/>
-          </a:xfrm>
-          <a:prstGeom prst="star5">
-            <a:avLst/>
-          </a:prstGeom>
-          <a:noFill/>
-          <a:ln>
-            <a:solidFill>
-              <a:srgbClr val="FF0000"/>
-            </a:solidFill>
-          </a:ln>
-        </p:spPr>
-        <p:style>
-          <a:lnRef idx="2">
-            <a:schemeClr val="accent1">
-              <a:shade val="50000"/>
-            </a:schemeClr>
-          </a:lnRef>
-          <a:fillRef idx="1">
-            <a:schemeClr val="accent1"/>
-          </a:fillRef>
-          <a:effectRef idx="0">
-            <a:schemeClr val="accent1"/>
-          </a:effectRef>
-          <a:fontRef idx="minor">
-            <a:schemeClr val="lt1"/>
-          </a:fontRef>
-        </p:style>
-        <p:txBody>
-          <a:bodyPr rtlCol="0" anchor="ctr"/>
-          <a:lstStyle/>
-          <a:p>
-            <a:pPr algn="ctr"/>
-            <a:endParaRPr lang="en-US"/>
-          </a:p>
-        </p:txBody>
-      </p:sp>
-      <p:sp>
-        <p:nvSpPr>
-          <p:cNvPr id="22" name="5-Point Star 21"/>
-          <p:cNvSpPr/>
-          <p:nvPr/>
-        </p:nvSpPr>
-        <p:spPr>
-          <a:xfrm>
-            <a:off x="4475625" y="5077777"/>
             <a:ext cx="203200" cy="179294"/>
           </a:xfrm>
           <a:prstGeom prst="star5">
@@ -8549,6 +9951,2021 @@
           <a:p>
             <a:pPr algn="ctr"/>
             <a:endParaRPr lang="en-US"/>
+          </a:p>
+        </p:txBody>
+      </p:sp>
+      <p:sp>
+        <p:nvSpPr>
+          <p:cNvPr id="14" name="Freeform 13"/>
+          <p:cNvSpPr/>
+          <p:nvPr/>
+        </p:nvSpPr>
+        <p:spPr>
+          <a:xfrm>
+            <a:off x="3777589" y="5153327"/>
+            <a:ext cx="1903276" cy="614427"/>
+          </a:xfrm>
+          <a:custGeom>
+            <a:avLst/>
+            <a:gdLst>
+              <a:gd name="connsiteX0" fmla="*/ 0 w 1903276"/>
+              <a:gd name="connsiteY0" fmla="*/ 403411 h 614427"/>
+              <a:gd name="connsiteX1" fmla="*/ 47582 w 1903276"/>
+              <a:gd name="connsiteY1" fmla="*/ 393068 h 614427"/>
+              <a:gd name="connsiteX2" fmla="*/ 59995 w 1903276"/>
+              <a:gd name="connsiteY2" fmla="*/ 388930 h 614427"/>
+              <a:gd name="connsiteX3" fmla="*/ 72407 w 1903276"/>
+              <a:gd name="connsiteY3" fmla="*/ 384792 h 614427"/>
+              <a:gd name="connsiteX4" fmla="*/ 80682 w 1903276"/>
+              <a:gd name="connsiteY4" fmla="*/ 382724 h 614427"/>
+              <a:gd name="connsiteX5" fmla="*/ 93095 w 1903276"/>
+              <a:gd name="connsiteY5" fmla="*/ 376517 h 614427"/>
+              <a:gd name="connsiteX6" fmla="*/ 99301 w 1903276"/>
+              <a:gd name="connsiteY6" fmla="*/ 372380 h 614427"/>
+              <a:gd name="connsiteX7" fmla="*/ 105508 w 1903276"/>
+              <a:gd name="connsiteY7" fmla="*/ 370311 h 614427"/>
+              <a:gd name="connsiteX8" fmla="*/ 113783 w 1903276"/>
+              <a:gd name="connsiteY8" fmla="*/ 366173 h 614427"/>
+              <a:gd name="connsiteX9" fmla="*/ 134471 w 1903276"/>
+              <a:gd name="connsiteY9" fmla="*/ 359967 h 614427"/>
+              <a:gd name="connsiteX10" fmla="*/ 142746 w 1903276"/>
+              <a:gd name="connsiteY10" fmla="*/ 355830 h 614427"/>
+              <a:gd name="connsiteX11" fmla="*/ 159296 w 1903276"/>
+              <a:gd name="connsiteY11" fmla="*/ 351692 h 614427"/>
+              <a:gd name="connsiteX12" fmla="*/ 167571 w 1903276"/>
+              <a:gd name="connsiteY12" fmla="*/ 349623 h 614427"/>
+              <a:gd name="connsiteX13" fmla="*/ 179984 w 1903276"/>
+              <a:gd name="connsiteY13" fmla="*/ 345486 h 614427"/>
+              <a:gd name="connsiteX14" fmla="*/ 186190 w 1903276"/>
+              <a:gd name="connsiteY14" fmla="*/ 343417 h 614427"/>
+              <a:gd name="connsiteX15" fmla="*/ 196534 w 1903276"/>
+              <a:gd name="connsiteY15" fmla="*/ 341348 h 614427"/>
+              <a:gd name="connsiteX16" fmla="*/ 202740 w 1903276"/>
+              <a:gd name="connsiteY16" fmla="*/ 339279 h 614427"/>
+              <a:gd name="connsiteX17" fmla="*/ 211016 w 1903276"/>
+              <a:gd name="connsiteY17" fmla="*/ 337211 h 614427"/>
+              <a:gd name="connsiteX18" fmla="*/ 229635 w 1903276"/>
+              <a:gd name="connsiteY18" fmla="*/ 328935 h 614427"/>
+              <a:gd name="connsiteX19" fmla="*/ 237910 w 1903276"/>
+              <a:gd name="connsiteY19" fmla="*/ 324798 h 614427"/>
+              <a:gd name="connsiteX20" fmla="*/ 250322 w 1903276"/>
+              <a:gd name="connsiteY20" fmla="*/ 320660 h 614427"/>
+              <a:gd name="connsiteX21" fmla="*/ 256529 w 1903276"/>
+              <a:gd name="connsiteY21" fmla="*/ 318592 h 614427"/>
+              <a:gd name="connsiteX22" fmla="*/ 268941 w 1903276"/>
+              <a:gd name="connsiteY22" fmla="*/ 312385 h 614427"/>
+              <a:gd name="connsiteX23" fmla="*/ 277216 w 1903276"/>
+              <a:gd name="connsiteY23" fmla="*/ 308248 h 614427"/>
+              <a:gd name="connsiteX24" fmla="*/ 289629 w 1903276"/>
+              <a:gd name="connsiteY24" fmla="*/ 304110 h 614427"/>
+              <a:gd name="connsiteX25" fmla="*/ 304111 w 1903276"/>
+              <a:gd name="connsiteY25" fmla="*/ 299973 h 614427"/>
+              <a:gd name="connsiteX26" fmla="*/ 312386 w 1903276"/>
+              <a:gd name="connsiteY26" fmla="*/ 295835 h 614427"/>
+              <a:gd name="connsiteX27" fmla="*/ 333073 w 1903276"/>
+              <a:gd name="connsiteY27" fmla="*/ 289629 h 614427"/>
+              <a:gd name="connsiteX28" fmla="*/ 345486 w 1903276"/>
+              <a:gd name="connsiteY28" fmla="*/ 285491 h 614427"/>
+              <a:gd name="connsiteX29" fmla="*/ 351692 w 1903276"/>
+              <a:gd name="connsiteY29" fmla="*/ 283422 h 614427"/>
+              <a:gd name="connsiteX30" fmla="*/ 357899 w 1903276"/>
+              <a:gd name="connsiteY30" fmla="*/ 281354 h 614427"/>
+              <a:gd name="connsiteX31" fmla="*/ 364105 w 1903276"/>
+              <a:gd name="connsiteY31" fmla="*/ 277216 h 614427"/>
+              <a:gd name="connsiteX32" fmla="*/ 386862 w 1903276"/>
+              <a:gd name="connsiteY32" fmla="*/ 271010 h 614427"/>
+              <a:gd name="connsiteX33" fmla="*/ 415825 w 1903276"/>
+              <a:gd name="connsiteY33" fmla="*/ 266872 h 614427"/>
+              <a:gd name="connsiteX34" fmla="*/ 424100 w 1903276"/>
+              <a:gd name="connsiteY34" fmla="*/ 264803 h 614427"/>
+              <a:gd name="connsiteX35" fmla="*/ 442719 w 1903276"/>
+              <a:gd name="connsiteY35" fmla="*/ 258597 h 614427"/>
+              <a:gd name="connsiteX36" fmla="*/ 467544 w 1903276"/>
+              <a:gd name="connsiteY36" fmla="*/ 250322 h 614427"/>
+              <a:gd name="connsiteX37" fmla="*/ 479957 w 1903276"/>
+              <a:gd name="connsiteY37" fmla="*/ 246184 h 614427"/>
+              <a:gd name="connsiteX38" fmla="*/ 486163 w 1903276"/>
+              <a:gd name="connsiteY38" fmla="*/ 244116 h 614427"/>
+              <a:gd name="connsiteX39" fmla="*/ 494438 w 1903276"/>
+              <a:gd name="connsiteY39" fmla="*/ 242047 h 614427"/>
+              <a:gd name="connsiteX40" fmla="*/ 500644 w 1903276"/>
+              <a:gd name="connsiteY40" fmla="*/ 237909 h 614427"/>
+              <a:gd name="connsiteX41" fmla="*/ 515126 w 1903276"/>
+              <a:gd name="connsiteY41" fmla="*/ 233772 h 614427"/>
+              <a:gd name="connsiteX42" fmla="*/ 521332 w 1903276"/>
+              <a:gd name="connsiteY42" fmla="*/ 231703 h 614427"/>
+              <a:gd name="connsiteX43" fmla="*/ 531676 w 1903276"/>
+              <a:gd name="connsiteY43" fmla="*/ 229634 h 614427"/>
+              <a:gd name="connsiteX44" fmla="*/ 550295 w 1903276"/>
+              <a:gd name="connsiteY44" fmla="*/ 223428 h 614427"/>
+              <a:gd name="connsiteX45" fmla="*/ 556501 w 1903276"/>
+              <a:gd name="connsiteY45" fmla="*/ 221359 h 614427"/>
+              <a:gd name="connsiteX46" fmla="*/ 566845 w 1903276"/>
+              <a:gd name="connsiteY46" fmla="*/ 219290 h 614427"/>
+              <a:gd name="connsiteX47" fmla="*/ 579258 w 1903276"/>
+              <a:gd name="connsiteY47" fmla="*/ 217221 h 614427"/>
+              <a:gd name="connsiteX48" fmla="*/ 585464 w 1903276"/>
+              <a:gd name="connsiteY48" fmla="*/ 215153 h 614427"/>
+              <a:gd name="connsiteX49" fmla="*/ 614427 w 1903276"/>
+              <a:gd name="connsiteY49" fmla="*/ 217221 h 614427"/>
+              <a:gd name="connsiteX50" fmla="*/ 620634 w 1903276"/>
+              <a:gd name="connsiteY50" fmla="*/ 219290 h 614427"/>
+              <a:gd name="connsiteX51" fmla="*/ 633046 w 1903276"/>
+              <a:gd name="connsiteY51" fmla="*/ 227565 h 614427"/>
+              <a:gd name="connsiteX52" fmla="*/ 641321 w 1903276"/>
+              <a:gd name="connsiteY52" fmla="*/ 239978 h 614427"/>
+              <a:gd name="connsiteX53" fmla="*/ 651665 w 1903276"/>
+              <a:gd name="connsiteY53" fmla="*/ 250322 h 614427"/>
+              <a:gd name="connsiteX54" fmla="*/ 657872 w 1903276"/>
+              <a:gd name="connsiteY54" fmla="*/ 252391 h 614427"/>
+              <a:gd name="connsiteX55" fmla="*/ 664078 w 1903276"/>
+              <a:gd name="connsiteY55" fmla="*/ 248253 h 614427"/>
+              <a:gd name="connsiteX56" fmla="*/ 668216 w 1903276"/>
+              <a:gd name="connsiteY56" fmla="*/ 242047 h 614427"/>
+              <a:gd name="connsiteX57" fmla="*/ 674422 w 1903276"/>
+              <a:gd name="connsiteY57" fmla="*/ 244116 h 614427"/>
+              <a:gd name="connsiteX58" fmla="*/ 678559 w 1903276"/>
+              <a:gd name="connsiteY58" fmla="*/ 281354 h 614427"/>
+              <a:gd name="connsiteX59" fmla="*/ 680628 w 1903276"/>
+              <a:gd name="connsiteY59" fmla="*/ 291697 h 614427"/>
+              <a:gd name="connsiteX60" fmla="*/ 684766 w 1903276"/>
+              <a:gd name="connsiteY60" fmla="*/ 316523 h 614427"/>
+              <a:gd name="connsiteX61" fmla="*/ 688903 w 1903276"/>
+              <a:gd name="connsiteY61" fmla="*/ 343417 h 614427"/>
+              <a:gd name="connsiteX62" fmla="*/ 690972 w 1903276"/>
+              <a:gd name="connsiteY62" fmla="*/ 355830 h 614427"/>
+              <a:gd name="connsiteX63" fmla="*/ 695110 w 1903276"/>
+              <a:gd name="connsiteY63" fmla="*/ 368242 h 614427"/>
+              <a:gd name="connsiteX64" fmla="*/ 699247 w 1903276"/>
+              <a:gd name="connsiteY64" fmla="*/ 380655 h 614427"/>
+              <a:gd name="connsiteX65" fmla="*/ 701316 w 1903276"/>
+              <a:gd name="connsiteY65" fmla="*/ 386861 h 614427"/>
+              <a:gd name="connsiteX66" fmla="*/ 705454 w 1903276"/>
+              <a:gd name="connsiteY66" fmla="*/ 393068 h 614427"/>
+              <a:gd name="connsiteX67" fmla="*/ 722004 w 1903276"/>
+              <a:gd name="connsiteY67" fmla="*/ 390999 h 614427"/>
+              <a:gd name="connsiteX68" fmla="*/ 732348 w 1903276"/>
+              <a:gd name="connsiteY68" fmla="*/ 378586 h 614427"/>
+              <a:gd name="connsiteX69" fmla="*/ 734416 w 1903276"/>
+              <a:gd name="connsiteY69" fmla="*/ 372380 h 614427"/>
+              <a:gd name="connsiteX70" fmla="*/ 744760 w 1903276"/>
+              <a:gd name="connsiteY70" fmla="*/ 359967 h 614427"/>
+              <a:gd name="connsiteX71" fmla="*/ 750967 w 1903276"/>
+              <a:gd name="connsiteY71" fmla="*/ 347554 h 614427"/>
+              <a:gd name="connsiteX72" fmla="*/ 757173 w 1903276"/>
+              <a:gd name="connsiteY72" fmla="*/ 324798 h 614427"/>
+              <a:gd name="connsiteX73" fmla="*/ 759242 w 1903276"/>
+              <a:gd name="connsiteY73" fmla="*/ 318592 h 614427"/>
+              <a:gd name="connsiteX74" fmla="*/ 761311 w 1903276"/>
+              <a:gd name="connsiteY74" fmla="*/ 308248 h 614427"/>
+              <a:gd name="connsiteX75" fmla="*/ 763379 w 1903276"/>
+              <a:gd name="connsiteY75" fmla="*/ 299973 h 614427"/>
+              <a:gd name="connsiteX76" fmla="*/ 765448 w 1903276"/>
+              <a:gd name="connsiteY76" fmla="*/ 287560 h 614427"/>
+              <a:gd name="connsiteX77" fmla="*/ 769586 w 1903276"/>
+              <a:gd name="connsiteY77" fmla="*/ 271010 h 614427"/>
+              <a:gd name="connsiteX78" fmla="*/ 771654 w 1903276"/>
+              <a:gd name="connsiteY78" fmla="*/ 260666 h 614427"/>
+              <a:gd name="connsiteX79" fmla="*/ 773723 w 1903276"/>
+              <a:gd name="connsiteY79" fmla="*/ 252391 h 614427"/>
+              <a:gd name="connsiteX80" fmla="*/ 779930 w 1903276"/>
+              <a:gd name="connsiteY80" fmla="*/ 206878 h 614427"/>
+              <a:gd name="connsiteX81" fmla="*/ 781998 w 1903276"/>
+              <a:gd name="connsiteY81" fmla="*/ 192396 h 614427"/>
+              <a:gd name="connsiteX82" fmla="*/ 786136 w 1903276"/>
+              <a:gd name="connsiteY82" fmla="*/ 122058 h 614427"/>
+              <a:gd name="connsiteX83" fmla="*/ 788205 w 1903276"/>
+              <a:gd name="connsiteY83" fmla="*/ 95163 h 614427"/>
+              <a:gd name="connsiteX84" fmla="*/ 790273 w 1903276"/>
+              <a:gd name="connsiteY84" fmla="*/ 51719 h 614427"/>
+              <a:gd name="connsiteX85" fmla="*/ 794411 w 1903276"/>
+              <a:gd name="connsiteY85" fmla="*/ 37238 h 614427"/>
+              <a:gd name="connsiteX86" fmla="*/ 798549 w 1903276"/>
+              <a:gd name="connsiteY86" fmla="*/ 18619 h 614427"/>
+              <a:gd name="connsiteX87" fmla="*/ 802686 w 1903276"/>
+              <a:gd name="connsiteY87" fmla="*/ 6206 h 614427"/>
+              <a:gd name="connsiteX88" fmla="*/ 806824 w 1903276"/>
+              <a:gd name="connsiteY88" fmla="*/ 0 h 614427"/>
+              <a:gd name="connsiteX89" fmla="*/ 815099 w 1903276"/>
+              <a:gd name="connsiteY89" fmla="*/ 2068 h 614427"/>
+              <a:gd name="connsiteX90" fmla="*/ 821305 w 1903276"/>
+              <a:gd name="connsiteY90" fmla="*/ 18619 h 614427"/>
+              <a:gd name="connsiteX91" fmla="*/ 823374 w 1903276"/>
+              <a:gd name="connsiteY91" fmla="*/ 74476 h 614427"/>
+              <a:gd name="connsiteX92" fmla="*/ 827511 w 1903276"/>
+              <a:gd name="connsiteY92" fmla="*/ 115851 h 614427"/>
+              <a:gd name="connsiteX93" fmla="*/ 831649 w 1903276"/>
+              <a:gd name="connsiteY93" fmla="*/ 169640 h 614427"/>
+              <a:gd name="connsiteX94" fmla="*/ 833718 w 1903276"/>
+              <a:gd name="connsiteY94" fmla="*/ 213084 h 614427"/>
+              <a:gd name="connsiteX95" fmla="*/ 837855 w 1903276"/>
+              <a:gd name="connsiteY95" fmla="*/ 239978 h 614427"/>
+              <a:gd name="connsiteX96" fmla="*/ 841993 w 1903276"/>
+              <a:gd name="connsiteY96" fmla="*/ 295835 h 614427"/>
+              <a:gd name="connsiteX97" fmla="*/ 846130 w 1903276"/>
+              <a:gd name="connsiteY97" fmla="*/ 320660 h 614427"/>
+              <a:gd name="connsiteX98" fmla="*/ 848199 w 1903276"/>
+              <a:gd name="connsiteY98" fmla="*/ 333073 h 614427"/>
+              <a:gd name="connsiteX99" fmla="*/ 850268 w 1903276"/>
+              <a:gd name="connsiteY99" fmla="*/ 341348 h 614427"/>
+              <a:gd name="connsiteX100" fmla="*/ 854406 w 1903276"/>
+              <a:gd name="connsiteY100" fmla="*/ 370311 h 614427"/>
+              <a:gd name="connsiteX101" fmla="*/ 858543 w 1903276"/>
+              <a:gd name="connsiteY101" fmla="*/ 415824 h 614427"/>
+              <a:gd name="connsiteX102" fmla="*/ 862681 w 1903276"/>
+              <a:gd name="connsiteY102" fmla="*/ 432374 h 614427"/>
+              <a:gd name="connsiteX103" fmla="*/ 866818 w 1903276"/>
+              <a:gd name="connsiteY103" fmla="*/ 440649 h 614427"/>
+              <a:gd name="connsiteX104" fmla="*/ 870956 w 1903276"/>
+              <a:gd name="connsiteY104" fmla="*/ 457200 h 614427"/>
+              <a:gd name="connsiteX105" fmla="*/ 877162 w 1903276"/>
+              <a:gd name="connsiteY105" fmla="*/ 473750 h 614427"/>
+              <a:gd name="connsiteX106" fmla="*/ 881300 w 1903276"/>
+              <a:gd name="connsiteY106" fmla="*/ 486163 h 614427"/>
+              <a:gd name="connsiteX107" fmla="*/ 883368 w 1903276"/>
+              <a:gd name="connsiteY107" fmla="*/ 492369 h 614427"/>
+              <a:gd name="connsiteX108" fmla="*/ 885437 w 1903276"/>
+              <a:gd name="connsiteY108" fmla="*/ 498575 h 614427"/>
+              <a:gd name="connsiteX109" fmla="*/ 883368 w 1903276"/>
+              <a:gd name="connsiteY109" fmla="*/ 510988 h 614427"/>
+              <a:gd name="connsiteX110" fmla="*/ 881300 w 1903276"/>
+              <a:gd name="connsiteY110" fmla="*/ 517194 h 614427"/>
+              <a:gd name="connsiteX111" fmla="*/ 885437 w 1903276"/>
+              <a:gd name="connsiteY111" fmla="*/ 558570 h 614427"/>
+              <a:gd name="connsiteX112" fmla="*/ 889575 w 1903276"/>
+              <a:gd name="connsiteY112" fmla="*/ 570983 h 614427"/>
+              <a:gd name="connsiteX113" fmla="*/ 893712 w 1903276"/>
+              <a:gd name="connsiteY113" fmla="*/ 585464 h 614427"/>
+              <a:gd name="connsiteX114" fmla="*/ 897850 w 1903276"/>
+              <a:gd name="connsiteY114" fmla="*/ 591670 h 614427"/>
+              <a:gd name="connsiteX115" fmla="*/ 901987 w 1903276"/>
+              <a:gd name="connsiteY115" fmla="*/ 604083 h 614427"/>
+              <a:gd name="connsiteX116" fmla="*/ 904056 w 1903276"/>
+              <a:gd name="connsiteY116" fmla="*/ 610289 h 614427"/>
+              <a:gd name="connsiteX117" fmla="*/ 910263 w 1903276"/>
+              <a:gd name="connsiteY117" fmla="*/ 614427 h 614427"/>
+              <a:gd name="connsiteX118" fmla="*/ 937157 w 1903276"/>
+              <a:gd name="connsiteY118" fmla="*/ 604083 h 614427"/>
+              <a:gd name="connsiteX119" fmla="*/ 943363 w 1903276"/>
+              <a:gd name="connsiteY119" fmla="*/ 597877 h 614427"/>
+              <a:gd name="connsiteX120" fmla="*/ 947501 w 1903276"/>
+              <a:gd name="connsiteY120" fmla="*/ 591670 h 614427"/>
+              <a:gd name="connsiteX121" fmla="*/ 953707 w 1903276"/>
+              <a:gd name="connsiteY121" fmla="*/ 583395 h 614427"/>
+              <a:gd name="connsiteX122" fmla="*/ 959913 w 1903276"/>
+              <a:gd name="connsiteY122" fmla="*/ 568914 h 614427"/>
+              <a:gd name="connsiteX123" fmla="*/ 964051 w 1903276"/>
+              <a:gd name="connsiteY123" fmla="*/ 556501 h 614427"/>
+              <a:gd name="connsiteX124" fmla="*/ 970257 w 1903276"/>
+              <a:gd name="connsiteY124" fmla="*/ 544088 h 614427"/>
+              <a:gd name="connsiteX125" fmla="*/ 976463 w 1903276"/>
+              <a:gd name="connsiteY125" fmla="*/ 546157 h 614427"/>
+              <a:gd name="connsiteX126" fmla="*/ 980601 w 1903276"/>
+              <a:gd name="connsiteY126" fmla="*/ 558570 h 614427"/>
+              <a:gd name="connsiteX127" fmla="*/ 984739 w 1903276"/>
+              <a:gd name="connsiteY127" fmla="*/ 570983 h 614427"/>
+              <a:gd name="connsiteX128" fmla="*/ 988876 w 1903276"/>
+              <a:gd name="connsiteY128" fmla="*/ 583395 h 614427"/>
+              <a:gd name="connsiteX129" fmla="*/ 1001289 w 1903276"/>
+              <a:gd name="connsiteY129" fmla="*/ 589602 h 614427"/>
+              <a:gd name="connsiteX130" fmla="*/ 1019908 w 1903276"/>
+              <a:gd name="connsiteY130" fmla="*/ 587533 h 614427"/>
+              <a:gd name="connsiteX131" fmla="*/ 1030252 w 1903276"/>
+              <a:gd name="connsiteY131" fmla="*/ 597877 h 614427"/>
+              <a:gd name="connsiteX132" fmla="*/ 1034389 w 1903276"/>
+              <a:gd name="connsiteY132" fmla="*/ 604083 h 614427"/>
+              <a:gd name="connsiteX133" fmla="*/ 1040596 w 1903276"/>
+              <a:gd name="connsiteY133" fmla="*/ 606152 h 614427"/>
+              <a:gd name="connsiteX134" fmla="*/ 1046802 w 1903276"/>
+              <a:gd name="connsiteY134" fmla="*/ 610289 h 614427"/>
+              <a:gd name="connsiteX135" fmla="*/ 1055077 w 1903276"/>
+              <a:gd name="connsiteY135" fmla="*/ 608221 h 614427"/>
+              <a:gd name="connsiteX136" fmla="*/ 1065421 w 1903276"/>
+              <a:gd name="connsiteY136" fmla="*/ 595808 h 614427"/>
+              <a:gd name="connsiteX137" fmla="*/ 1071627 w 1903276"/>
+              <a:gd name="connsiteY137" fmla="*/ 591670 h 614427"/>
+              <a:gd name="connsiteX138" fmla="*/ 1077834 w 1903276"/>
+              <a:gd name="connsiteY138" fmla="*/ 585464 h 614427"/>
+              <a:gd name="connsiteX139" fmla="*/ 1079902 w 1903276"/>
+              <a:gd name="connsiteY139" fmla="*/ 579258 h 614427"/>
+              <a:gd name="connsiteX140" fmla="*/ 1088178 w 1903276"/>
+              <a:gd name="connsiteY140" fmla="*/ 566845 h 614427"/>
+              <a:gd name="connsiteX141" fmla="*/ 1094384 w 1903276"/>
+              <a:gd name="connsiteY141" fmla="*/ 554432 h 614427"/>
+              <a:gd name="connsiteX142" fmla="*/ 1096453 w 1903276"/>
+              <a:gd name="connsiteY142" fmla="*/ 548226 h 614427"/>
+              <a:gd name="connsiteX143" fmla="*/ 1104728 w 1903276"/>
+              <a:gd name="connsiteY143" fmla="*/ 535813 h 614427"/>
+              <a:gd name="connsiteX144" fmla="*/ 1110934 w 1903276"/>
+              <a:gd name="connsiteY144" fmla="*/ 523401 h 614427"/>
+              <a:gd name="connsiteX145" fmla="*/ 1117140 w 1903276"/>
+              <a:gd name="connsiteY145" fmla="*/ 519263 h 614427"/>
+              <a:gd name="connsiteX146" fmla="*/ 1133691 w 1903276"/>
+              <a:gd name="connsiteY146" fmla="*/ 508919 h 614427"/>
+              <a:gd name="connsiteX147" fmla="*/ 1141966 w 1903276"/>
+              <a:gd name="connsiteY147" fmla="*/ 504782 h 614427"/>
+              <a:gd name="connsiteX148" fmla="*/ 1170929 w 1903276"/>
+              <a:gd name="connsiteY148" fmla="*/ 498575 h 614427"/>
+              <a:gd name="connsiteX149" fmla="*/ 1189548 w 1903276"/>
+              <a:gd name="connsiteY149" fmla="*/ 492369 h 614427"/>
+              <a:gd name="connsiteX150" fmla="*/ 1195754 w 1903276"/>
+              <a:gd name="connsiteY150" fmla="*/ 490300 h 614427"/>
+              <a:gd name="connsiteX151" fmla="*/ 1222648 w 1903276"/>
+              <a:gd name="connsiteY151" fmla="*/ 488231 h 614427"/>
+              <a:gd name="connsiteX152" fmla="*/ 1235061 w 1903276"/>
+              <a:gd name="connsiteY152" fmla="*/ 486163 h 614427"/>
+              <a:gd name="connsiteX153" fmla="*/ 1253680 w 1903276"/>
+              <a:gd name="connsiteY153" fmla="*/ 484094 h 614427"/>
+              <a:gd name="connsiteX154" fmla="*/ 1288849 w 1903276"/>
+              <a:gd name="connsiteY154" fmla="*/ 477887 h 614427"/>
+              <a:gd name="connsiteX155" fmla="*/ 1408838 w 1903276"/>
+              <a:gd name="connsiteY155" fmla="*/ 475819 h 614427"/>
+              <a:gd name="connsiteX156" fmla="*/ 1423320 w 1903276"/>
+              <a:gd name="connsiteY156" fmla="*/ 473750 h 614427"/>
+              <a:gd name="connsiteX157" fmla="*/ 1437801 w 1903276"/>
+              <a:gd name="connsiteY157" fmla="*/ 469612 h 614427"/>
+              <a:gd name="connsiteX158" fmla="*/ 1454351 w 1903276"/>
+              <a:gd name="connsiteY158" fmla="*/ 467544 h 614427"/>
+              <a:gd name="connsiteX159" fmla="*/ 1460558 w 1903276"/>
+              <a:gd name="connsiteY159" fmla="*/ 465475 h 614427"/>
+              <a:gd name="connsiteX160" fmla="*/ 1468833 w 1903276"/>
+              <a:gd name="connsiteY160" fmla="*/ 461337 h 614427"/>
+              <a:gd name="connsiteX161" fmla="*/ 1477108 w 1903276"/>
+              <a:gd name="connsiteY161" fmla="*/ 459268 h 614427"/>
+              <a:gd name="connsiteX162" fmla="*/ 1493658 w 1903276"/>
+              <a:gd name="connsiteY162" fmla="*/ 453062 h 614427"/>
+              <a:gd name="connsiteX163" fmla="*/ 1506071 w 1903276"/>
+              <a:gd name="connsiteY163" fmla="*/ 448925 h 614427"/>
+              <a:gd name="connsiteX164" fmla="*/ 1512277 w 1903276"/>
+              <a:gd name="connsiteY164" fmla="*/ 446856 h 614427"/>
+              <a:gd name="connsiteX165" fmla="*/ 1520552 w 1903276"/>
+              <a:gd name="connsiteY165" fmla="*/ 444787 h 614427"/>
+              <a:gd name="connsiteX166" fmla="*/ 1526759 w 1903276"/>
+              <a:gd name="connsiteY166" fmla="*/ 442718 h 614427"/>
+              <a:gd name="connsiteX167" fmla="*/ 1539171 w 1903276"/>
+              <a:gd name="connsiteY167" fmla="*/ 440649 h 614427"/>
+              <a:gd name="connsiteX168" fmla="*/ 1557790 w 1903276"/>
+              <a:gd name="connsiteY168" fmla="*/ 434443 h 614427"/>
+              <a:gd name="connsiteX169" fmla="*/ 1570203 w 1903276"/>
+              <a:gd name="connsiteY169" fmla="*/ 430306 h 614427"/>
+              <a:gd name="connsiteX170" fmla="*/ 1576409 w 1903276"/>
+              <a:gd name="connsiteY170" fmla="*/ 428237 h 614427"/>
+              <a:gd name="connsiteX171" fmla="*/ 1586753 w 1903276"/>
+              <a:gd name="connsiteY171" fmla="*/ 426168 h 614427"/>
+              <a:gd name="connsiteX172" fmla="*/ 1595028 w 1903276"/>
+              <a:gd name="connsiteY172" fmla="*/ 424099 h 614427"/>
+              <a:gd name="connsiteX173" fmla="*/ 1607441 w 1903276"/>
+              <a:gd name="connsiteY173" fmla="*/ 419962 h 614427"/>
+              <a:gd name="connsiteX174" fmla="*/ 1619854 w 1903276"/>
+              <a:gd name="connsiteY174" fmla="*/ 417893 h 614427"/>
+              <a:gd name="connsiteX175" fmla="*/ 1636404 w 1903276"/>
+              <a:gd name="connsiteY175" fmla="*/ 413755 h 614427"/>
+              <a:gd name="connsiteX176" fmla="*/ 1644679 w 1903276"/>
+              <a:gd name="connsiteY176" fmla="*/ 411687 h 614427"/>
+              <a:gd name="connsiteX177" fmla="*/ 1661229 w 1903276"/>
+              <a:gd name="connsiteY177" fmla="*/ 409618 h 614427"/>
+              <a:gd name="connsiteX178" fmla="*/ 1704673 w 1903276"/>
+              <a:gd name="connsiteY178" fmla="*/ 411687 h 614427"/>
+              <a:gd name="connsiteX179" fmla="*/ 1733636 w 1903276"/>
+              <a:gd name="connsiteY179" fmla="*/ 413755 h 614427"/>
+              <a:gd name="connsiteX180" fmla="*/ 1779149 w 1903276"/>
+              <a:gd name="connsiteY180" fmla="*/ 415824 h 614427"/>
+              <a:gd name="connsiteX181" fmla="*/ 1853625 w 1903276"/>
+              <a:gd name="connsiteY181" fmla="*/ 407549 h 614427"/>
+              <a:gd name="connsiteX182" fmla="*/ 1876382 w 1903276"/>
+              <a:gd name="connsiteY182" fmla="*/ 399274 h 614427"/>
+              <a:gd name="connsiteX183" fmla="*/ 1897070 w 1903276"/>
+              <a:gd name="connsiteY183" fmla="*/ 388930 h 614427"/>
+              <a:gd name="connsiteX184" fmla="*/ 1903276 w 1903276"/>
+              <a:gd name="connsiteY184" fmla="*/ 376517 h 614427"/>
+            </a:gdLst>
+            <a:ahLst/>
+            <a:cxnLst>
+              <a:cxn ang="0">
+                <a:pos x="connsiteX0" y="connsiteY0"/>
+              </a:cxn>
+              <a:cxn ang="0">
+                <a:pos x="connsiteX1" y="connsiteY1"/>
+              </a:cxn>
+              <a:cxn ang="0">
+                <a:pos x="connsiteX2" y="connsiteY2"/>
+              </a:cxn>
+              <a:cxn ang="0">
+                <a:pos x="connsiteX3" y="connsiteY3"/>
+              </a:cxn>
+              <a:cxn ang="0">
+                <a:pos x="connsiteX4" y="connsiteY4"/>
+              </a:cxn>
+              <a:cxn ang="0">
+                <a:pos x="connsiteX5" y="connsiteY5"/>
+              </a:cxn>
+              <a:cxn ang="0">
+                <a:pos x="connsiteX6" y="connsiteY6"/>
+              </a:cxn>
+              <a:cxn ang="0">
+                <a:pos x="connsiteX7" y="connsiteY7"/>
+              </a:cxn>
+              <a:cxn ang="0">
+                <a:pos x="connsiteX8" y="connsiteY8"/>
+              </a:cxn>
+              <a:cxn ang="0">
+                <a:pos x="connsiteX9" y="connsiteY9"/>
+              </a:cxn>
+              <a:cxn ang="0">
+                <a:pos x="connsiteX10" y="connsiteY10"/>
+              </a:cxn>
+              <a:cxn ang="0">
+                <a:pos x="connsiteX11" y="connsiteY11"/>
+              </a:cxn>
+              <a:cxn ang="0">
+                <a:pos x="connsiteX12" y="connsiteY12"/>
+              </a:cxn>
+              <a:cxn ang="0">
+                <a:pos x="connsiteX13" y="connsiteY13"/>
+              </a:cxn>
+              <a:cxn ang="0">
+                <a:pos x="connsiteX14" y="connsiteY14"/>
+              </a:cxn>
+              <a:cxn ang="0">
+                <a:pos x="connsiteX15" y="connsiteY15"/>
+              </a:cxn>
+              <a:cxn ang="0">
+                <a:pos x="connsiteX16" y="connsiteY16"/>
+              </a:cxn>
+              <a:cxn ang="0">
+                <a:pos x="connsiteX17" y="connsiteY17"/>
+              </a:cxn>
+              <a:cxn ang="0">
+                <a:pos x="connsiteX18" y="connsiteY18"/>
+              </a:cxn>
+              <a:cxn ang="0">
+                <a:pos x="connsiteX19" y="connsiteY19"/>
+              </a:cxn>
+              <a:cxn ang="0">
+                <a:pos x="connsiteX20" y="connsiteY20"/>
+              </a:cxn>
+              <a:cxn ang="0">
+                <a:pos x="connsiteX21" y="connsiteY21"/>
+              </a:cxn>
+              <a:cxn ang="0">
+                <a:pos x="connsiteX22" y="connsiteY22"/>
+              </a:cxn>
+              <a:cxn ang="0">
+                <a:pos x="connsiteX23" y="connsiteY23"/>
+              </a:cxn>
+              <a:cxn ang="0">
+                <a:pos x="connsiteX24" y="connsiteY24"/>
+              </a:cxn>
+              <a:cxn ang="0">
+                <a:pos x="connsiteX25" y="connsiteY25"/>
+              </a:cxn>
+              <a:cxn ang="0">
+                <a:pos x="connsiteX26" y="connsiteY26"/>
+              </a:cxn>
+              <a:cxn ang="0">
+                <a:pos x="connsiteX27" y="connsiteY27"/>
+              </a:cxn>
+              <a:cxn ang="0">
+                <a:pos x="connsiteX28" y="connsiteY28"/>
+              </a:cxn>
+              <a:cxn ang="0">
+                <a:pos x="connsiteX29" y="connsiteY29"/>
+              </a:cxn>
+              <a:cxn ang="0">
+                <a:pos x="connsiteX30" y="connsiteY30"/>
+              </a:cxn>
+              <a:cxn ang="0">
+                <a:pos x="connsiteX31" y="connsiteY31"/>
+              </a:cxn>
+              <a:cxn ang="0">
+                <a:pos x="connsiteX32" y="connsiteY32"/>
+              </a:cxn>
+              <a:cxn ang="0">
+                <a:pos x="connsiteX33" y="connsiteY33"/>
+              </a:cxn>
+              <a:cxn ang="0">
+                <a:pos x="connsiteX34" y="connsiteY34"/>
+              </a:cxn>
+              <a:cxn ang="0">
+                <a:pos x="connsiteX35" y="connsiteY35"/>
+              </a:cxn>
+              <a:cxn ang="0">
+                <a:pos x="connsiteX36" y="connsiteY36"/>
+              </a:cxn>
+              <a:cxn ang="0">
+                <a:pos x="connsiteX37" y="connsiteY37"/>
+              </a:cxn>
+              <a:cxn ang="0">
+                <a:pos x="connsiteX38" y="connsiteY38"/>
+              </a:cxn>
+              <a:cxn ang="0">
+                <a:pos x="connsiteX39" y="connsiteY39"/>
+              </a:cxn>
+              <a:cxn ang="0">
+                <a:pos x="connsiteX40" y="connsiteY40"/>
+              </a:cxn>
+              <a:cxn ang="0">
+                <a:pos x="connsiteX41" y="connsiteY41"/>
+              </a:cxn>
+              <a:cxn ang="0">
+                <a:pos x="connsiteX42" y="connsiteY42"/>
+              </a:cxn>
+              <a:cxn ang="0">
+                <a:pos x="connsiteX43" y="connsiteY43"/>
+              </a:cxn>
+              <a:cxn ang="0">
+                <a:pos x="connsiteX44" y="connsiteY44"/>
+              </a:cxn>
+              <a:cxn ang="0">
+                <a:pos x="connsiteX45" y="connsiteY45"/>
+              </a:cxn>
+              <a:cxn ang="0">
+                <a:pos x="connsiteX46" y="connsiteY46"/>
+              </a:cxn>
+              <a:cxn ang="0">
+                <a:pos x="connsiteX47" y="connsiteY47"/>
+              </a:cxn>
+              <a:cxn ang="0">
+                <a:pos x="connsiteX48" y="connsiteY48"/>
+              </a:cxn>
+              <a:cxn ang="0">
+                <a:pos x="connsiteX49" y="connsiteY49"/>
+              </a:cxn>
+              <a:cxn ang="0">
+                <a:pos x="connsiteX50" y="connsiteY50"/>
+              </a:cxn>
+              <a:cxn ang="0">
+                <a:pos x="connsiteX51" y="connsiteY51"/>
+              </a:cxn>
+              <a:cxn ang="0">
+                <a:pos x="connsiteX52" y="connsiteY52"/>
+              </a:cxn>
+              <a:cxn ang="0">
+                <a:pos x="connsiteX53" y="connsiteY53"/>
+              </a:cxn>
+              <a:cxn ang="0">
+                <a:pos x="connsiteX54" y="connsiteY54"/>
+              </a:cxn>
+              <a:cxn ang="0">
+                <a:pos x="connsiteX55" y="connsiteY55"/>
+              </a:cxn>
+              <a:cxn ang="0">
+                <a:pos x="connsiteX56" y="connsiteY56"/>
+              </a:cxn>
+              <a:cxn ang="0">
+                <a:pos x="connsiteX57" y="connsiteY57"/>
+              </a:cxn>
+              <a:cxn ang="0">
+                <a:pos x="connsiteX58" y="connsiteY58"/>
+              </a:cxn>
+              <a:cxn ang="0">
+                <a:pos x="connsiteX59" y="connsiteY59"/>
+              </a:cxn>
+              <a:cxn ang="0">
+                <a:pos x="connsiteX60" y="connsiteY60"/>
+              </a:cxn>
+              <a:cxn ang="0">
+                <a:pos x="connsiteX61" y="connsiteY61"/>
+              </a:cxn>
+              <a:cxn ang="0">
+                <a:pos x="connsiteX62" y="connsiteY62"/>
+              </a:cxn>
+              <a:cxn ang="0">
+                <a:pos x="connsiteX63" y="connsiteY63"/>
+              </a:cxn>
+              <a:cxn ang="0">
+                <a:pos x="connsiteX64" y="connsiteY64"/>
+              </a:cxn>
+              <a:cxn ang="0">
+                <a:pos x="connsiteX65" y="connsiteY65"/>
+              </a:cxn>
+              <a:cxn ang="0">
+                <a:pos x="connsiteX66" y="connsiteY66"/>
+              </a:cxn>
+              <a:cxn ang="0">
+                <a:pos x="connsiteX67" y="connsiteY67"/>
+              </a:cxn>
+              <a:cxn ang="0">
+                <a:pos x="connsiteX68" y="connsiteY68"/>
+              </a:cxn>
+              <a:cxn ang="0">
+                <a:pos x="connsiteX69" y="connsiteY69"/>
+              </a:cxn>
+              <a:cxn ang="0">
+                <a:pos x="connsiteX70" y="connsiteY70"/>
+              </a:cxn>
+              <a:cxn ang="0">
+                <a:pos x="connsiteX71" y="connsiteY71"/>
+              </a:cxn>
+              <a:cxn ang="0">
+                <a:pos x="connsiteX72" y="connsiteY72"/>
+              </a:cxn>
+              <a:cxn ang="0">
+                <a:pos x="connsiteX73" y="connsiteY73"/>
+              </a:cxn>
+              <a:cxn ang="0">
+                <a:pos x="connsiteX74" y="connsiteY74"/>
+              </a:cxn>
+              <a:cxn ang="0">
+                <a:pos x="connsiteX75" y="connsiteY75"/>
+              </a:cxn>
+              <a:cxn ang="0">
+                <a:pos x="connsiteX76" y="connsiteY76"/>
+              </a:cxn>
+              <a:cxn ang="0">
+                <a:pos x="connsiteX77" y="connsiteY77"/>
+              </a:cxn>
+              <a:cxn ang="0">
+                <a:pos x="connsiteX78" y="connsiteY78"/>
+              </a:cxn>
+              <a:cxn ang="0">
+                <a:pos x="connsiteX79" y="connsiteY79"/>
+              </a:cxn>
+              <a:cxn ang="0">
+                <a:pos x="connsiteX80" y="connsiteY80"/>
+              </a:cxn>
+              <a:cxn ang="0">
+                <a:pos x="connsiteX81" y="connsiteY81"/>
+              </a:cxn>
+              <a:cxn ang="0">
+                <a:pos x="connsiteX82" y="connsiteY82"/>
+              </a:cxn>
+              <a:cxn ang="0">
+                <a:pos x="connsiteX83" y="connsiteY83"/>
+              </a:cxn>
+              <a:cxn ang="0">
+                <a:pos x="connsiteX84" y="connsiteY84"/>
+              </a:cxn>
+              <a:cxn ang="0">
+                <a:pos x="connsiteX85" y="connsiteY85"/>
+              </a:cxn>
+              <a:cxn ang="0">
+                <a:pos x="connsiteX86" y="connsiteY86"/>
+              </a:cxn>
+              <a:cxn ang="0">
+                <a:pos x="connsiteX87" y="connsiteY87"/>
+              </a:cxn>
+              <a:cxn ang="0">
+                <a:pos x="connsiteX88" y="connsiteY88"/>
+              </a:cxn>
+              <a:cxn ang="0">
+                <a:pos x="connsiteX89" y="connsiteY89"/>
+              </a:cxn>
+              <a:cxn ang="0">
+                <a:pos x="connsiteX90" y="connsiteY90"/>
+              </a:cxn>
+              <a:cxn ang="0">
+                <a:pos x="connsiteX91" y="connsiteY91"/>
+              </a:cxn>
+              <a:cxn ang="0">
+                <a:pos x="connsiteX92" y="connsiteY92"/>
+              </a:cxn>
+              <a:cxn ang="0">
+                <a:pos x="connsiteX93" y="connsiteY93"/>
+              </a:cxn>
+              <a:cxn ang="0">
+                <a:pos x="connsiteX94" y="connsiteY94"/>
+              </a:cxn>
+              <a:cxn ang="0">
+                <a:pos x="connsiteX95" y="connsiteY95"/>
+              </a:cxn>
+              <a:cxn ang="0">
+                <a:pos x="connsiteX96" y="connsiteY96"/>
+              </a:cxn>
+              <a:cxn ang="0">
+                <a:pos x="connsiteX97" y="connsiteY97"/>
+              </a:cxn>
+              <a:cxn ang="0">
+                <a:pos x="connsiteX98" y="connsiteY98"/>
+              </a:cxn>
+              <a:cxn ang="0">
+                <a:pos x="connsiteX99" y="connsiteY99"/>
+              </a:cxn>
+              <a:cxn ang="0">
+                <a:pos x="connsiteX100" y="connsiteY100"/>
+              </a:cxn>
+              <a:cxn ang="0">
+                <a:pos x="connsiteX101" y="connsiteY101"/>
+              </a:cxn>
+              <a:cxn ang="0">
+                <a:pos x="connsiteX102" y="connsiteY102"/>
+              </a:cxn>
+              <a:cxn ang="0">
+                <a:pos x="connsiteX103" y="connsiteY103"/>
+              </a:cxn>
+              <a:cxn ang="0">
+                <a:pos x="connsiteX104" y="connsiteY104"/>
+              </a:cxn>
+              <a:cxn ang="0">
+                <a:pos x="connsiteX105" y="connsiteY105"/>
+              </a:cxn>
+              <a:cxn ang="0">
+                <a:pos x="connsiteX106" y="connsiteY106"/>
+              </a:cxn>
+              <a:cxn ang="0">
+                <a:pos x="connsiteX107" y="connsiteY107"/>
+              </a:cxn>
+              <a:cxn ang="0">
+                <a:pos x="connsiteX108" y="connsiteY108"/>
+              </a:cxn>
+              <a:cxn ang="0">
+                <a:pos x="connsiteX109" y="connsiteY109"/>
+              </a:cxn>
+              <a:cxn ang="0">
+                <a:pos x="connsiteX110" y="connsiteY110"/>
+              </a:cxn>
+              <a:cxn ang="0">
+                <a:pos x="connsiteX111" y="connsiteY111"/>
+              </a:cxn>
+              <a:cxn ang="0">
+                <a:pos x="connsiteX112" y="connsiteY112"/>
+              </a:cxn>
+              <a:cxn ang="0">
+                <a:pos x="connsiteX113" y="connsiteY113"/>
+              </a:cxn>
+              <a:cxn ang="0">
+                <a:pos x="connsiteX114" y="connsiteY114"/>
+              </a:cxn>
+              <a:cxn ang="0">
+                <a:pos x="connsiteX115" y="connsiteY115"/>
+              </a:cxn>
+              <a:cxn ang="0">
+                <a:pos x="connsiteX116" y="connsiteY116"/>
+              </a:cxn>
+              <a:cxn ang="0">
+                <a:pos x="connsiteX117" y="connsiteY117"/>
+              </a:cxn>
+              <a:cxn ang="0">
+                <a:pos x="connsiteX118" y="connsiteY118"/>
+              </a:cxn>
+              <a:cxn ang="0">
+                <a:pos x="connsiteX119" y="connsiteY119"/>
+              </a:cxn>
+              <a:cxn ang="0">
+                <a:pos x="connsiteX120" y="connsiteY120"/>
+              </a:cxn>
+              <a:cxn ang="0">
+                <a:pos x="connsiteX121" y="connsiteY121"/>
+              </a:cxn>
+              <a:cxn ang="0">
+                <a:pos x="connsiteX122" y="connsiteY122"/>
+              </a:cxn>
+              <a:cxn ang="0">
+                <a:pos x="connsiteX123" y="connsiteY123"/>
+              </a:cxn>
+              <a:cxn ang="0">
+                <a:pos x="connsiteX124" y="connsiteY124"/>
+              </a:cxn>
+              <a:cxn ang="0">
+                <a:pos x="connsiteX125" y="connsiteY125"/>
+              </a:cxn>
+              <a:cxn ang="0">
+                <a:pos x="connsiteX126" y="connsiteY126"/>
+              </a:cxn>
+              <a:cxn ang="0">
+                <a:pos x="connsiteX127" y="connsiteY127"/>
+              </a:cxn>
+              <a:cxn ang="0">
+                <a:pos x="connsiteX128" y="connsiteY128"/>
+              </a:cxn>
+              <a:cxn ang="0">
+                <a:pos x="connsiteX129" y="connsiteY129"/>
+              </a:cxn>
+              <a:cxn ang="0">
+                <a:pos x="connsiteX130" y="connsiteY130"/>
+              </a:cxn>
+              <a:cxn ang="0">
+                <a:pos x="connsiteX131" y="connsiteY131"/>
+              </a:cxn>
+              <a:cxn ang="0">
+                <a:pos x="connsiteX132" y="connsiteY132"/>
+              </a:cxn>
+              <a:cxn ang="0">
+                <a:pos x="connsiteX133" y="connsiteY133"/>
+              </a:cxn>
+              <a:cxn ang="0">
+                <a:pos x="connsiteX134" y="connsiteY134"/>
+              </a:cxn>
+              <a:cxn ang="0">
+                <a:pos x="connsiteX135" y="connsiteY135"/>
+              </a:cxn>
+              <a:cxn ang="0">
+                <a:pos x="connsiteX136" y="connsiteY136"/>
+              </a:cxn>
+              <a:cxn ang="0">
+                <a:pos x="connsiteX137" y="connsiteY137"/>
+              </a:cxn>
+              <a:cxn ang="0">
+                <a:pos x="connsiteX138" y="connsiteY138"/>
+              </a:cxn>
+              <a:cxn ang="0">
+                <a:pos x="connsiteX139" y="connsiteY139"/>
+              </a:cxn>
+              <a:cxn ang="0">
+                <a:pos x="connsiteX140" y="connsiteY140"/>
+              </a:cxn>
+              <a:cxn ang="0">
+                <a:pos x="connsiteX141" y="connsiteY141"/>
+              </a:cxn>
+              <a:cxn ang="0">
+                <a:pos x="connsiteX142" y="connsiteY142"/>
+              </a:cxn>
+              <a:cxn ang="0">
+                <a:pos x="connsiteX143" y="connsiteY143"/>
+              </a:cxn>
+              <a:cxn ang="0">
+                <a:pos x="connsiteX144" y="connsiteY144"/>
+              </a:cxn>
+              <a:cxn ang="0">
+                <a:pos x="connsiteX145" y="connsiteY145"/>
+              </a:cxn>
+              <a:cxn ang="0">
+                <a:pos x="connsiteX146" y="connsiteY146"/>
+              </a:cxn>
+              <a:cxn ang="0">
+                <a:pos x="connsiteX147" y="connsiteY147"/>
+              </a:cxn>
+              <a:cxn ang="0">
+                <a:pos x="connsiteX148" y="connsiteY148"/>
+              </a:cxn>
+              <a:cxn ang="0">
+                <a:pos x="connsiteX149" y="connsiteY149"/>
+              </a:cxn>
+              <a:cxn ang="0">
+                <a:pos x="connsiteX150" y="connsiteY150"/>
+              </a:cxn>
+              <a:cxn ang="0">
+                <a:pos x="connsiteX151" y="connsiteY151"/>
+              </a:cxn>
+              <a:cxn ang="0">
+                <a:pos x="connsiteX152" y="connsiteY152"/>
+              </a:cxn>
+              <a:cxn ang="0">
+                <a:pos x="connsiteX153" y="connsiteY153"/>
+              </a:cxn>
+              <a:cxn ang="0">
+                <a:pos x="connsiteX154" y="connsiteY154"/>
+              </a:cxn>
+              <a:cxn ang="0">
+                <a:pos x="connsiteX155" y="connsiteY155"/>
+              </a:cxn>
+              <a:cxn ang="0">
+                <a:pos x="connsiteX156" y="connsiteY156"/>
+              </a:cxn>
+              <a:cxn ang="0">
+                <a:pos x="connsiteX157" y="connsiteY157"/>
+              </a:cxn>
+              <a:cxn ang="0">
+                <a:pos x="connsiteX158" y="connsiteY158"/>
+              </a:cxn>
+              <a:cxn ang="0">
+                <a:pos x="connsiteX159" y="connsiteY159"/>
+              </a:cxn>
+              <a:cxn ang="0">
+                <a:pos x="connsiteX160" y="connsiteY160"/>
+              </a:cxn>
+              <a:cxn ang="0">
+                <a:pos x="connsiteX161" y="connsiteY161"/>
+              </a:cxn>
+              <a:cxn ang="0">
+                <a:pos x="connsiteX162" y="connsiteY162"/>
+              </a:cxn>
+              <a:cxn ang="0">
+                <a:pos x="connsiteX163" y="connsiteY163"/>
+              </a:cxn>
+              <a:cxn ang="0">
+                <a:pos x="connsiteX164" y="connsiteY164"/>
+              </a:cxn>
+              <a:cxn ang="0">
+                <a:pos x="connsiteX165" y="connsiteY165"/>
+              </a:cxn>
+              <a:cxn ang="0">
+                <a:pos x="connsiteX166" y="connsiteY166"/>
+              </a:cxn>
+              <a:cxn ang="0">
+                <a:pos x="connsiteX167" y="connsiteY167"/>
+              </a:cxn>
+              <a:cxn ang="0">
+                <a:pos x="connsiteX168" y="connsiteY168"/>
+              </a:cxn>
+              <a:cxn ang="0">
+                <a:pos x="connsiteX169" y="connsiteY169"/>
+              </a:cxn>
+              <a:cxn ang="0">
+                <a:pos x="connsiteX170" y="connsiteY170"/>
+              </a:cxn>
+              <a:cxn ang="0">
+                <a:pos x="connsiteX171" y="connsiteY171"/>
+              </a:cxn>
+              <a:cxn ang="0">
+                <a:pos x="connsiteX172" y="connsiteY172"/>
+              </a:cxn>
+              <a:cxn ang="0">
+                <a:pos x="connsiteX173" y="connsiteY173"/>
+              </a:cxn>
+              <a:cxn ang="0">
+                <a:pos x="connsiteX174" y="connsiteY174"/>
+              </a:cxn>
+              <a:cxn ang="0">
+                <a:pos x="connsiteX175" y="connsiteY175"/>
+              </a:cxn>
+              <a:cxn ang="0">
+                <a:pos x="connsiteX176" y="connsiteY176"/>
+              </a:cxn>
+              <a:cxn ang="0">
+                <a:pos x="connsiteX177" y="connsiteY177"/>
+              </a:cxn>
+              <a:cxn ang="0">
+                <a:pos x="connsiteX178" y="connsiteY178"/>
+              </a:cxn>
+              <a:cxn ang="0">
+                <a:pos x="connsiteX179" y="connsiteY179"/>
+              </a:cxn>
+              <a:cxn ang="0">
+                <a:pos x="connsiteX180" y="connsiteY180"/>
+              </a:cxn>
+              <a:cxn ang="0">
+                <a:pos x="connsiteX181" y="connsiteY181"/>
+              </a:cxn>
+              <a:cxn ang="0">
+                <a:pos x="connsiteX182" y="connsiteY182"/>
+              </a:cxn>
+              <a:cxn ang="0">
+                <a:pos x="connsiteX183" y="connsiteY183"/>
+              </a:cxn>
+              <a:cxn ang="0">
+                <a:pos x="connsiteX184" y="connsiteY184"/>
+              </a:cxn>
+            </a:cxnLst>
+            <a:rect l="l" t="t" r="r" b="b"/>
+            <a:pathLst>
+              <a:path w="1903276" h="614427">
+                <a:moveTo>
+                  <a:pt x="0" y="403411"/>
+                </a:moveTo>
+                <a:cubicBezTo>
+                  <a:pt x="15861" y="399963"/>
+                  <a:pt x="31804" y="396876"/>
+                  <a:pt x="47582" y="393068"/>
+                </a:cubicBezTo>
+                <a:cubicBezTo>
+                  <a:pt x="51822" y="392045"/>
+                  <a:pt x="55857" y="390309"/>
+                  <a:pt x="59995" y="388930"/>
+                </a:cubicBezTo>
+                <a:lnTo>
+                  <a:pt x="72407" y="384792"/>
+                </a:lnTo>
+                <a:lnTo>
+                  <a:pt x="80682" y="382724"/>
+                </a:lnTo>
+                <a:cubicBezTo>
+                  <a:pt x="98467" y="370867"/>
+                  <a:pt x="75968" y="385081"/>
+                  <a:pt x="93095" y="376517"/>
+                </a:cubicBezTo>
+                <a:cubicBezTo>
+                  <a:pt x="95319" y="375405"/>
+                  <a:pt x="97077" y="373492"/>
+                  <a:pt x="99301" y="372380"/>
+                </a:cubicBezTo>
+                <a:cubicBezTo>
+                  <a:pt x="101252" y="371405"/>
+                  <a:pt x="103503" y="371170"/>
+                  <a:pt x="105508" y="370311"/>
+                </a:cubicBezTo>
+                <a:cubicBezTo>
+                  <a:pt x="108343" y="369096"/>
+                  <a:pt x="110948" y="367388"/>
+                  <a:pt x="113783" y="366173"/>
+                </a:cubicBezTo>
+                <a:cubicBezTo>
+                  <a:pt x="120446" y="363317"/>
+                  <a:pt x="127808" y="362822"/>
+                  <a:pt x="134471" y="359967"/>
+                </a:cubicBezTo>
+                <a:cubicBezTo>
+                  <a:pt x="137306" y="358752"/>
+                  <a:pt x="139820" y="356805"/>
+                  <a:pt x="142746" y="355830"/>
+                </a:cubicBezTo>
+                <a:cubicBezTo>
+                  <a:pt x="148141" y="354032"/>
+                  <a:pt x="153779" y="353071"/>
+                  <a:pt x="159296" y="351692"/>
+                </a:cubicBezTo>
+                <a:cubicBezTo>
+                  <a:pt x="162054" y="351002"/>
+                  <a:pt x="164874" y="350522"/>
+                  <a:pt x="167571" y="349623"/>
+                </a:cubicBezTo>
+                <a:lnTo>
+                  <a:pt x="179984" y="345486"/>
+                </a:lnTo>
+                <a:cubicBezTo>
+                  <a:pt x="182053" y="344796"/>
+                  <a:pt x="184052" y="343845"/>
+                  <a:pt x="186190" y="343417"/>
+                </a:cubicBezTo>
+                <a:cubicBezTo>
+                  <a:pt x="189638" y="342727"/>
+                  <a:pt x="193123" y="342201"/>
+                  <a:pt x="196534" y="341348"/>
+                </a:cubicBezTo>
+                <a:cubicBezTo>
+                  <a:pt x="198649" y="340819"/>
+                  <a:pt x="200643" y="339878"/>
+                  <a:pt x="202740" y="339279"/>
+                </a:cubicBezTo>
+                <a:cubicBezTo>
+                  <a:pt x="205474" y="338498"/>
+                  <a:pt x="208257" y="337900"/>
+                  <a:pt x="211016" y="337211"/>
+                </a:cubicBezTo>
+                <a:cubicBezTo>
+                  <a:pt x="229259" y="325047"/>
+                  <a:pt x="200114" y="343694"/>
+                  <a:pt x="229635" y="328935"/>
+                </a:cubicBezTo>
+                <a:cubicBezTo>
+                  <a:pt x="232393" y="327556"/>
+                  <a:pt x="235047" y="325943"/>
+                  <a:pt x="237910" y="324798"/>
+                </a:cubicBezTo>
+                <a:cubicBezTo>
+                  <a:pt x="241959" y="323178"/>
+                  <a:pt x="246185" y="322039"/>
+                  <a:pt x="250322" y="320660"/>
+                </a:cubicBezTo>
+                <a:lnTo>
+                  <a:pt x="256529" y="318592"/>
+                </a:lnTo>
+                <a:cubicBezTo>
+                  <a:pt x="268451" y="310643"/>
+                  <a:pt x="256954" y="317522"/>
+                  <a:pt x="268941" y="312385"/>
+                </a:cubicBezTo>
+                <a:cubicBezTo>
+                  <a:pt x="271776" y="311170"/>
+                  <a:pt x="274353" y="309393"/>
+                  <a:pt x="277216" y="308248"/>
+                </a:cubicBezTo>
+                <a:cubicBezTo>
+                  <a:pt x="281266" y="306628"/>
+                  <a:pt x="285491" y="305489"/>
+                  <a:pt x="289629" y="304110"/>
+                </a:cubicBezTo>
+                <a:cubicBezTo>
+                  <a:pt x="298534" y="301141"/>
+                  <a:pt x="293717" y="302570"/>
+                  <a:pt x="304111" y="299973"/>
+                </a:cubicBezTo>
+                <a:cubicBezTo>
+                  <a:pt x="306869" y="298594"/>
+                  <a:pt x="309523" y="296981"/>
+                  <a:pt x="312386" y="295835"/>
+                </a:cubicBezTo>
+                <a:cubicBezTo>
+                  <a:pt x="327027" y="289978"/>
+                  <a:pt x="320872" y="293289"/>
+                  <a:pt x="333073" y="289629"/>
+                </a:cubicBezTo>
+                <a:cubicBezTo>
+                  <a:pt x="337251" y="288376"/>
+                  <a:pt x="341348" y="286870"/>
+                  <a:pt x="345486" y="285491"/>
+                </a:cubicBezTo>
+                <a:lnTo>
+                  <a:pt x="351692" y="283422"/>
+                </a:lnTo>
+                <a:lnTo>
+                  <a:pt x="357899" y="281354"/>
+                </a:lnTo>
+                <a:cubicBezTo>
+                  <a:pt x="359968" y="279975"/>
+                  <a:pt x="361833" y="278226"/>
+                  <a:pt x="364105" y="277216"/>
+                </a:cubicBezTo>
+                <a:cubicBezTo>
+                  <a:pt x="371087" y="274112"/>
+                  <a:pt x="379309" y="272203"/>
+                  <a:pt x="386862" y="271010"/>
+                </a:cubicBezTo>
+                <a:cubicBezTo>
+                  <a:pt x="396495" y="269489"/>
+                  <a:pt x="406364" y="269238"/>
+                  <a:pt x="415825" y="266872"/>
+                </a:cubicBezTo>
+                <a:cubicBezTo>
+                  <a:pt x="418583" y="266182"/>
+                  <a:pt x="421377" y="265620"/>
+                  <a:pt x="424100" y="264803"/>
+                </a:cubicBezTo>
+                <a:cubicBezTo>
+                  <a:pt x="424107" y="264801"/>
+                  <a:pt x="439613" y="259632"/>
+                  <a:pt x="442719" y="258597"/>
+                </a:cubicBezTo>
+                <a:lnTo>
+                  <a:pt x="467544" y="250322"/>
+                </a:lnTo>
+                <a:lnTo>
+                  <a:pt x="479957" y="246184"/>
+                </a:lnTo>
+                <a:cubicBezTo>
+                  <a:pt x="482026" y="245495"/>
+                  <a:pt x="484048" y="244645"/>
+                  <a:pt x="486163" y="244116"/>
+                </a:cubicBezTo>
+                <a:lnTo>
+                  <a:pt x="494438" y="242047"/>
+                </a:lnTo>
+                <a:cubicBezTo>
+                  <a:pt x="496507" y="240668"/>
+                  <a:pt x="498420" y="239021"/>
+                  <a:pt x="500644" y="237909"/>
+                </a:cubicBezTo>
+                <a:cubicBezTo>
+                  <a:pt x="503954" y="236254"/>
+                  <a:pt x="512029" y="234657"/>
+                  <a:pt x="515126" y="233772"/>
+                </a:cubicBezTo>
+                <a:cubicBezTo>
+                  <a:pt x="517223" y="233173"/>
+                  <a:pt x="519217" y="232232"/>
+                  <a:pt x="521332" y="231703"/>
+                </a:cubicBezTo>
+                <a:cubicBezTo>
+                  <a:pt x="524743" y="230850"/>
+                  <a:pt x="528284" y="230559"/>
+                  <a:pt x="531676" y="229634"/>
+                </a:cubicBezTo>
+                <a:cubicBezTo>
+                  <a:pt x="531702" y="229627"/>
+                  <a:pt x="547179" y="224467"/>
+                  <a:pt x="550295" y="223428"/>
+                </a:cubicBezTo>
+                <a:cubicBezTo>
+                  <a:pt x="552364" y="222738"/>
+                  <a:pt x="554363" y="221787"/>
+                  <a:pt x="556501" y="221359"/>
+                </a:cubicBezTo>
+                <a:lnTo>
+                  <a:pt x="566845" y="219290"/>
+                </a:lnTo>
+                <a:cubicBezTo>
+                  <a:pt x="570972" y="218540"/>
+                  <a:pt x="575163" y="218131"/>
+                  <a:pt x="579258" y="217221"/>
+                </a:cubicBezTo>
+                <a:cubicBezTo>
+                  <a:pt x="581387" y="216748"/>
+                  <a:pt x="583395" y="215842"/>
+                  <a:pt x="585464" y="215153"/>
+                </a:cubicBezTo>
+                <a:cubicBezTo>
+                  <a:pt x="595118" y="215842"/>
+                  <a:pt x="604814" y="216090"/>
+                  <a:pt x="614427" y="217221"/>
+                </a:cubicBezTo>
+                <a:cubicBezTo>
+                  <a:pt x="616593" y="217476"/>
+                  <a:pt x="618728" y="218231"/>
+                  <a:pt x="620634" y="219290"/>
+                </a:cubicBezTo>
+                <a:cubicBezTo>
+                  <a:pt x="624981" y="221705"/>
+                  <a:pt x="633046" y="227565"/>
+                  <a:pt x="633046" y="227565"/>
+                </a:cubicBezTo>
+                <a:lnTo>
+                  <a:pt x="641321" y="239978"/>
+                </a:lnTo>
+                <a:cubicBezTo>
+                  <a:pt x="645457" y="246182"/>
+                  <a:pt x="644771" y="246875"/>
+                  <a:pt x="651665" y="250322"/>
+                </a:cubicBezTo>
+                <a:cubicBezTo>
+                  <a:pt x="653616" y="251297"/>
+                  <a:pt x="655803" y="251701"/>
+                  <a:pt x="657872" y="252391"/>
+                </a:cubicBezTo>
+                <a:cubicBezTo>
+                  <a:pt x="659941" y="251012"/>
+                  <a:pt x="662320" y="250011"/>
+                  <a:pt x="664078" y="248253"/>
+                </a:cubicBezTo>
+                <a:cubicBezTo>
+                  <a:pt x="665836" y="246495"/>
+                  <a:pt x="665907" y="242970"/>
+                  <a:pt x="668216" y="242047"/>
+                </a:cubicBezTo>
+                <a:cubicBezTo>
+                  <a:pt x="670241" y="241237"/>
+                  <a:pt x="672353" y="243426"/>
+                  <a:pt x="674422" y="244116"/>
+                </a:cubicBezTo>
+                <a:cubicBezTo>
+                  <a:pt x="675477" y="254664"/>
+                  <a:pt x="676889" y="270499"/>
+                  <a:pt x="678559" y="281354"/>
+                </a:cubicBezTo>
+                <a:cubicBezTo>
+                  <a:pt x="679094" y="284829"/>
+                  <a:pt x="680017" y="288235"/>
+                  <a:pt x="680628" y="291697"/>
+                </a:cubicBezTo>
+                <a:cubicBezTo>
+                  <a:pt x="682086" y="299959"/>
+                  <a:pt x="683725" y="308198"/>
+                  <a:pt x="684766" y="316523"/>
+                </a:cubicBezTo>
+                <a:cubicBezTo>
+                  <a:pt x="688268" y="344538"/>
+                  <a:pt x="685114" y="322577"/>
+                  <a:pt x="688903" y="343417"/>
+                </a:cubicBezTo>
+                <a:cubicBezTo>
+                  <a:pt x="689653" y="347544"/>
+                  <a:pt x="689955" y="351761"/>
+                  <a:pt x="690972" y="355830"/>
+                </a:cubicBezTo>
+                <a:cubicBezTo>
+                  <a:pt x="692030" y="360061"/>
+                  <a:pt x="693731" y="364105"/>
+                  <a:pt x="695110" y="368242"/>
+                </a:cubicBezTo>
+                <a:lnTo>
+                  <a:pt x="699247" y="380655"/>
+                </a:lnTo>
+                <a:cubicBezTo>
+                  <a:pt x="699937" y="382724"/>
+                  <a:pt x="700106" y="385047"/>
+                  <a:pt x="701316" y="386861"/>
+                </a:cubicBezTo>
+                <a:lnTo>
+                  <a:pt x="705454" y="393068"/>
+                </a:lnTo>
+                <a:cubicBezTo>
+                  <a:pt x="710971" y="392378"/>
+                  <a:pt x="716779" y="392899"/>
+                  <a:pt x="722004" y="390999"/>
+                </a:cubicBezTo>
+                <a:cubicBezTo>
+                  <a:pt x="725506" y="389725"/>
+                  <a:pt x="730379" y="381540"/>
+                  <a:pt x="732348" y="378586"/>
+                </a:cubicBezTo>
+                <a:cubicBezTo>
+                  <a:pt x="733037" y="376517"/>
+                  <a:pt x="733207" y="374194"/>
+                  <a:pt x="734416" y="372380"/>
+                </a:cubicBezTo>
+                <a:cubicBezTo>
+                  <a:pt x="743570" y="358649"/>
+                  <a:pt x="737990" y="373507"/>
+                  <a:pt x="744760" y="359967"/>
+                </a:cubicBezTo>
+                <a:cubicBezTo>
+                  <a:pt x="753324" y="342840"/>
+                  <a:pt x="739110" y="365339"/>
+                  <a:pt x="750967" y="347554"/>
+                </a:cubicBezTo>
+                <a:cubicBezTo>
+                  <a:pt x="759845" y="320917"/>
+                  <a:pt x="751322" y="348199"/>
+                  <a:pt x="757173" y="324798"/>
+                </a:cubicBezTo>
+                <a:cubicBezTo>
+                  <a:pt x="757702" y="322683"/>
+                  <a:pt x="758713" y="320707"/>
+                  <a:pt x="759242" y="318592"/>
+                </a:cubicBezTo>
+                <a:cubicBezTo>
+                  <a:pt x="760095" y="315181"/>
+                  <a:pt x="760548" y="311681"/>
+                  <a:pt x="761311" y="308248"/>
+                </a:cubicBezTo>
+                <a:cubicBezTo>
+                  <a:pt x="761928" y="305473"/>
+                  <a:pt x="762821" y="302761"/>
+                  <a:pt x="763379" y="299973"/>
+                </a:cubicBezTo>
+                <a:cubicBezTo>
+                  <a:pt x="764202" y="295860"/>
+                  <a:pt x="764569" y="291662"/>
+                  <a:pt x="765448" y="287560"/>
+                </a:cubicBezTo>
+                <a:cubicBezTo>
+                  <a:pt x="766640" y="282000"/>
+                  <a:pt x="768471" y="276586"/>
+                  <a:pt x="769586" y="271010"/>
+                </a:cubicBezTo>
+                <a:cubicBezTo>
+                  <a:pt x="770275" y="267562"/>
+                  <a:pt x="770891" y="264099"/>
+                  <a:pt x="771654" y="260666"/>
+                </a:cubicBezTo>
+                <a:cubicBezTo>
+                  <a:pt x="772271" y="257890"/>
+                  <a:pt x="773256" y="255196"/>
+                  <a:pt x="773723" y="252391"/>
+                </a:cubicBezTo>
+                <a:cubicBezTo>
+                  <a:pt x="777276" y="231078"/>
+                  <a:pt x="777433" y="225606"/>
+                  <a:pt x="779930" y="206878"/>
+                </a:cubicBezTo>
+                <a:cubicBezTo>
+                  <a:pt x="780574" y="202044"/>
+                  <a:pt x="781513" y="197248"/>
+                  <a:pt x="781998" y="192396"/>
+                </a:cubicBezTo>
+                <a:cubicBezTo>
+                  <a:pt x="784701" y="165357"/>
+                  <a:pt x="784409" y="151409"/>
+                  <a:pt x="786136" y="122058"/>
+                </a:cubicBezTo>
+                <a:cubicBezTo>
+                  <a:pt x="786664" y="113082"/>
+                  <a:pt x="787677" y="104139"/>
+                  <a:pt x="788205" y="95163"/>
+                </a:cubicBezTo>
+                <a:cubicBezTo>
+                  <a:pt x="789056" y="80690"/>
+                  <a:pt x="789117" y="66171"/>
+                  <a:pt x="790273" y="51719"/>
+                </a:cubicBezTo>
+                <a:cubicBezTo>
+                  <a:pt x="790728" y="46028"/>
+                  <a:pt x="793086" y="42537"/>
+                  <a:pt x="794411" y="37238"/>
+                </a:cubicBezTo>
+                <a:cubicBezTo>
+                  <a:pt x="797368" y="25411"/>
+                  <a:pt x="795360" y="29250"/>
+                  <a:pt x="798549" y="18619"/>
+                </a:cubicBezTo>
+                <a:cubicBezTo>
+                  <a:pt x="799802" y="14442"/>
+                  <a:pt x="800266" y="9835"/>
+                  <a:pt x="802686" y="6206"/>
+                </a:cubicBezTo>
+                <a:lnTo>
+                  <a:pt x="806824" y="0"/>
+                </a:lnTo>
+                <a:cubicBezTo>
+                  <a:pt x="809582" y="689"/>
+                  <a:pt x="812733" y="491"/>
+                  <a:pt x="815099" y="2068"/>
+                </a:cubicBezTo>
+                <a:cubicBezTo>
+                  <a:pt x="820015" y="5345"/>
+                  <a:pt x="820405" y="14118"/>
+                  <a:pt x="821305" y="18619"/>
+                </a:cubicBezTo>
+                <a:cubicBezTo>
+                  <a:pt x="825689" y="69034"/>
+                  <a:pt x="829305" y="50756"/>
+                  <a:pt x="823374" y="74476"/>
+                </a:cubicBezTo>
+                <a:cubicBezTo>
+                  <a:pt x="824753" y="88268"/>
+                  <a:pt x="826819" y="102008"/>
+                  <a:pt x="827511" y="115851"/>
+                </a:cubicBezTo>
+                <a:cubicBezTo>
+                  <a:pt x="829789" y="161417"/>
+                  <a:pt x="827310" y="143606"/>
+                  <a:pt x="831649" y="169640"/>
+                </a:cubicBezTo>
+                <a:cubicBezTo>
+                  <a:pt x="832339" y="184121"/>
+                  <a:pt x="832720" y="198621"/>
+                  <a:pt x="833718" y="213084"/>
+                </a:cubicBezTo>
+                <a:cubicBezTo>
+                  <a:pt x="834509" y="224547"/>
+                  <a:pt x="835781" y="229606"/>
+                  <a:pt x="837855" y="239978"/>
+                </a:cubicBezTo>
+                <a:cubicBezTo>
+                  <a:pt x="839234" y="258597"/>
+                  <a:pt x="839352" y="277353"/>
+                  <a:pt x="841993" y="295835"/>
+                </a:cubicBezTo>
+                <a:cubicBezTo>
+                  <a:pt x="845956" y="323570"/>
+                  <a:pt x="842099" y="298487"/>
+                  <a:pt x="846130" y="320660"/>
+                </a:cubicBezTo>
+                <a:cubicBezTo>
+                  <a:pt x="846880" y="324787"/>
+                  <a:pt x="847376" y="328960"/>
+                  <a:pt x="848199" y="333073"/>
+                </a:cubicBezTo>
+                <a:cubicBezTo>
+                  <a:pt x="848757" y="335861"/>
+                  <a:pt x="849710" y="338560"/>
+                  <a:pt x="850268" y="341348"/>
+                </a:cubicBezTo>
+                <a:cubicBezTo>
+                  <a:pt x="852257" y="351290"/>
+                  <a:pt x="853135" y="360142"/>
+                  <a:pt x="854406" y="370311"/>
+                </a:cubicBezTo>
+                <a:cubicBezTo>
+                  <a:pt x="855531" y="388321"/>
+                  <a:pt x="855113" y="399821"/>
+                  <a:pt x="858543" y="415824"/>
+                </a:cubicBezTo>
+                <a:cubicBezTo>
+                  <a:pt x="859735" y="421384"/>
+                  <a:pt x="860138" y="427288"/>
+                  <a:pt x="862681" y="432374"/>
+                </a:cubicBezTo>
+                <a:cubicBezTo>
+                  <a:pt x="864060" y="435132"/>
+                  <a:pt x="865843" y="437723"/>
+                  <a:pt x="866818" y="440649"/>
+                </a:cubicBezTo>
+                <a:cubicBezTo>
+                  <a:pt x="868616" y="446044"/>
+                  <a:pt x="869577" y="451683"/>
+                  <a:pt x="870956" y="457200"/>
+                </a:cubicBezTo>
+                <a:cubicBezTo>
+                  <a:pt x="875435" y="475113"/>
+                  <a:pt x="869951" y="455723"/>
+                  <a:pt x="877162" y="473750"/>
+                </a:cubicBezTo>
+                <a:cubicBezTo>
+                  <a:pt x="878782" y="477800"/>
+                  <a:pt x="879921" y="482025"/>
+                  <a:pt x="881300" y="486163"/>
+                </a:cubicBezTo>
+                <a:lnTo>
+                  <a:pt x="883368" y="492369"/>
+                </a:lnTo>
+                <a:lnTo>
+                  <a:pt x="885437" y="498575"/>
+                </a:lnTo>
+                <a:cubicBezTo>
+                  <a:pt x="884747" y="502713"/>
+                  <a:pt x="884278" y="506893"/>
+                  <a:pt x="883368" y="510988"/>
+                </a:cubicBezTo>
+                <a:cubicBezTo>
+                  <a:pt x="882895" y="513117"/>
+                  <a:pt x="881300" y="515014"/>
+                  <a:pt x="881300" y="517194"/>
+                </a:cubicBezTo>
+                <a:cubicBezTo>
+                  <a:pt x="881300" y="521945"/>
+                  <a:pt x="883421" y="549833"/>
+                  <a:pt x="885437" y="558570"/>
+                </a:cubicBezTo>
+                <a:cubicBezTo>
+                  <a:pt x="886418" y="562820"/>
+                  <a:pt x="888517" y="566752"/>
+                  <a:pt x="889575" y="570983"/>
+                </a:cubicBezTo>
+                <a:cubicBezTo>
+                  <a:pt x="890236" y="573628"/>
+                  <a:pt x="892230" y="582501"/>
+                  <a:pt x="893712" y="585464"/>
+                </a:cubicBezTo>
+                <a:cubicBezTo>
+                  <a:pt x="894824" y="587688"/>
+                  <a:pt x="896471" y="589601"/>
+                  <a:pt x="897850" y="591670"/>
+                </a:cubicBezTo>
+                <a:lnTo>
+                  <a:pt x="901987" y="604083"/>
+                </a:lnTo>
+                <a:cubicBezTo>
+                  <a:pt x="902677" y="606152"/>
+                  <a:pt x="902242" y="609079"/>
+                  <a:pt x="904056" y="610289"/>
+                </a:cubicBezTo>
+                <a:lnTo>
+                  <a:pt x="910263" y="614427"/>
+                </a:lnTo>
+                <a:cubicBezTo>
+                  <a:pt x="926732" y="603447"/>
+                  <a:pt x="917752" y="606855"/>
+                  <a:pt x="937157" y="604083"/>
+                </a:cubicBezTo>
+                <a:cubicBezTo>
+                  <a:pt x="939226" y="602014"/>
+                  <a:pt x="941490" y="600124"/>
+                  <a:pt x="943363" y="597877"/>
+                </a:cubicBezTo>
+                <a:cubicBezTo>
+                  <a:pt x="944955" y="595967"/>
+                  <a:pt x="946056" y="593693"/>
+                  <a:pt x="947501" y="591670"/>
+                </a:cubicBezTo>
+                <a:cubicBezTo>
+                  <a:pt x="949505" y="588864"/>
+                  <a:pt x="951638" y="586153"/>
+                  <a:pt x="953707" y="583395"/>
+                </a:cubicBezTo>
+                <a:cubicBezTo>
+                  <a:pt x="959180" y="561505"/>
+                  <a:pt x="951750" y="587282"/>
+                  <a:pt x="959913" y="568914"/>
+                </a:cubicBezTo>
+                <a:cubicBezTo>
+                  <a:pt x="961684" y="564928"/>
+                  <a:pt x="961632" y="560130"/>
+                  <a:pt x="964051" y="556501"/>
+                </a:cubicBezTo>
+                <a:cubicBezTo>
+                  <a:pt x="969398" y="548480"/>
+                  <a:pt x="967402" y="552654"/>
+                  <a:pt x="970257" y="544088"/>
+                </a:cubicBezTo>
+                <a:cubicBezTo>
+                  <a:pt x="972326" y="544778"/>
+                  <a:pt x="975196" y="544383"/>
+                  <a:pt x="976463" y="546157"/>
+                </a:cubicBezTo>
+                <a:cubicBezTo>
+                  <a:pt x="978998" y="549706"/>
+                  <a:pt x="979222" y="554432"/>
+                  <a:pt x="980601" y="558570"/>
+                </a:cubicBezTo>
+                <a:lnTo>
+                  <a:pt x="984739" y="570983"/>
+                </a:lnTo>
+                <a:cubicBezTo>
+                  <a:pt x="984740" y="570985"/>
+                  <a:pt x="988874" y="583394"/>
+                  <a:pt x="988876" y="583395"/>
+                </a:cubicBezTo>
+                <a:cubicBezTo>
+                  <a:pt x="996897" y="588743"/>
+                  <a:pt x="992723" y="586747"/>
+                  <a:pt x="1001289" y="589602"/>
+                </a:cubicBezTo>
+                <a:cubicBezTo>
+                  <a:pt x="1015770" y="584774"/>
+                  <a:pt x="1009564" y="584085"/>
+                  <a:pt x="1019908" y="587533"/>
+                </a:cubicBezTo>
+                <a:cubicBezTo>
+                  <a:pt x="1030939" y="604081"/>
+                  <a:pt x="1016461" y="584086"/>
+                  <a:pt x="1030252" y="597877"/>
+                </a:cubicBezTo>
+                <a:cubicBezTo>
+                  <a:pt x="1032010" y="599635"/>
+                  <a:pt x="1032448" y="602530"/>
+                  <a:pt x="1034389" y="604083"/>
+                </a:cubicBezTo>
+                <a:cubicBezTo>
+                  <a:pt x="1036092" y="605445"/>
+                  <a:pt x="1038645" y="605177"/>
+                  <a:pt x="1040596" y="606152"/>
+                </a:cubicBezTo>
+                <a:cubicBezTo>
+                  <a:pt x="1042820" y="607264"/>
+                  <a:pt x="1044733" y="608910"/>
+                  <a:pt x="1046802" y="610289"/>
+                </a:cubicBezTo>
+                <a:cubicBezTo>
+                  <a:pt x="1049560" y="609600"/>
+                  <a:pt x="1052608" y="609632"/>
+                  <a:pt x="1055077" y="608221"/>
+                </a:cubicBezTo>
+                <a:cubicBezTo>
+                  <a:pt x="1062980" y="603705"/>
+                  <a:pt x="1059712" y="601517"/>
+                  <a:pt x="1065421" y="595808"/>
+                </a:cubicBezTo>
+                <a:cubicBezTo>
+                  <a:pt x="1067179" y="594050"/>
+                  <a:pt x="1069717" y="593262"/>
+                  <a:pt x="1071627" y="591670"/>
+                </a:cubicBezTo>
+                <a:cubicBezTo>
+                  <a:pt x="1073875" y="589797"/>
+                  <a:pt x="1075765" y="587533"/>
+                  <a:pt x="1077834" y="585464"/>
+                </a:cubicBezTo>
+                <a:cubicBezTo>
+                  <a:pt x="1078523" y="583395"/>
+                  <a:pt x="1078843" y="581164"/>
+                  <a:pt x="1079902" y="579258"/>
+                </a:cubicBezTo>
+                <a:cubicBezTo>
+                  <a:pt x="1082317" y="574911"/>
+                  <a:pt x="1088178" y="566845"/>
+                  <a:pt x="1088178" y="566845"/>
+                </a:cubicBezTo>
+                <a:cubicBezTo>
+                  <a:pt x="1093373" y="551254"/>
+                  <a:pt x="1086367" y="570466"/>
+                  <a:pt x="1094384" y="554432"/>
+                </a:cubicBezTo>
+                <a:cubicBezTo>
+                  <a:pt x="1095359" y="552482"/>
+                  <a:pt x="1095394" y="550132"/>
+                  <a:pt x="1096453" y="548226"/>
+                </a:cubicBezTo>
+                <a:cubicBezTo>
+                  <a:pt x="1098868" y="543879"/>
+                  <a:pt x="1103155" y="540531"/>
+                  <a:pt x="1104728" y="535813"/>
+                </a:cubicBezTo>
+                <a:cubicBezTo>
+                  <a:pt x="1106411" y="530766"/>
+                  <a:pt x="1106925" y="527411"/>
+                  <a:pt x="1110934" y="523401"/>
+                </a:cubicBezTo>
+                <a:cubicBezTo>
+                  <a:pt x="1112692" y="521643"/>
+                  <a:pt x="1115071" y="520642"/>
+                  <a:pt x="1117140" y="519263"/>
+                </a:cubicBezTo>
+                <a:cubicBezTo>
+                  <a:pt x="1125101" y="507324"/>
+                  <a:pt x="1116458" y="517534"/>
+                  <a:pt x="1133691" y="508919"/>
+                </a:cubicBezTo>
+                <a:cubicBezTo>
+                  <a:pt x="1136449" y="507540"/>
+                  <a:pt x="1139040" y="505757"/>
+                  <a:pt x="1141966" y="504782"/>
+                </a:cubicBezTo>
+                <a:cubicBezTo>
+                  <a:pt x="1152279" y="501344"/>
+                  <a:pt x="1160510" y="500312"/>
+                  <a:pt x="1170929" y="498575"/>
+                </a:cubicBezTo>
+                <a:lnTo>
+                  <a:pt x="1189548" y="492369"/>
+                </a:lnTo>
+                <a:cubicBezTo>
+                  <a:pt x="1191617" y="491679"/>
+                  <a:pt x="1193580" y="490467"/>
+                  <a:pt x="1195754" y="490300"/>
+                </a:cubicBezTo>
+                <a:lnTo>
+                  <a:pt x="1222648" y="488231"/>
+                </a:lnTo>
+                <a:cubicBezTo>
+                  <a:pt x="1226786" y="487542"/>
+                  <a:pt x="1230903" y="486717"/>
+                  <a:pt x="1235061" y="486163"/>
+                </a:cubicBezTo>
+                <a:cubicBezTo>
+                  <a:pt x="1241251" y="485338"/>
+                  <a:pt x="1247531" y="485179"/>
+                  <a:pt x="1253680" y="484094"/>
+                </a:cubicBezTo>
+                <a:cubicBezTo>
+                  <a:pt x="1275376" y="480265"/>
+                  <a:pt x="1265580" y="478582"/>
+                  <a:pt x="1288849" y="477887"/>
+                </a:cubicBezTo>
+                <a:cubicBezTo>
+                  <a:pt x="1328833" y="476694"/>
+                  <a:pt x="1368842" y="476508"/>
+                  <a:pt x="1408838" y="475819"/>
+                </a:cubicBezTo>
+                <a:cubicBezTo>
+                  <a:pt x="1413665" y="475129"/>
+                  <a:pt x="1418538" y="474706"/>
+                  <a:pt x="1423320" y="473750"/>
+                </a:cubicBezTo>
+                <a:cubicBezTo>
+                  <a:pt x="1447893" y="468835"/>
+                  <a:pt x="1406979" y="474748"/>
+                  <a:pt x="1437801" y="469612"/>
+                </a:cubicBezTo>
+                <a:cubicBezTo>
+                  <a:pt x="1443285" y="468698"/>
+                  <a:pt x="1448834" y="468233"/>
+                  <a:pt x="1454351" y="467544"/>
+                </a:cubicBezTo>
+                <a:cubicBezTo>
+                  <a:pt x="1456420" y="466854"/>
+                  <a:pt x="1458553" y="466334"/>
+                  <a:pt x="1460558" y="465475"/>
+                </a:cubicBezTo>
+                <a:cubicBezTo>
+                  <a:pt x="1463393" y="464260"/>
+                  <a:pt x="1465945" y="462420"/>
+                  <a:pt x="1468833" y="461337"/>
+                </a:cubicBezTo>
+                <a:cubicBezTo>
+                  <a:pt x="1471495" y="460339"/>
+                  <a:pt x="1474411" y="460167"/>
+                  <a:pt x="1477108" y="459268"/>
+                </a:cubicBezTo>
+                <a:cubicBezTo>
+                  <a:pt x="1482697" y="457405"/>
+                  <a:pt x="1488109" y="455043"/>
+                  <a:pt x="1493658" y="453062"/>
+                </a:cubicBezTo>
+                <a:cubicBezTo>
+                  <a:pt x="1497765" y="451595"/>
+                  <a:pt x="1501933" y="450304"/>
+                  <a:pt x="1506071" y="448925"/>
+                </a:cubicBezTo>
+                <a:cubicBezTo>
+                  <a:pt x="1508140" y="448235"/>
+                  <a:pt x="1510162" y="447385"/>
+                  <a:pt x="1512277" y="446856"/>
+                </a:cubicBezTo>
+                <a:cubicBezTo>
+                  <a:pt x="1515035" y="446166"/>
+                  <a:pt x="1517818" y="445568"/>
+                  <a:pt x="1520552" y="444787"/>
+                </a:cubicBezTo>
+                <a:cubicBezTo>
+                  <a:pt x="1522649" y="444188"/>
+                  <a:pt x="1524630" y="443191"/>
+                  <a:pt x="1526759" y="442718"/>
+                </a:cubicBezTo>
+                <a:cubicBezTo>
+                  <a:pt x="1530854" y="441808"/>
+                  <a:pt x="1535034" y="441339"/>
+                  <a:pt x="1539171" y="440649"/>
+                </a:cubicBezTo>
+                <a:cubicBezTo>
+                  <a:pt x="1550630" y="433011"/>
+                  <a:pt x="1539953" y="438902"/>
+                  <a:pt x="1557790" y="434443"/>
+                </a:cubicBezTo>
+                <a:cubicBezTo>
+                  <a:pt x="1562021" y="433385"/>
+                  <a:pt x="1566065" y="431685"/>
+                  <a:pt x="1570203" y="430306"/>
+                </a:cubicBezTo>
+                <a:cubicBezTo>
+                  <a:pt x="1572272" y="429616"/>
+                  <a:pt x="1574271" y="428665"/>
+                  <a:pt x="1576409" y="428237"/>
+                </a:cubicBezTo>
+                <a:cubicBezTo>
+                  <a:pt x="1579857" y="427547"/>
+                  <a:pt x="1583320" y="426931"/>
+                  <a:pt x="1586753" y="426168"/>
+                </a:cubicBezTo>
+                <a:cubicBezTo>
+                  <a:pt x="1589529" y="425551"/>
+                  <a:pt x="1592305" y="424916"/>
+                  <a:pt x="1595028" y="424099"/>
+                </a:cubicBezTo>
+                <a:cubicBezTo>
+                  <a:pt x="1599205" y="422846"/>
+                  <a:pt x="1603139" y="420679"/>
+                  <a:pt x="1607441" y="419962"/>
+                </a:cubicBezTo>
+                <a:cubicBezTo>
+                  <a:pt x="1611579" y="419272"/>
+                  <a:pt x="1615752" y="418772"/>
+                  <a:pt x="1619854" y="417893"/>
+                </a:cubicBezTo>
+                <a:cubicBezTo>
+                  <a:pt x="1625414" y="416701"/>
+                  <a:pt x="1630887" y="415134"/>
+                  <a:pt x="1636404" y="413755"/>
+                </a:cubicBezTo>
+                <a:cubicBezTo>
+                  <a:pt x="1639162" y="413065"/>
+                  <a:pt x="1641858" y="412040"/>
+                  <a:pt x="1644679" y="411687"/>
+                </a:cubicBezTo>
+                <a:lnTo>
+                  <a:pt x="1661229" y="409618"/>
+                </a:lnTo>
+                <a:lnTo>
+                  <a:pt x="1704673" y="411687"/>
+                </a:lnTo>
+                <a:cubicBezTo>
+                  <a:pt x="1714336" y="412239"/>
+                  <a:pt x="1723972" y="413218"/>
+                  <a:pt x="1733636" y="413755"/>
+                </a:cubicBezTo>
+                <a:cubicBezTo>
+                  <a:pt x="1748799" y="414597"/>
+                  <a:pt x="1763978" y="415134"/>
+                  <a:pt x="1779149" y="415824"/>
+                </a:cubicBezTo>
+                <a:cubicBezTo>
+                  <a:pt x="1799606" y="414687"/>
+                  <a:pt x="1833829" y="414148"/>
+                  <a:pt x="1853625" y="407549"/>
+                </a:cubicBezTo>
+                <a:cubicBezTo>
+                  <a:pt x="1859412" y="405620"/>
+                  <a:pt x="1870629" y="402150"/>
+                  <a:pt x="1876382" y="399274"/>
+                </a:cubicBezTo>
+                <a:cubicBezTo>
+                  <a:pt x="1903452" y="385740"/>
+                  <a:pt x="1870486" y="399565"/>
+                  <a:pt x="1897070" y="388930"/>
+                </a:cubicBezTo>
+                <a:lnTo>
+                  <a:pt x="1903276" y="376517"/>
+                </a:lnTo>
+              </a:path>
+            </a:pathLst>
+          </a:custGeom>
+          <a:noFill/>
+          <a:ln w="38100"/>
+        </p:spPr>
+        <p:style>
+          <a:lnRef idx="2">
+            <a:schemeClr val="accent1">
+              <a:shade val="50000"/>
+            </a:schemeClr>
+          </a:lnRef>
+          <a:fillRef idx="1">
+            <a:schemeClr val="accent1"/>
+          </a:fillRef>
+          <a:effectRef idx="0">
+            <a:schemeClr val="accent1"/>
+          </a:effectRef>
+          <a:fontRef idx="minor">
+            <a:schemeClr val="lt1"/>
+          </a:fontRef>
+        </p:style>
+        <p:txBody>
+          <a:bodyPr rtlCol="0" anchor="ctr"/>
+          <a:lstStyle/>
+          <a:p>
+            <a:pPr algn="ctr"/>
+            <a:endParaRPr lang="en-US"/>
+          </a:p>
+        </p:txBody>
+      </p:sp>
+      <p:sp>
+        <p:nvSpPr>
+          <p:cNvPr id="22" name="5-Point Star 21"/>
+          <p:cNvSpPr/>
+          <p:nvPr/>
+        </p:nvSpPr>
+        <p:spPr>
+          <a:xfrm>
+            <a:off x="4475625" y="5077777"/>
+            <a:ext cx="203200" cy="179294"/>
+          </a:xfrm>
+          <a:prstGeom prst="star5">
+            <a:avLst/>
+          </a:prstGeom>
+          <a:noFill/>
+          <a:ln>
+            <a:solidFill>
+              <a:srgbClr val="FF0000"/>
+            </a:solidFill>
+          </a:ln>
+        </p:spPr>
+        <p:style>
+          <a:lnRef idx="2">
+            <a:schemeClr val="accent1">
+              <a:shade val="50000"/>
+            </a:schemeClr>
+          </a:lnRef>
+          <a:fillRef idx="1">
+            <a:schemeClr val="accent1"/>
+          </a:fillRef>
+          <a:effectRef idx="0">
+            <a:schemeClr val="accent1"/>
+          </a:effectRef>
+          <a:fontRef idx="minor">
+            <a:schemeClr val="lt1"/>
+          </a:fontRef>
+        </p:style>
+        <p:txBody>
+          <a:bodyPr rtlCol="0" anchor="ctr"/>
+          <a:lstStyle/>
+          <a:p>
+            <a:pPr algn="ctr"/>
+            <a:endParaRPr lang="en-US"/>
+          </a:p>
+        </p:txBody>
+      </p:sp>
+      <p:sp>
+        <p:nvSpPr>
+          <p:cNvPr id="27" name="TextBox 26"/>
+          <p:cNvSpPr txBox="1"/>
+          <p:nvPr/>
+        </p:nvSpPr>
+        <p:spPr>
+          <a:xfrm>
+            <a:off x="-16654" y="5852311"/>
+            <a:ext cx="3842342" cy="954107"/>
+          </a:xfrm>
+          <a:prstGeom prst="rect">
+            <a:avLst/>
+          </a:prstGeom>
+          <a:solidFill>
+            <a:schemeClr val="bg1"/>
+          </a:solidFill>
+        </p:spPr>
+        <p:txBody>
+          <a:bodyPr wrap="square" rtlCol="0">
+            <a:spAutoFit/>
+          </a:bodyPr>
+          <a:lstStyle/>
+          <a:p>
+            <a:r>
+              <a:rPr lang="en-US" sz="1400" dirty="0" smtClean="0">
+                <a:solidFill>
+                  <a:schemeClr val="bg1">
+                    <a:lumMod val="65000"/>
+                  </a:schemeClr>
+                </a:solidFill>
+              </a:rPr>
+              <a:t>*Adapted from: </a:t>
+            </a:r>
+            <a:r>
+              <a:rPr lang="en-US" sz="1400" dirty="0" err="1" smtClean="0">
+                <a:solidFill>
+                  <a:schemeClr val="bg1">
+                    <a:lumMod val="65000"/>
+                  </a:schemeClr>
+                </a:solidFill>
+              </a:rPr>
+              <a:t>Tennøe</a:t>
+            </a:r>
+            <a:r>
+              <a:rPr lang="en-US" sz="1400" dirty="0">
+                <a:solidFill>
+                  <a:schemeClr val="bg1">
+                    <a:lumMod val="65000"/>
+                  </a:schemeClr>
+                </a:solidFill>
+              </a:rPr>
+              <a:t>, S., </a:t>
+            </a:r>
+            <a:r>
+              <a:rPr lang="en-US" sz="1400" dirty="0" err="1">
+                <a:solidFill>
+                  <a:schemeClr val="bg1">
+                    <a:lumMod val="65000"/>
+                  </a:schemeClr>
+                </a:solidFill>
+              </a:rPr>
+              <a:t>Halnes</a:t>
+            </a:r>
+            <a:r>
+              <a:rPr lang="en-US" sz="1400" dirty="0">
+                <a:solidFill>
+                  <a:schemeClr val="bg1">
+                    <a:lumMod val="65000"/>
+                  </a:schemeClr>
+                </a:solidFill>
+              </a:rPr>
+              <a:t>, G., and </a:t>
+            </a:r>
+            <a:r>
+              <a:rPr lang="en-US" sz="1400" dirty="0" err="1">
+                <a:solidFill>
+                  <a:schemeClr val="bg1">
+                    <a:lumMod val="65000"/>
+                  </a:schemeClr>
+                </a:solidFill>
+              </a:rPr>
+              <a:t>Einevoll</a:t>
+            </a:r>
+            <a:r>
+              <a:rPr lang="en-US" sz="1400" dirty="0">
+                <a:solidFill>
+                  <a:schemeClr val="bg1">
+                    <a:lumMod val="65000"/>
+                  </a:schemeClr>
+                </a:solidFill>
+              </a:rPr>
+              <a:t>, G. T., “</a:t>
+            </a:r>
+            <a:r>
+              <a:rPr lang="en-US" sz="1400" dirty="0" err="1">
+                <a:solidFill>
+                  <a:schemeClr val="bg1">
+                    <a:lumMod val="65000"/>
+                  </a:schemeClr>
+                </a:solidFill>
+              </a:rPr>
+              <a:t>Uncertainpy</a:t>
+            </a:r>
+            <a:r>
+              <a:rPr lang="en-US" sz="1400" dirty="0">
+                <a:solidFill>
+                  <a:schemeClr val="bg1">
+                    <a:lumMod val="65000"/>
+                  </a:schemeClr>
+                </a:solidFill>
+              </a:rPr>
+              <a:t> : A Python toolbox for uncertainty quantification and sensitivity analysis in computational neuroscience .,” 2018, pp. 1–52.</a:t>
+            </a:r>
           </a:p>
         </p:txBody>
       </p:sp>
@@ -9059,7 +12476,7 @@
           <a:p>
             <a:fld id="{4C061873-F18F-4D4E-85DB-8EE959E740D5}" type="datetime1">
               <a:rPr lang="en-US" smtClean="0"/>
-              <a:t>4/30/2019</a:t>
+              <a:t>5/3/2019</a:t>
             </a:fld>
             <a:endParaRPr lang="en-US"/>
           </a:p>
@@ -9169,7 +12586,7 @@
         </p:nvSpPr>
         <p:spPr>
           <a:xfrm>
-            <a:off x="6583435" y="2152806"/>
+            <a:off x="7032363" y="2152806"/>
             <a:ext cx="3868340" cy="3684588"/>
           </a:xfrm>
           <a:prstGeom prst="rect">
@@ -9275,7 +12692,7 @@
         </p:blipFill>
         <p:spPr>
           <a:xfrm>
-            <a:off x="1935762" y="2152806"/>
+            <a:off x="795268" y="2152806"/>
             <a:ext cx="3958590" cy="1337310"/>
           </a:xfrm>
           <a:prstGeom prst="rect">
@@ -9299,7 +12716,7 @@
         </p:blipFill>
         <p:spPr>
           <a:xfrm>
-            <a:off x="3077059" y="3368540"/>
+            <a:off x="1936565" y="3368540"/>
             <a:ext cx="1981200" cy="941070"/>
           </a:xfrm>
           <a:prstGeom prst="rect">
@@ -9323,7 +12740,7 @@
         </p:blipFill>
         <p:spPr>
           <a:xfrm>
-            <a:off x="3077059" y="4309610"/>
+            <a:off x="1936565" y="4309610"/>
             <a:ext cx="2503170" cy="994410"/>
           </a:xfrm>
           <a:prstGeom prst="rect">
@@ -9348,7 +12765,7 @@
           <a:p>
             <a:fld id="{FB12E4A0-1CD4-4543-8EAF-4EF1E6B1037E}" type="datetime1">
               <a:rPr lang="en-US" smtClean="0"/>
-              <a:t>4/30/2019</a:t>
+              <a:t>5/3/2019</a:t>
             </a:fld>
             <a:endParaRPr lang="en-US"/>
           </a:p>
@@ -9374,6 +12791,92 @@
               <a:t>12</a:t>
             </a:fld>
             <a:endParaRPr lang="en-US"/>
+          </a:p>
+        </p:txBody>
+      </p:sp>
+      <p:pic>
+        <p:nvPicPr>
+          <p:cNvPr id="12" name="Picture 11"/>
+          <p:cNvPicPr>
+            <a:picLocks noChangeAspect="1"/>
+          </p:cNvPicPr>
+          <p:nvPr/>
+        </p:nvPicPr>
+        <p:blipFill>
+          <a:blip r:embed="rId6"/>
+          <a:stretch>
+            <a:fillRect/>
+          </a:stretch>
+        </p:blipFill>
+        <p:spPr>
+          <a:xfrm>
+            <a:off x="4732865" y="3704597"/>
+            <a:ext cx="1617135" cy="322885"/>
+          </a:xfrm>
+          <a:prstGeom prst="rect">
+            <a:avLst/>
+          </a:prstGeom>
+        </p:spPr>
+      </p:pic>
+      <p:pic>
+        <p:nvPicPr>
+          <p:cNvPr id="13" name="Picture 12"/>
+          <p:cNvPicPr>
+            <a:picLocks noChangeAspect="1"/>
+          </p:cNvPicPr>
+          <p:nvPr/>
+        </p:nvPicPr>
+        <p:blipFill>
+          <a:blip r:embed="rId7"/>
+          <a:stretch>
+            <a:fillRect/>
+          </a:stretch>
+        </p:blipFill>
+        <p:spPr>
+          <a:xfrm>
+            <a:off x="4680903" y="4624216"/>
+            <a:ext cx="1796155" cy="410913"/>
+          </a:xfrm>
+          <a:prstGeom prst="rect">
+            <a:avLst/>
+          </a:prstGeom>
+        </p:spPr>
+      </p:pic>
+      <p:sp>
+        <p:nvSpPr>
+          <p:cNvPr id="14" name="TextBox 13"/>
+          <p:cNvSpPr txBox="1"/>
+          <p:nvPr/>
+        </p:nvSpPr>
+        <p:spPr>
+          <a:xfrm>
+            <a:off x="4242642" y="3641911"/>
+            <a:ext cx="714971" cy="369332"/>
+          </a:xfrm>
+          <a:prstGeom prst="rect">
+            <a:avLst/>
+          </a:prstGeom>
+          <a:noFill/>
+        </p:spPr>
+        <p:txBody>
+          <a:bodyPr wrap="square" rtlCol="0">
+            <a:spAutoFit/>
+          </a:bodyPr>
+          <a:lstStyle/>
+          <a:p>
+            <a:r>
+              <a:rPr lang="en-US" dirty="0" err="1"/>
+              <a:t>e</a:t>
+            </a:r>
+            <a:r>
+              <a:rPr lang="en-US" dirty="0" err="1" smtClean="0"/>
+              <a:t>g</a:t>
+            </a:r>
+            <a:r>
+              <a:rPr lang="en-US" dirty="0" smtClean="0"/>
+              <a:t>.</a:t>
+            </a:r>
+            <a:endParaRPr lang="en-US" dirty="0"/>
           </a:p>
         </p:txBody>
       </p:sp>
@@ -9679,7 +13182,7 @@
           <a:p>
             <a:fld id="{3066D249-A68A-487A-883D-CC852CBD7FCE}" type="datetime1">
               <a:rPr lang="en-US" smtClean="0"/>
-              <a:t>4/30/2019</a:t>
+              <a:t>5/3/2019</a:t>
             </a:fld>
             <a:endParaRPr lang="en-US"/>
           </a:p>
@@ -9788,7 +13291,7 @@
         <p:spPr>
           <a:xfrm>
             <a:off x="477167" y="1461100"/>
-            <a:ext cx="5193600" cy="1908800"/>
+            <a:ext cx="5432566" cy="1908800"/>
           </a:xfrm>
           <a:prstGeom prst="rect">
             <a:avLst/>
@@ -9850,7 +13353,15 @@
             </a:pPr>
             <a:r>
               <a:rPr lang="en" sz="2400" dirty="0"/>
-              <a:t>Solved as an exponential cone program.</a:t>
+              <a:t>Solved as </a:t>
+            </a:r>
+            <a:r>
+              <a:rPr lang="en" sz="2400" dirty="0" smtClean="0"/>
+              <a:t>exponential </a:t>
+            </a:r>
+            <a:r>
+              <a:rPr lang="en" sz="2400" dirty="0"/>
+              <a:t>cone program.</a:t>
             </a:r>
             <a:endParaRPr sz="2400" dirty="0"/>
           </a:p>
@@ -9894,7 +13405,41 @@
             </a:pPr>
             <a:r>
               <a:rPr lang="en" sz="2400" dirty="0"/>
-              <a:t>Non-log-convex (difference of convex)</a:t>
+              <a:t>Non-log-convex (difference of convex</a:t>
+            </a:r>
+            <a:r>
+              <a:rPr lang="en" sz="2400" dirty="0" smtClean="0"/>
+              <a:t>)</a:t>
+            </a:r>
+          </a:p>
+          <a:p>
+            <a:pPr marL="609585" indent="-423323">
+              <a:buSzPts val="1400"/>
+              <a:buFontTx/>
+              <a:buChar char="●"/>
+            </a:pPr>
+            <a:r>
+              <a:rPr lang="en-US" sz="2400" dirty="0"/>
+              <a:t>Solved as sequential </a:t>
+            </a:r>
+            <a:r>
+              <a:rPr lang="en-US" sz="2400" dirty="0" smtClean="0"/>
+              <a:t>GPs</a:t>
+            </a:r>
+          </a:p>
+          <a:p>
+            <a:pPr marL="609585" indent="-423323">
+              <a:buSzPts val="1400"/>
+              <a:buFontTx/>
+              <a:buChar char="●"/>
+            </a:pPr>
+            <a:r>
+              <a:rPr lang="en-US" sz="2400" dirty="0"/>
+              <a:t>Solves with initial vector of </a:t>
+            </a:r>
+            <a:r>
+              <a:rPr lang="en-US" sz="2400" dirty="0" smtClean="0"/>
+              <a:t>1’s</a:t>
             </a:r>
             <a:endParaRPr sz="2400" dirty="0"/>
           </a:p>
@@ -9904,30 +13449,8 @@
               <a:buChar char="●"/>
             </a:pPr>
             <a:r>
-              <a:rPr lang="en" sz="2400" dirty="0"/>
-              <a:t>Guaranteed to be feasible, but locally optimal</a:t>
-            </a:r>
-            <a:endParaRPr sz="2400" dirty="0"/>
-          </a:p>
-          <a:p>
-            <a:pPr marL="609585" indent="-423323">
-              <a:buSzPts val="1400"/>
-              <a:buChar char="●"/>
-            </a:pPr>
-            <a:r>
-              <a:rPr lang="en" sz="2400" dirty="0"/>
-              <a:t>Solves with initial vector of 1’s</a:t>
-            </a:r>
-            <a:endParaRPr sz="2400" dirty="0"/>
-          </a:p>
-          <a:p>
-            <a:pPr marL="609585" indent="-423323">
-              <a:buSzPts val="1400"/>
-              <a:buChar char="●"/>
-            </a:pPr>
-            <a:r>
-              <a:rPr lang="en" sz="2400" dirty="0"/>
-              <a:t>Solved as sequential GPs</a:t>
+              <a:rPr lang="en" sz="2400" dirty="0" smtClean="0"/>
+              <a:t>Locally optimal</a:t>
             </a:r>
             <a:endParaRPr sz="2400" dirty="0"/>
           </a:p>
@@ -10099,6 +13622,516 @@
   <p:cSld>
     <p:spTree>
       <p:nvGrpSpPr>
+        <p:cNvPr id="1" name="Shape 184"/>
+        <p:cNvGrpSpPr/>
+        <p:nvPr/>
+      </p:nvGrpSpPr>
+      <p:grpSpPr>
+        <a:xfrm>
+          <a:off x="0" y="0"/>
+          <a:ext cx="0" cy="0"/>
+          <a:chOff x="0" y="0"/>
+          <a:chExt cx="0" cy="0"/>
+        </a:xfrm>
+      </p:grpSpPr>
+      <p:pic>
+        <p:nvPicPr>
+          <p:cNvPr id="185" name="Google Shape;185;p35" descr="D8vtht.PNG"/>
+          <p:cNvPicPr preferRelativeResize="0"/>
+          <p:nvPr/>
+        </p:nvPicPr>
+        <p:blipFill>
+          <a:blip r:embed="rId3">
+            <a:alphaModFix/>
+          </a:blip>
+          <a:stretch>
+            <a:fillRect/>
+          </a:stretch>
+        </p:blipFill>
+        <p:spPr>
+          <a:xfrm>
+            <a:off x="5695967" y="4400876"/>
+            <a:ext cx="4294868" cy="2158200"/>
+          </a:xfrm>
+          <a:prstGeom prst="rect">
+            <a:avLst/>
+          </a:prstGeom>
+          <a:noFill/>
+          <a:ln>
+            <a:noFill/>
+          </a:ln>
+        </p:spPr>
+      </p:pic>
+      <p:pic>
+        <p:nvPicPr>
+          <p:cNvPr id="186" name="Google Shape;186;p35" descr="tasoptb737800_1.png"/>
+          <p:cNvPicPr preferRelativeResize="0"/>
+          <p:nvPr/>
+        </p:nvPicPr>
+        <p:blipFill rotWithShape="1">
+          <a:blip r:embed="rId4">
+            <a:alphaModFix/>
+          </a:blip>
+          <a:srcRect l="9545" t="-12070" r="7666" b="12070"/>
+          <a:stretch/>
+        </p:blipFill>
+        <p:spPr>
+          <a:xfrm>
+            <a:off x="2766134" y="2642700"/>
+            <a:ext cx="1083533" cy="1233067"/>
+          </a:xfrm>
+          <a:prstGeom prst="rect">
+            <a:avLst/>
+          </a:prstGeom>
+          <a:noFill/>
+          <a:ln>
+            <a:noFill/>
+          </a:ln>
+        </p:spPr>
+      </p:pic>
+      <p:pic>
+        <p:nvPicPr>
+          <p:cNvPr id="187" name="Google Shape;187;p35" descr="D82-1.png"/>
+          <p:cNvPicPr preferRelativeResize="0"/>
+          <p:nvPr/>
+        </p:nvPicPr>
+        <p:blipFill>
+          <a:blip r:embed="rId5">
+            <a:alphaModFix/>
+          </a:blip>
+          <a:stretch>
+            <a:fillRect/>
+          </a:stretch>
+        </p:blipFill>
+        <p:spPr>
+          <a:xfrm>
+            <a:off x="953059" y="2642702"/>
+            <a:ext cx="1308767" cy="1381917"/>
+          </a:xfrm>
+          <a:prstGeom prst="rect">
+            <a:avLst/>
+          </a:prstGeom>
+          <a:noFill/>
+          <a:ln>
+            <a:noFill/>
+          </a:ln>
+        </p:spPr>
+      </p:pic>
+      <p:pic>
+        <p:nvPicPr>
+          <p:cNvPr id="188" name="Google Shape;188;p35" descr="wing.PNG"/>
+          <p:cNvPicPr preferRelativeResize="0"/>
+          <p:nvPr/>
+        </p:nvPicPr>
+        <p:blipFill rotWithShape="1">
+          <a:blip r:embed="rId6">
+            <a:alphaModFix/>
+          </a:blip>
+          <a:srcRect r="18864"/>
+          <a:stretch/>
+        </p:blipFill>
+        <p:spPr>
+          <a:xfrm>
+            <a:off x="3175236" y="1230656"/>
+            <a:ext cx="2446315" cy="1465253"/>
+          </a:xfrm>
+          <a:prstGeom prst="rect">
+            <a:avLst/>
+          </a:prstGeom>
+          <a:noFill/>
+          <a:ln w="19050" cap="flat" cmpd="sng">
+            <a:solidFill>
+              <a:srgbClr val="00FF00"/>
+            </a:solidFill>
+            <a:prstDash val="solid"/>
+            <a:round/>
+            <a:headEnd type="none" w="sm" len="sm"/>
+            <a:tailEnd type="none" w="sm" len="sm"/>
+          </a:ln>
+        </p:spPr>
+      </p:pic>
+      <p:pic>
+        <p:nvPicPr>
+          <p:cNvPr id="189" name="Google Shape;189;p35" descr="engine.PNG"/>
+          <p:cNvPicPr preferRelativeResize="0"/>
+          <p:nvPr/>
+        </p:nvPicPr>
+        <p:blipFill>
+          <a:blip r:embed="rId7">
+            <a:alphaModFix/>
+          </a:blip>
+          <a:stretch>
+            <a:fillRect/>
+          </a:stretch>
+        </p:blipFill>
+        <p:spPr>
+          <a:xfrm>
+            <a:off x="5945769" y="1230657"/>
+            <a:ext cx="2367856" cy="1465252"/>
+          </a:xfrm>
+          <a:prstGeom prst="rect">
+            <a:avLst/>
+          </a:prstGeom>
+          <a:noFill/>
+          <a:ln w="19050" cap="flat" cmpd="sng">
+            <a:solidFill>
+              <a:srgbClr val="00FF00"/>
+            </a:solidFill>
+            <a:prstDash val="solid"/>
+            <a:round/>
+            <a:headEnd type="none" w="sm" len="sm"/>
+            <a:tailEnd type="none" w="sm" len="sm"/>
+          </a:ln>
+        </p:spPr>
+      </p:pic>
+      <p:pic>
+        <p:nvPicPr>
+          <p:cNvPr id="190" name="Google Shape;190;p35" descr="fuselage.PNG"/>
+          <p:cNvPicPr preferRelativeResize="0"/>
+          <p:nvPr/>
+        </p:nvPicPr>
+        <p:blipFill>
+          <a:blip r:embed="rId8">
+            <a:alphaModFix/>
+          </a:blip>
+          <a:stretch>
+            <a:fillRect/>
+          </a:stretch>
+        </p:blipFill>
+        <p:spPr>
+          <a:xfrm>
+            <a:off x="143933" y="1230690"/>
+            <a:ext cx="2446315" cy="1465252"/>
+          </a:xfrm>
+          <a:prstGeom prst="rect">
+            <a:avLst/>
+          </a:prstGeom>
+          <a:noFill/>
+          <a:ln w="19050" cap="flat" cmpd="sng">
+            <a:solidFill>
+              <a:srgbClr val="00FF00"/>
+            </a:solidFill>
+            <a:prstDash val="solid"/>
+            <a:round/>
+            <a:headEnd type="none" w="sm" len="sm"/>
+            <a:tailEnd type="none" w="sm" len="sm"/>
+          </a:ln>
+        </p:spPr>
+      </p:pic>
+      <p:sp>
+        <p:nvSpPr>
+          <p:cNvPr id="191" name="Google Shape;191;p35"/>
+          <p:cNvSpPr txBox="1"/>
+          <p:nvPr/>
+        </p:nvSpPr>
+        <p:spPr>
+          <a:xfrm>
+            <a:off x="2500995" y="1649200"/>
+            <a:ext cx="826000" cy="712800"/>
+          </a:xfrm>
+          <a:prstGeom prst="rect">
+            <a:avLst/>
+          </a:prstGeom>
+          <a:noFill/>
+          <a:ln>
+            <a:noFill/>
+          </a:ln>
+        </p:spPr>
+        <p:txBody>
+          <a:bodyPr spcFirstLastPara="1" wrap="square" lIns="121900" tIns="121900" rIns="121900" bIns="121900" anchor="t" anchorCtr="0">
+            <a:noAutofit/>
+          </a:bodyPr>
+          <a:lstStyle/>
+          <a:p>
+            <a:r>
+              <a:rPr lang="en" sz="2400">
+                <a:solidFill>
+                  <a:srgbClr val="FF0000"/>
+                </a:solidFill>
+              </a:rPr>
+              <a:t>+3x</a:t>
+            </a:r>
+            <a:endParaRPr sz="2400">
+              <a:solidFill>
+                <a:srgbClr val="FF0000"/>
+              </a:solidFill>
+            </a:endParaRPr>
+          </a:p>
+        </p:txBody>
+      </p:sp>
+      <p:sp>
+        <p:nvSpPr>
+          <p:cNvPr id="192" name="Google Shape;192;p35"/>
+          <p:cNvSpPr txBox="1"/>
+          <p:nvPr/>
+        </p:nvSpPr>
+        <p:spPr>
+          <a:xfrm>
+            <a:off x="5519617" y="1649209"/>
+            <a:ext cx="629600" cy="712800"/>
+          </a:xfrm>
+          <a:prstGeom prst="rect">
+            <a:avLst/>
+          </a:prstGeom>
+          <a:noFill/>
+          <a:ln>
+            <a:noFill/>
+          </a:ln>
+        </p:spPr>
+        <p:txBody>
+          <a:bodyPr spcFirstLastPara="1" wrap="square" lIns="121900" tIns="121900" rIns="121900" bIns="121900" anchor="t" anchorCtr="0">
+            <a:noAutofit/>
+          </a:bodyPr>
+          <a:lstStyle/>
+          <a:p>
+            <a:r>
+              <a:rPr lang="en" sz="2400">
+                <a:solidFill>
+                  <a:srgbClr val="FF0000"/>
+                </a:solidFill>
+              </a:rPr>
+              <a:t>+</a:t>
+            </a:r>
+            <a:endParaRPr sz="2400">
+              <a:solidFill>
+                <a:srgbClr val="FF0000"/>
+              </a:solidFill>
+            </a:endParaRPr>
+          </a:p>
+        </p:txBody>
+      </p:sp>
+      <p:sp>
+        <p:nvSpPr>
+          <p:cNvPr id="193" name="Google Shape;193;p35"/>
+          <p:cNvSpPr txBox="1"/>
+          <p:nvPr/>
+        </p:nvSpPr>
+        <p:spPr>
+          <a:xfrm>
+            <a:off x="327211" y="2947432"/>
+            <a:ext cx="8743200" cy="1140400"/>
+          </a:xfrm>
+          <a:prstGeom prst="rect">
+            <a:avLst/>
+          </a:prstGeom>
+          <a:noFill/>
+          <a:ln>
+            <a:noFill/>
+          </a:ln>
+        </p:spPr>
+        <p:txBody>
+          <a:bodyPr spcFirstLastPara="1" wrap="square" lIns="121900" tIns="121900" rIns="121900" bIns="121900" anchor="t" anchorCtr="0">
+            <a:noAutofit/>
+          </a:bodyPr>
+          <a:lstStyle/>
+          <a:p>
+            <a:r>
+              <a:rPr lang="en" sz="2400" dirty="0">
+                <a:solidFill>
+                  <a:srgbClr val="FF0000"/>
+                </a:solidFill>
+              </a:rPr>
+              <a:t>  =[                 </a:t>
+            </a:r>
+            <a:r>
+              <a:rPr lang="en" sz="2400" dirty="0" smtClean="0">
+                <a:solidFill>
+                  <a:srgbClr val="FF0000"/>
+                </a:solidFill>
+              </a:rPr>
+              <a:t>       or                     | </a:t>
+            </a:r>
+            <a:r>
+              <a:rPr lang="en" sz="2400" dirty="0">
+                <a:solidFill>
+                  <a:srgbClr val="FF0000"/>
+                </a:solidFill>
+              </a:rPr>
+              <a:t>Mission + sizing constraints]</a:t>
+            </a:r>
+            <a:endParaRPr sz="2400" dirty="0">
+              <a:solidFill>
+                <a:srgbClr val="FF0000"/>
+              </a:solidFill>
+            </a:endParaRPr>
+          </a:p>
+        </p:txBody>
+      </p:sp>
+      <p:sp>
+        <p:nvSpPr>
+          <p:cNvPr id="194" name="Google Shape;194;p35"/>
+          <p:cNvSpPr txBox="1">
+            <a:spLocks noGrp="1"/>
+          </p:cNvSpPr>
+          <p:nvPr>
+            <p:ph type="title"/>
+          </p:nvPr>
+        </p:nvSpPr>
+        <p:spPr>
+          <a:xfrm>
+            <a:off x="330686" y="249267"/>
+            <a:ext cx="9806735" cy="864800"/>
+          </a:xfrm>
+          <a:prstGeom prst="rect">
+            <a:avLst/>
+          </a:prstGeom>
+        </p:spPr>
+        <p:txBody>
+          <a:bodyPr spcFirstLastPara="1" vert="horz" wrap="square" lIns="121900" tIns="121900" rIns="121900" bIns="121900" rtlCol="0" anchor="ctr" anchorCtr="0">
+            <a:noAutofit/>
+          </a:bodyPr>
+          <a:lstStyle/>
+          <a:p>
+            <a:pPr algn="l"/>
+            <a:r>
+              <a:rPr lang="en" sz="3733" dirty="0" smtClean="0"/>
+              <a:t>SPs can be extremely complex (TASOPT).</a:t>
+            </a:r>
+            <a:endParaRPr sz="3733" dirty="0"/>
+          </a:p>
+        </p:txBody>
+      </p:sp>
+      <p:sp>
+        <p:nvSpPr>
+          <p:cNvPr id="195" name="Google Shape;195;p35"/>
+          <p:cNvSpPr txBox="1"/>
+          <p:nvPr/>
+        </p:nvSpPr>
+        <p:spPr>
+          <a:xfrm>
+            <a:off x="8466767" y="1230667"/>
+            <a:ext cx="3663200" cy="5328400"/>
+          </a:xfrm>
+          <a:prstGeom prst="rect">
+            <a:avLst/>
+          </a:prstGeom>
+          <a:noFill/>
+          <a:ln>
+            <a:noFill/>
+          </a:ln>
+        </p:spPr>
+        <p:txBody>
+          <a:bodyPr spcFirstLastPara="1" wrap="square" lIns="121900" tIns="121900" rIns="121900" bIns="121900" anchor="t" anchorCtr="0">
+            <a:noAutofit/>
+          </a:bodyPr>
+          <a:lstStyle/>
+          <a:p>
+            <a:pPr marL="609585" indent="-423323">
+              <a:buSzPts val="1400"/>
+              <a:buChar char="●"/>
+            </a:pPr>
+            <a:r>
+              <a:rPr lang="en" sz="2400" dirty="0" smtClean="0"/>
+              <a:t>Commercial aircraft model </a:t>
+            </a:r>
+            <a:r>
+              <a:rPr lang="en" sz="2400" dirty="0"/>
+              <a:t>of similar fidelity to TASOPT </a:t>
+            </a:r>
+            <a:r>
+              <a:rPr lang="en" sz="2400" dirty="0" smtClean="0"/>
+              <a:t>(5000 variables). </a:t>
+            </a:r>
+          </a:p>
+          <a:p>
+            <a:pPr marL="609585" indent="-423323">
+              <a:buSzPts val="1400"/>
+              <a:buChar char="●"/>
+            </a:pPr>
+            <a:r>
+              <a:rPr lang="en" sz="2400" dirty="0" smtClean="0"/>
+              <a:t>Built on configuration hierarchies</a:t>
+            </a:r>
+            <a:endParaRPr sz="2400" dirty="0"/>
+          </a:p>
+          <a:p>
+            <a:pPr marL="609585" indent="-423323">
+              <a:buSzPts val="1400"/>
+              <a:buChar char="●"/>
+            </a:pPr>
+            <a:r>
+              <a:rPr lang="en" sz="2400" dirty="0"/>
+              <a:t>Multi-point design</a:t>
+            </a:r>
+            <a:endParaRPr sz="2400" dirty="0"/>
+          </a:p>
+          <a:p>
+            <a:pPr marL="609585" indent="-423323">
+              <a:buSzPts val="1400"/>
+              <a:buChar char="●"/>
+            </a:pPr>
+            <a:r>
+              <a:rPr lang="en" sz="2400" dirty="0"/>
+              <a:t>Visual debugging of constraints</a:t>
+            </a:r>
+            <a:endParaRPr sz="2400" dirty="0"/>
+          </a:p>
+          <a:p>
+            <a:pPr marL="609585" indent="-423323">
+              <a:buSzPts val="1400"/>
+              <a:buChar char="●"/>
+            </a:pPr>
+            <a:r>
+              <a:rPr lang="en" sz="2400" dirty="0" smtClean="0"/>
+              <a:t>ESP integration for potential HF simulations?</a:t>
+            </a:r>
+            <a:endParaRPr sz="2400" dirty="0"/>
+          </a:p>
+        </p:txBody>
+      </p:sp>
+      <p:pic>
+        <p:nvPicPr>
+          <p:cNvPr id="196" name="Google Shape;196;p35" descr="SPaircraft_tree.PNG"/>
+          <p:cNvPicPr preferRelativeResize="0"/>
+          <p:nvPr/>
+        </p:nvPicPr>
+        <p:blipFill>
+          <a:blip r:embed="rId9">
+            <a:alphaModFix/>
+          </a:blip>
+          <a:stretch>
+            <a:fillRect/>
+          </a:stretch>
+        </p:blipFill>
+        <p:spPr>
+          <a:xfrm>
+            <a:off x="1" y="4299897"/>
+            <a:ext cx="6149233" cy="2558105"/>
+          </a:xfrm>
+          <a:prstGeom prst="rect">
+            <a:avLst/>
+          </a:prstGeom>
+          <a:noFill/>
+          <a:ln>
+            <a:noFill/>
+          </a:ln>
+        </p:spPr>
+      </p:pic>
+    </p:spTree>
+    <p:extLst>
+      <p:ext uri="{BB962C8B-B14F-4D97-AF65-F5344CB8AC3E}">
+        <p14:creationId xmlns:p14="http://schemas.microsoft.com/office/powerpoint/2010/main" val="380981656"/>
+      </p:ext>
+    </p:extLst>
+  </p:cSld>
+  <p:clrMapOvr>
+    <a:masterClrMapping/>
+  </p:clrMapOvr>
+  <p:timing>
+    <p:tnLst>
+      <p:par>
+        <p:cTn id="1" dur="indefinite" restart="never" nodeType="tmRoot"/>
+      </p:par>
+    </p:tnLst>
+  </p:timing>
+</p:sld>
+</file>
+
+<file path=ppt/slides/slide16.xml><?xml version="1.0" encoding="utf-8"?>
+<p:sld xmlns:a="http://schemas.openxmlformats.org/drawingml/2006/main" xmlns:r="http://schemas.openxmlformats.org/officeDocument/2006/relationships" xmlns:p="http://schemas.openxmlformats.org/presentationml/2006/main">
+  <p:cSld>
+    <p:spTree>
+      <p:nvGrpSpPr>
         <p:cNvPr id="1" name=""/>
         <p:cNvGrpSpPr/>
         <p:nvPr/>
@@ -10151,7 +14184,7 @@
           <a:p>
             <a:fld id="{DF3666C2-D4E3-4220-B5E4-E2A7632DABCB}" type="datetime1">
               <a:rPr lang="en-US" smtClean="0"/>
-              <a:t>4/30/2019</a:t>
+              <a:t>5/3/2019</a:t>
             </a:fld>
             <a:endParaRPr lang="en-US"/>
           </a:p>
@@ -10174,7 +14207,7 @@
           <a:p>
             <a:fld id="{ECECBB7F-FEC3-4D28-B490-4AD11841E35E}" type="slidenum">
               <a:rPr lang="en-US" smtClean="0"/>
-              <a:t>15</a:t>
+              <a:t>16</a:t>
             </a:fld>
             <a:endParaRPr lang="en-US"/>
           </a:p>
@@ -10408,7 +14441,7 @@
 </p:sld>
 </file>
 
-<file path=ppt/slides/slide16.xml><?xml version="1.0" encoding="utf-8"?>
+<file path=ppt/slides/slide17.xml><?xml version="1.0" encoding="utf-8"?>
 <p:sld xmlns:a="http://schemas.openxmlformats.org/drawingml/2006/main" xmlns:r="http://schemas.openxmlformats.org/officeDocument/2006/relationships" xmlns:p="http://schemas.openxmlformats.org/presentationml/2006/main">
   <p:cSld>
     <p:spTree>
@@ -10627,7 +14660,7 @@
           <a:p>
             <a:fld id="{72578594-E245-4CB4-B0F5-5B0A3203E566}" type="datetime1">
               <a:rPr lang="en-US" smtClean="0"/>
-              <a:t>4/30/2019</a:t>
+              <a:t>5/3/2019</a:t>
             </a:fld>
             <a:endParaRPr lang="en-US"/>
           </a:p>
@@ -10650,7 +14683,7 @@
           <a:p>
             <a:fld id="{ECECBB7F-FEC3-4D28-B490-4AD11841E35E}" type="slidenum">
               <a:rPr lang="en-US" smtClean="0"/>
-              <a:t>16</a:t>
+              <a:t>17</a:t>
             </a:fld>
             <a:endParaRPr lang="en-US"/>
           </a:p>
@@ -10994,7 +15027,178 @@
 </p:sld>
 </file>
 
-<file path=ppt/slides/slide17.xml><?xml version="1.0" encoding="utf-8"?>
+<file path=ppt/slides/slide18.xml><?xml version="1.0" encoding="utf-8"?>
+<p:sld xmlns:a="http://schemas.openxmlformats.org/drawingml/2006/main" xmlns:r="http://schemas.openxmlformats.org/officeDocument/2006/relationships" xmlns:p="http://schemas.openxmlformats.org/presentationml/2006/main">
+  <p:cSld>
+    <p:spTree>
+      <p:nvGrpSpPr>
+        <p:cNvPr id="1" name=""/>
+        <p:cNvGrpSpPr/>
+        <p:nvPr/>
+      </p:nvGrpSpPr>
+      <p:grpSpPr>
+        <a:xfrm>
+          <a:off x="0" y="0"/>
+          <a:ext cx="0" cy="0"/>
+          <a:chOff x="0" y="0"/>
+          <a:chExt cx="0" cy="0"/>
+        </a:xfrm>
+      </p:grpSpPr>
+      <p:sp>
+        <p:nvSpPr>
+          <p:cNvPr id="2" name="Title 1"/>
+          <p:cNvSpPr>
+            <a:spLocks noGrp="1"/>
+          </p:cNvSpPr>
+          <p:nvPr>
+            <p:ph type="title"/>
+          </p:nvPr>
+        </p:nvSpPr>
+        <p:spPr/>
+        <p:txBody>
+          <a:bodyPr/>
+          <a:lstStyle/>
+          <a:p>
+            <a:r>
+              <a:rPr lang="en-US" dirty="0" smtClean="0"/>
+              <a:t>Mathematical moves to obtain RSPs</a:t>
+            </a:r>
+            <a:endParaRPr lang="en-US" dirty="0"/>
+          </a:p>
+        </p:txBody>
+      </p:sp>
+      <p:sp>
+        <p:nvSpPr>
+          <p:cNvPr id="3" name="Content Placeholder 2"/>
+          <p:cNvSpPr>
+            <a:spLocks noGrp="1"/>
+          </p:cNvSpPr>
+          <p:nvPr>
+            <p:ph idx="1"/>
+          </p:nvPr>
+        </p:nvSpPr>
+        <p:spPr/>
+        <p:txBody>
+          <a:bodyPr/>
+          <a:lstStyle/>
+          <a:p>
+            <a:r>
+              <a:rPr lang="en-US" dirty="0" smtClean="0"/>
+              <a:t>LPs have tractable robust counterparts.</a:t>
+            </a:r>
+          </a:p>
+          <a:p>
+            <a:r>
+              <a:rPr lang="en-US" dirty="0" smtClean="0"/>
+              <a:t>Two-term posynomials are LP-</a:t>
+            </a:r>
+            <a:r>
+              <a:rPr lang="en-US" dirty="0" err="1" smtClean="0"/>
+              <a:t>approximable</a:t>
+            </a:r>
+            <a:r>
+              <a:rPr lang="en-US" dirty="0" smtClean="0"/>
+              <a:t>.</a:t>
+            </a:r>
+          </a:p>
+          <a:p>
+            <a:r>
+              <a:rPr lang="en-US" dirty="0" smtClean="0"/>
+              <a:t>All posynomials are LP-</a:t>
+            </a:r>
+            <a:r>
+              <a:rPr lang="en-US" dirty="0" err="1" smtClean="0"/>
+              <a:t>approximable</a:t>
+            </a:r>
+            <a:r>
+              <a:rPr lang="en-US" dirty="0" smtClean="0"/>
+              <a:t>.</a:t>
+            </a:r>
+          </a:p>
+          <a:p>
+            <a:r>
+              <a:rPr lang="en-US" dirty="0" smtClean="0"/>
+              <a:t>GPs have robust formulations.</a:t>
+            </a:r>
+          </a:p>
+          <a:p>
+            <a:r>
+              <a:rPr lang="en-US" dirty="0" smtClean="0"/>
+              <a:t>RSPs can be represented as sequential RGPs.</a:t>
+            </a:r>
+          </a:p>
+          <a:p>
+            <a:endParaRPr lang="en-US" dirty="0" smtClean="0"/>
+          </a:p>
+        </p:txBody>
+      </p:sp>
+      <p:sp>
+        <p:nvSpPr>
+          <p:cNvPr id="4" name="Date Placeholder 3"/>
+          <p:cNvSpPr>
+            <a:spLocks noGrp="1"/>
+          </p:cNvSpPr>
+          <p:nvPr>
+            <p:ph type="dt" sz="half" idx="10"/>
+          </p:nvPr>
+        </p:nvSpPr>
+        <p:spPr/>
+        <p:txBody>
+          <a:bodyPr/>
+          <a:lstStyle/>
+          <a:p>
+            <a:fld id="{DF3666C2-D4E3-4220-B5E4-E2A7632DABCB}" type="datetime1">
+              <a:rPr lang="en-US" smtClean="0"/>
+              <a:t>5/3/2019</a:t>
+            </a:fld>
+            <a:endParaRPr lang="en-US"/>
+          </a:p>
+        </p:txBody>
+      </p:sp>
+      <p:sp>
+        <p:nvSpPr>
+          <p:cNvPr id="5" name="Slide Number Placeholder 4"/>
+          <p:cNvSpPr>
+            <a:spLocks noGrp="1"/>
+          </p:cNvSpPr>
+          <p:nvPr>
+            <p:ph type="sldNum" sz="quarter" idx="12"/>
+          </p:nvPr>
+        </p:nvSpPr>
+        <p:spPr/>
+        <p:txBody>
+          <a:bodyPr/>
+          <a:lstStyle/>
+          <a:p>
+            <a:fld id="{ECECBB7F-FEC3-4D28-B490-4AD11841E35E}" type="slidenum">
+              <a:rPr lang="en-US" smtClean="0"/>
+              <a:t>18</a:t>
+            </a:fld>
+            <a:endParaRPr lang="en-US"/>
+          </a:p>
+        </p:txBody>
+      </p:sp>
+    </p:spTree>
+    <p:extLst>
+      <p:ext uri="{BB962C8B-B14F-4D97-AF65-F5344CB8AC3E}">
+        <p14:creationId xmlns:p14="http://schemas.microsoft.com/office/powerpoint/2010/main" val="1574713301"/>
+      </p:ext>
+    </p:extLst>
+  </p:cSld>
+  <p:clrMapOvr>
+    <a:masterClrMapping/>
+  </p:clrMapOvr>
+  <p:timing>
+    <p:tnLst>
+      <p:par>
+        <p:cTn id="1" dur="indefinite" restart="never" nodeType="tmRoot"/>
+      </p:par>
+    </p:tnLst>
+  </p:timing>
+</p:sld>
+</file>
+
+<file path=ppt/slides/slide19.xml><?xml version="1.0" encoding="utf-8"?>
 <p:sld xmlns:a="http://schemas.openxmlformats.org/drawingml/2006/main" xmlns:r="http://schemas.openxmlformats.org/officeDocument/2006/relationships" xmlns:p="http://schemas.openxmlformats.org/presentationml/2006/main">
   <p:cSld>
     <p:spTree>
@@ -11027,7 +15231,7 @@
         </p:blipFill>
         <p:spPr>
           <a:xfrm>
-            <a:off x="3695700" y="4209949"/>
+            <a:off x="3238499" y="3743783"/>
             <a:ext cx="7886700" cy="1562100"/>
           </a:xfrm>
           <a:prstGeom prst="rect">
@@ -11051,7 +15255,7 @@
         </p:blipFill>
         <p:spPr>
           <a:xfrm>
-            <a:off x="1779587" y="3181249"/>
+            <a:off x="1797516" y="2519327"/>
             <a:ext cx="9191625" cy="1028700"/>
           </a:xfrm>
           <a:prstGeom prst="rect">
@@ -11059,30 +15263,6 @@
           </a:prstGeom>
         </p:spPr>
       </p:pic>
-      <p:pic>
-        <p:nvPicPr>
-          <p:cNvPr id="10" name="Picture 9"/>
-          <p:cNvPicPr>
-            <a:picLocks noChangeAspect="1"/>
-          </p:cNvPicPr>
-          <p:nvPr/>
-        </p:nvPicPr>
-        <p:blipFill>
-          <a:blip r:embed="rId5"/>
-          <a:stretch>
-            <a:fillRect/>
-          </a:stretch>
-        </p:blipFill>
-        <p:spPr>
-          <a:xfrm>
-            <a:off x="1399641" y="2493956"/>
-            <a:ext cx="6124575" cy="1057275"/>
-          </a:xfrm>
-          <a:prstGeom prst="rect">
-            <a:avLst/>
-          </a:prstGeom>
-        </p:spPr>
-      </p:pic>
       <p:sp>
         <p:nvSpPr>
           <p:cNvPr id="2" name="Title 1"/>
@@ -11123,7 +15303,7 @@
           <a:p>
             <a:fld id="{DF3666C2-D4E3-4220-B5E4-E2A7632DABCB}" type="datetime1">
               <a:rPr lang="en-US" smtClean="0"/>
-              <a:t>4/30/2019</a:t>
+              <a:t>5/3/2019</a:t>
             </a:fld>
             <a:endParaRPr lang="en-US"/>
           </a:p>
@@ -11146,7 +15326,7 @@
           <a:p>
             <a:fld id="{ECECBB7F-FEC3-4D28-B490-4AD11841E35E}" type="slidenum">
               <a:rPr lang="en-US" smtClean="0"/>
-              <a:t>17</a:t>
+              <a:t>19</a:t>
             </a:fld>
             <a:endParaRPr lang="en-US"/>
           </a:p>
@@ -11161,7 +15341,7 @@
           <p:nvPr/>
         </p:nvPicPr>
         <p:blipFill>
-          <a:blip r:embed="rId6"/>
+          <a:blip r:embed="rId5"/>
           <a:stretch>
             <a:fillRect/>
           </a:stretch>
@@ -11185,7 +15365,7 @@
           <p:nvPr/>
         </p:nvPicPr>
         <p:blipFill>
-          <a:blip r:embed="rId7"/>
+          <a:blip r:embed="rId6"/>
           <a:stretch>
             <a:fillRect/>
           </a:stretch>
@@ -11208,7 +15388,7 @@
         </p:nvSpPr>
         <p:spPr>
           <a:xfrm rot="5400000">
-            <a:off x="2733362" y="4152588"/>
+            <a:off x="2276161" y="3695387"/>
             <a:ext cx="1073251" cy="1187974"/>
           </a:xfrm>
           <a:prstGeom prst="bentUpArrow">
@@ -11248,7 +15428,7 @@
         </p:nvSpPr>
         <p:spPr>
           <a:xfrm>
-            <a:off x="499534" y="4216396"/>
+            <a:off x="42333" y="3759195"/>
             <a:ext cx="2099733" cy="954107"/>
           </a:xfrm>
           <a:prstGeom prst="rect">
@@ -11279,7 +15459,7 @@
         </p:nvSpPr>
         <p:spPr>
           <a:xfrm>
-            <a:off x="4248150" y="4402667"/>
+            <a:off x="3790949" y="3945466"/>
             <a:ext cx="1272117" cy="601133"/>
           </a:xfrm>
           <a:prstGeom prst="rect">
@@ -11329,7 +15509,7 @@
         </p:nvSpPr>
         <p:spPr>
           <a:xfrm>
-            <a:off x="3127375" y="3992739"/>
+            <a:off x="2670174" y="3535538"/>
             <a:ext cx="3498850" cy="369332"/>
           </a:xfrm>
           <a:prstGeom prst="rect">
@@ -11368,7 +15548,7 @@
         </p:nvSpPr>
         <p:spPr>
           <a:xfrm>
-            <a:off x="4377267" y="5632953"/>
+            <a:off x="4527363" y="5305883"/>
             <a:ext cx="4172478" cy="523220"/>
           </a:xfrm>
           <a:prstGeom prst="rect">
@@ -11385,7 +15565,7 @@
             <a:pPr algn="r"/>
             <a:r>
               <a:rPr lang="en-US" sz="2800" dirty="0" smtClean="0"/>
-              <a:t>An SOCP!</a:t>
+              <a:t>A tractable SOCP!</a:t>
             </a:r>
             <a:endParaRPr lang="en-US" sz="2800" dirty="0"/>
           </a:p>
@@ -11526,7 +15706,7 @@
 </p:sld>
 </file>
 
-<file path=ppt/slides/slide18.xml><?xml version="1.0" encoding="utf-8"?>
+<file path=ppt/slides/slide2.xml><?xml version="1.0" encoding="utf-8"?>
 <p:sld xmlns:a="http://schemas.openxmlformats.org/drawingml/2006/main" xmlns:r="http://schemas.openxmlformats.org/officeDocument/2006/relationships" xmlns:p="http://schemas.openxmlformats.org/presentationml/2006/main">
   <p:cSld>
     <p:spTree>
@@ -11560,7 +15740,212 @@
           <a:p>
             <a:r>
               <a:rPr lang="en-US" dirty="0" smtClean="0"/>
-              <a:t>GPs are LP-</a:t>
+              <a:t>What to expect</a:t>
+            </a:r>
+            <a:endParaRPr lang="en-US" dirty="0"/>
+          </a:p>
+        </p:txBody>
+      </p:sp>
+      <p:sp>
+        <p:nvSpPr>
+          <p:cNvPr id="3" name="Content Placeholder 2"/>
+          <p:cNvSpPr>
+            <a:spLocks noGrp="1"/>
+          </p:cNvSpPr>
+          <p:nvPr>
+            <p:ph idx="1"/>
+          </p:nvPr>
+        </p:nvSpPr>
+        <p:spPr/>
+        <p:txBody>
+          <a:bodyPr>
+            <a:normAutofit/>
+          </a:bodyPr>
+          <a:lstStyle/>
+          <a:p>
+            <a:r>
+              <a:rPr lang="en-US" sz="2800" dirty="0"/>
+              <a:t>A</a:t>
+            </a:r>
+            <a:r>
+              <a:rPr lang="en-US" sz="2800" dirty="0" smtClean="0"/>
+              <a:t> method that:</a:t>
+            </a:r>
+          </a:p>
+          <a:p>
+            <a:pPr lvl="1"/>
+            <a:r>
+              <a:rPr lang="en-US" sz="2400" dirty="0" smtClean="0"/>
+              <a:t>turns stochastic design optimization problems into deterministic ones.</a:t>
+            </a:r>
+          </a:p>
+          <a:p>
+            <a:pPr lvl="1"/>
+            <a:r>
+              <a:rPr lang="en-US" sz="2400" dirty="0"/>
+              <a:t>s</a:t>
+            </a:r>
+            <a:r>
+              <a:rPr lang="en-US" sz="2400" dirty="0" smtClean="0"/>
+              <a:t>olves sparse non-linear problems (1:1 variables/constraints ratio).</a:t>
+            </a:r>
+          </a:p>
+          <a:p>
+            <a:pPr lvl="1"/>
+            <a:r>
+              <a:rPr lang="en-US" sz="2400" dirty="0"/>
+              <a:t>s</a:t>
+            </a:r>
+            <a:r>
+              <a:rPr lang="en-US" sz="2400" dirty="0" smtClean="0"/>
+              <a:t>olves in &lt;1s for a conceptual design problem with   ̴150 variables.</a:t>
+            </a:r>
+          </a:p>
+          <a:p>
+            <a:pPr lvl="1"/>
+            <a:r>
+              <a:rPr lang="en-US" sz="2400" dirty="0" smtClean="0"/>
+              <a:t>has sub-linear solution time with number of variables.</a:t>
+            </a:r>
+          </a:p>
+          <a:p>
+            <a:pPr lvl="1"/>
+            <a:r>
+              <a:rPr lang="en-US" sz="2400" dirty="0"/>
+              <a:t>p</a:t>
+            </a:r>
+            <a:r>
+              <a:rPr lang="en-US" sz="2400" dirty="0" smtClean="0"/>
+              <a:t>rovides probabilistic guarantees of constraint satisfaction.</a:t>
+            </a:r>
+          </a:p>
+          <a:p>
+            <a:r>
+              <a:rPr lang="en-US" sz="2800" dirty="0" smtClean="0"/>
+              <a:t>Insights into:</a:t>
+            </a:r>
+          </a:p>
+          <a:p>
+            <a:pPr lvl="1"/>
+            <a:r>
+              <a:rPr lang="en-US" sz="2400" dirty="0" smtClean="0"/>
+              <a:t>why conceptual design is key to reducing program risk. </a:t>
+            </a:r>
+          </a:p>
+          <a:p>
+            <a:pPr lvl="1"/>
+            <a:r>
+              <a:rPr lang="en-US" sz="2400" dirty="0" smtClean="0"/>
+              <a:t>how to reduce design conservativeness when faced with uncertainty.</a:t>
+            </a:r>
+          </a:p>
+          <a:p>
+            <a:pPr lvl="1"/>
+            <a:endParaRPr lang="en-US" sz="2400" dirty="0"/>
+          </a:p>
+        </p:txBody>
+      </p:sp>
+      <p:sp>
+        <p:nvSpPr>
+          <p:cNvPr id="4" name="Date Placeholder 3"/>
+          <p:cNvSpPr>
+            <a:spLocks noGrp="1"/>
+          </p:cNvSpPr>
+          <p:nvPr>
+            <p:ph type="dt" sz="half" idx="10"/>
+          </p:nvPr>
+        </p:nvSpPr>
+        <p:spPr/>
+        <p:txBody>
+          <a:bodyPr/>
+          <a:lstStyle/>
+          <a:p>
+            <a:fld id="{EE332484-C64F-4398-9807-E499DC532A34}" type="datetime1">
+              <a:rPr lang="en-US" smtClean="0"/>
+              <a:t>5/3/2019</a:t>
+            </a:fld>
+            <a:endParaRPr lang="en-US" dirty="0"/>
+          </a:p>
+        </p:txBody>
+      </p:sp>
+      <p:sp>
+        <p:nvSpPr>
+          <p:cNvPr id="5" name="Slide Number Placeholder 4"/>
+          <p:cNvSpPr>
+            <a:spLocks noGrp="1"/>
+          </p:cNvSpPr>
+          <p:nvPr>
+            <p:ph type="sldNum" sz="quarter" idx="12"/>
+          </p:nvPr>
+        </p:nvSpPr>
+        <p:spPr/>
+        <p:txBody>
+          <a:bodyPr/>
+          <a:lstStyle/>
+          <a:p>
+            <a:fld id="{ECECBB7F-FEC3-4D28-B490-4AD11841E35E}" type="slidenum">
+              <a:rPr lang="en-US" smtClean="0"/>
+              <a:t>2</a:t>
+            </a:fld>
+            <a:endParaRPr lang="en-US"/>
+          </a:p>
+        </p:txBody>
+      </p:sp>
+    </p:spTree>
+    <p:extLst>
+      <p:ext uri="{BB962C8B-B14F-4D97-AF65-F5344CB8AC3E}">
+        <p14:creationId xmlns:p14="http://schemas.microsoft.com/office/powerpoint/2010/main" val="884176672"/>
+      </p:ext>
+    </p:extLst>
+  </p:cSld>
+  <p:clrMapOvr>
+    <a:masterClrMapping/>
+  </p:clrMapOvr>
+  <p:timing>
+    <p:tnLst>
+      <p:par>
+        <p:cTn id="1" dur="indefinite" restart="never" nodeType="tmRoot"/>
+      </p:par>
+    </p:tnLst>
+  </p:timing>
+</p:sld>
+</file>
+
+<file path=ppt/slides/slide20.xml><?xml version="1.0" encoding="utf-8"?>
+<p:sld xmlns:a="http://schemas.openxmlformats.org/drawingml/2006/main" xmlns:r="http://schemas.openxmlformats.org/officeDocument/2006/relationships" xmlns:p="http://schemas.openxmlformats.org/presentationml/2006/main">
+  <p:cSld>
+    <p:spTree>
+      <p:nvGrpSpPr>
+        <p:cNvPr id="1" name=""/>
+        <p:cNvGrpSpPr/>
+        <p:nvPr/>
+      </p:nvGrpSpPr>
+      <p:grpSpPr>
+        <a:xfrm>
+          <a:off x="0" y="0"/>
+          <a:ext cx="0" cy="0"/>
+          <a:chOff x="0" y="0"/>
+          <a:chExt cx="0" cy="0"/>
+        </a:xfrm>
+      </p:grpSpPr>
+      <p:sp>
+        <p:nvSpPr>
+          <p:cNvPr id="2" name="Title 1"/>
+          <p:cNvSpPr>
+            <a:spLocks noGrp="1"/>
+          </p:cNvSpPr>
+          <p:nvPr>
+            <p:ph type="title"/>
+          </p:nvPr>
+        </p:nvSpPr>
+        <p:spPr/>
+        <p:txBody>
+          <a:bodyPr/>
+          <a:lstStyle/>
+          <a:p>
+            <a:r>
+              <a:rPr lang="en-US" dirty="0" smtClean="0"/>
+              <a:t>Two-term posynomials are LP-</a:t>
             </a:r>
             <a:r>
               <a:rPr lang="en-US" dirty="0" err="1" smtClean="0"/>
@@ -11591,7 +15976,7 @@
           <a:p>
             <a:fld id="{DF3666C2-D4E3-4220-B5E4-E2A7632DABCB}" type="datetime1">
               <a:rPr lang="en-US" smtClean="0"/>
-              <a:t>4/30/2019</a:t>
+              <a:t>5/3/2019</a:t>
             </a:fld>
             <a:endParaRPr lang="en-US"/>
           </a:p>
@@ -11614,7 +15999,7 @@
           <a:p>
             <a:fld id="{ECECBB7F-FEC3-4D28-B490-4AD11841E35E}" type="slidenum">
               <a:rPr lang="en-US" smtClean="0"/>
-              <a:t>18</a:t>
+              <a:t>20</a:t>
             </a:fld>
             <a:endParaRPr lang="en-US"/>
           </a:p>
@@ -11634,6 +16019,9 @@
           <a:prstGeom prst="rect">
             <a:avLst/>
           </a:prstGeom>
+          <a:solidFill>
+            <a:schemeClr val="bg1"/>
+          </a:solidFill>
         </p:spPr>
         <p:txBody>
           <a:bodyPr>
@@ -11906,7 +16294,7 @@
 </p:sld>
 </file>
 
-<file path=ppt/slides/slide19.xml><?xml version="1.0" encoding="utf-8"?>
+<file path=ppt/slides/slide21.xml><?xml version="1.0" encoding="utf-8"?>
 <p:sld xmlns:a="http://schemas.openxmlformats.org/drawingml/2006/main" xmlns:r="http://schemas.openxmlformats.org/officeDocument/2006/relationships" xmlns:p="http://schemas.openxmlformats.org/presentationml/2006/main">
   <p:cSld>
     <p:spTree>
@@ -11997,7 +16385,7 @@
           <a:p>
             <a:fld id="{DF3666C2-D4E3-4220-B5E4-E2A7632DABCB}" type="datetime1">
               <a:rPr lang="en-US" smtClean="0"/>
-              <a:t>4/30/2019</a:t>
+              <a:t>5/3/2019</a:t>
             </a:fld>
             <a:endParaRPr lang="en-US"/>
           </a:p>
@@ -12020,7 +16408,7 @@
           <a:p>
             <a:fld id="{ECECBB7F-FEC3-4D28-B490-4AD11841E35E}" type="slidenum">
               <a:rPr lang="en-US" smtClean="0"/>
-              <a:t>19</a:t>
+              <a:t>21</a:t>
             </a:fld>
             <a:endParaRPr lang="en-US"/>
           </a:p>
@@ -12244,7 +16632,7 @@
 </p:sld>
 </file>
 
-<file path=ppt/slides/slide2.xml><?xml version="1.0" encoding="utf-8"?>
+<file path=ppt/slides/slide22.xml><?xml version="1.0" encoding="utf-8"?>
 <p:sld xmlns:a="http://schemas.openxmlformats.org/drawingml/2006/main" xmlns:r="http://schemas.openxmlformats.org/officeDocument/2006/relationships" xmlns:p="http://schemas.openxmlformats.org/presentationml/2006/main">
   <p:cSld>
     <p:spTree>
@@ -12273,216 +16661,6 @@
         </p:nvSpPr>
         <p:spPr/>
         <p:txBody>
-          <a:bodyPr/>
-          <a:lstStyle/>
-          <a:p>
-            <a:r>
-              <a:rPr lang="en-US" dirty="0" smtClean="0"/>
-              <a:t>What to </a:t>
-            </a:r>
-            <a:r>
-              <a:rPr lang="en-US" dirty="0" smtClean="0"/>
-              <a:t>expect</a:t>
-            </a:r>
-            <a:endParaRPr lang="en-US" dirty="0"/>
-          </a:p>
-        </p:txBody>
-      </p:sp>
-      <p:sp>
-        <p:nvSpPr>
-          <p:cNvPr id="3" name="Content Placeholder 2"/>
-          <p:cNvSpPr>
-            <a:spLocks noGrp="1"/>
-          </p:cNvSpPr>
-          <p:nvPr>
-            <p:ph idx="1"/>
-          </p:nvPr>
-        </p:nvSpPr>
-        <p:spPr/>
-        <p:txBody>
-          <a:bodyPr>
-            <a:normAutofit/>
-          </a:bodyPr>
-          <a:lstStyle/>
-          <a:p>
-            <a:r>
-              <a:rPr lang="en-US" sz="2800" dirty="0"/>
-              <a:t>A</a:t>
-            </a:r>
-            <a:r>
-              <a:rPr lang="en-US" sz="2800" dirty="0" smtClean="0"/>
-              <a:t> method that:</a:t>
-            </a:r>
-          </a:p>
-          <a:p>
-            <a:pPr lvl="1"/>
-            <a:r>
-              <a:rPr lang="en-US" sz="2400" dirty="0" smtClean="0"/>
-              <a:t>turns stochastic design optimization problems into deterministic ones.</a:t>
-            </a:r>
-          </a:p>
-          <a:p>
-            <a:pPr lvl="1"/>
-            <a:r>
-              <a:rPr lang="en-US" sz="2400" dirty="0"/>
-              <a:t>s</a:t>
-            </a:r>
-            <a:r>
-              <a:rPr lang="en-US" sz="2400" dirty="0" smtClean="0"/>
-              <a:t>olves sparse non-linear problems (1:1 variables/constraints ratio).</a:t>
-            </a:r>
-          </a:p>
-          <a:p>
-            <a:pPr lvl="1"/>
-            <a:r>
-              <a:rPr lang="en-US" sz="2400" dirty="0"/>
-              <a:t>s</a:t>
-            </a:r>
-            <a:r>
-              <a:rPr lang="en-US" sz="2400" dirty="0" smtClean="0"/>
-              <a:t>olves in &lt;1s for a conceptual design problem with   ̴300 variables.</a:t>
-            </a:r>
-          </a:p>
-          <a:p>
-            <a:pPr lvl="1"/>
-            <a:r>
-              <a:rPr lang="en-US" sz="2400" dirty="0"/>
-              <a:t>p</a:t>
-            </a:r>
-            <a:r>
-              <a:rPr lang="en-US" sz="2400" dirty="0" smtClean="0"/>
-              <a:t>rovides probabilistic guarantees of constraint satisfaction.</a:t>
-            </a:r>
-          </a:p>
-          <a:p>
-            <a:r>
-              <a:rPr lang="en-US" sz="2800" dirty="0" smtClean="0"/>
-              <a:t>Insights into:</a:t>
-            </a:r>
-          </a:p>
-          <a:p>
-            <a:pPr lvl="1"/>
-            <a:r>
-              <a:rPr lang="en-US" sz="2400" dirty="0" smtClean="0"/>
-              <a:t>why conceptual design is key to reducing </a:t>
-            </a:r>
-            <a:r>
-              <a:rPr lang="en-US" sz="2400" dirty="0" smtClean="0"/>
-              <a:t>program risk</a:t>
-            </a:r>
-            <a:r>
-              <a:rPr lang="en-US" sz="2400" dirty="0" smtClean="0"/>
-              <a:t>. </a:t>
-            </a:r>
-          </a:p>
-          <a:p>
-            <a:pPr lvl="1"/>
-            <a:r>
-              <a:rPr lang="en-US" sz="2400" dirty="0" smtClean="0"/>
-              <a:t>how to reduce design conservativeness when faced with uncertainty.</a:t>
-            </a:r>
-          </a:p>
-          <a:p>
-            <a:pPr lvl="1"/>
-            <a:endParaRPr lang="en-US" sz="2400" dirty="0"/>
-          </a:p>
-        </p:txBody>
-      </p:sp>
-      <p:sp>
-        <p:nvSpPr>
-          <p:cNvPr id="4" name="Date Placeholder 3"/>
-          <p:cNvSpPr>
-            <a:spLocks noGrp="1"/>
-          </p:cNvSpPr>
-          <p:nvPr>
-            <p:ph type="dt" sz="half" idx="10"/>
-          </p:nvPr>
-        </p:nvSpPr>
-        <p:spPr/>
-        <p:txBody>
-          <a:bodyPr/>
-          <a:lstStyle/>
-          <a:p>
-            <a:fld id="{EE332484-C64F-4398-9807-E499DC532A34}" type="datetime1">
-              <a:rPr lang="en-US" smtClean="0"/>
-              <a:t>4/30/2019</a:t>
-            </a:fld>
-            <a:endParaRPr lang="en-US" dirty="0"/>
-          </a:p>
-        </p:txBody>
-      </p:sp>
-      <p:sp>
-        <p:nvSpPr>
-          <p:cNvPr id="5" name="Slide Number Placeholder 4"/>
-          <p:cNvSpPr>
-            <a:spLocks noGrp="1"/>
-          </p:cNvSpPr>
-          <p:nvPr>
-            <p:ph type="sldNum" sz="quarter" idx="12"/>
-          </p:nvPr>
-        </p:nvSpPr>
-        <p:spPr/>
-        <p:txBody>
-          <a:bodyPr/>
-          <a:lstStyle/>
-          <a:p>
-            <a:fld id="{ECECBB7F-FEC3-4D28-B490-4AD11841E35E}" type="slidenum">
-              <a:rPr lang="en-US" smtClean="0"/>
-              <a:t>2</a:t>
-            </a:fld>
-            <a:endParaRPr lang="en-US"/>
-          </a:p>
-        </p:txBody>
-      </p:sp>
-    </p:spTree>
-    <p:extLst>
-      <p:ext uri="{BB962C8B-B14F-4D97-AF65-F5344CB8AC3E}">
-        <p14:creationId xmlns:p14="http://schemas.microsoft.com/office/powerpoint/2010/main" val="884176672"/>
-      </p:ext>
-    </p:extLst>
-  </p:cSld>
-  <p:clrMapOvr>
-    <a:masterClrMapping/>
-  </p:clrMapOvr>
-  <p:timing>
-    <p:tnLst>
-      <p:par>
-        <p:cTn id="1" dur="indefinite" restart="never" nodeType="tmRoot"/>
-      </p:par>
-    </p:tnLst>
-  </p:timing>
-</p:sld>
-</file>
-
-<file path=ppt/slides/slide20.xml><?xml version="1.0" encoding="utf-8"?>
-<p:sld xmlns:a="http://schemas.openxmlformats.org/drawingml/2006/main" xmlns:r="http://schemas.openxmlformats.org/officeDocument/2006/relationships" xmlns:p="http://schemas.openxmlformats.org/presentationml/2006/main">
-  <p:cSld>
-    <p:spTree>
-      <p:nvGrpSpPr>
-        <p:cNvPr id="1" name=""/>
-        <p:cNvGrpSpPr/>
-        <p:nvPr/>
-      </p:nvGrpSpPr>
-      <p:grpSpPr>
-        <a:xfrm>
-          <a:off x="0" y="0"/>
-          <a:ext cx="0" cy="0"/>
-          <a:chOff x="0" y="0"/>
-          <a:chExt cx="0" cy="0"/>
-        </a:xfrm>
-      </p:grpSpPr>
-      <p:sp>
-        <p:nvSpPr>
-          <p:cNvPr id="2" name="Title 1"/>
-          <p:cNvSpPr>
-            <a:spLocks noGrp="1"/>
-          </p:cNvSpPr>
-          <p:nvPr>
-            <p:ph type="title"/>
-          </p:nvPr>
-        </p:nvSpPr>
-        <p:spPr/>
-        <p:txBody>
           <a:bodyPr>
             <a:normAutofit fontScale="90000"/>
           </a:bodyPr>
@@ -12521,7 +16699,7 @@
           <a:p>
             <a:fld id="{DF3666C2-D4E3-4220-B5E4-E2A7632DABCB}" type="datetime1">
               <a:rPr lang="en-US" smtClean="0"/>
-              <a:t>4/30/2019</a:t>
+              <a:t>5/3/2019</a:t>
             </a:fld>
             <a:endParaRPr lang="en-US"/>
           </a:p>
@@ -12544,7 +16722,7 @@
           <a:p>
             <a:fld id="{ECECBB7F-FEC3-4D28-B490-4AD11841E35E}" type="slidenum">
               <a:rPr lang="en-US" smtClean="0"/>
-              <a:t>20</a:t>
+              <a:t>22</a:t>
             </a:fld>
             <a:endParaRPr lang="en-US"/>
           </a:p>
@@ -12594,7 +16772,7 @@
 </p:sld>
 </file>
 
-<file path=ppt/slides/slide21.xml><?xml version="1.0" encoding="utf-8"?>
+<file path=ppt/slides/slide23.xml><?xml version="1.0" encoding="utf-8"?>
 <p:sld xmlns:a="http://schemas.openxmlformats.org/drawingml/2006/main" xmlns:r="http://schemas.openxmlformats.org/officeDocument/2006/relationships" xmlns:p="http://schemas.openxmlformats.org/presentationml/2006/main">
   <p:cSld>
     <p:spTree>
@@ -12630,19 +16808,7 @@
           <a:p>
             <a:r>
               <a:rPr lang="en-US" dirty="0" smtClean="0"/>
-              <a:t>Three </a:t>
-            </a:r>
-            <a:r>
-              <a:rPr lang="en-US" dirty="0" smtClean="0"/>
-              <a:t>approximations exist </a:t>
-            </a:r>
-            <a:r>
-              <a:rPr lang="en-US" dirty="0" smtClean="0"/>
-              <a:t>for </a:t>
-            </a:r>
-            <a:r>
-              <a:rPr lang="en-US" dirty="0" smtClean="0"/>
-              <a:t>RGP.</a:t>
+              <a:t>Three approximations exist for RGP.</a:t>
             </a:r>
             <a:endParaRPr lang="en-US" dirty="0"/>
           </a:p>
@@ -12666,7 +16832,7 @@
             <a:fld id="{00000000-1234-1234-1234-123412341234}" type="slidenum">
               <a:rPr lang="en" smtClean="0"/>
               <a:pPr/>
-              <a:t>21</a:t>
+              <a:t>23</a:t>
             </a:fld>
             <a:endParaRPr lang="en"/>
           </a:p>
@@ -13072,311 +17238,6 @@
     <p:extLst>
       <p:ext uri="{BB962C8B-B14F-4D97-AF65-F5344CB8AC3E}">
         <p14:creationId xmlns:p14="http://schemas.microsoft.com/office/powerpoint/2010/main" val="2248860894"/>
-      </p:ext>
-    </p:extLst>
-  </p:cSld>
-  <p:clrMapOvr>
-    <a:masterClrMapping/>
-  </p:clrMapOvr>
-  <p:timing>
-    <p:tnLst>
-      <p:par>
-        <p:cTn id="1" dur="indefinite" restart="never" nodeType="tmRoot"/>
-      </p:par>
-    </p:tnLst>
-  </p:timing>
-</p:sld>
-</file>
-
-<file path=ppt/slides/slide22.xml><?xml version="1.0" encoding="utf-8"?>
-<p:sld xmlns:a="http://schemas.openxmlformats.org/drawingml/2006/main" xmlns:r="http://schemas.openxmlformats.org/officeDocument/2006/relationships" xmlns:p="http://schemas.openxmlformats.org/presentationml/2006/main">
-  <p:cSld>
-    <p:spTree>
-      <p:nvGrpSpPr>
-        <p:cNvPr id="1" name=""/>
-        <p:cNvGrpSpPr/>
-        <p:nvPr/>
-      </p:nvGrpSpPr>
-      <p:grpSpPr>
-        <a:xfrm>
-          <a:off x="0" y="0"/>
-          <a:ext cx="0" cy="0"/>
-          <a:chOff x="0" y="0"/>
-          <a:chExt cx="0" cy="0"/>
-        </a:xfrm>
-      </p:grpSpPr>
-      <p:sp>
-        <p:nvSpPr>
-          <p:cNvPr id="2" name="Title 1"/>
-          <p:cNvSpPr>
-            <a:spLocks noGrp="1"/>
-          </p:cNvSpPr>
-          <p:nvPr>
-            <p:ph type="title"/>
-          </p:nvPr>
-        </p:nvSpPr>
-        <p:spPr/>
-        <p:txBody>
-          <a:bodyPr>
-            <a:normAutofit fontScale="90000"/>
-          </a:bodyPr>
-          <a:lstStyle/>
-          <a:p>
-            <a:r>
-              <a:rPr lang="en-US" dirty="0" smtClean="0"/>
-              <a:t>We add a GP </a:t>
-            </a:r>
-            <a:r>
-              <a:rPr lang="en-US" dirty="0" err="1" smtClean="0"/>
-              <a:t>robustification</a:t>
-            </a:r>
-            <a:r>
-              <a:rPr lang="en-US" dirty="0" smtClean="0"/>
-              <a:t> block </a:t>
-            </a:r>
-            <a:br>
-              <a:rPr lang="en-US" dirty="0" smtClean="0"/>
-            </a:br>
-            <a:r>
-              <a:rPr lang="en-US" dirty="0" smtClean="0"/>
-              <a:t>into SP solution heuristic.</a:t>
-            </a:r>
-            <a:endParaRPr lang="en-US" dirty="0"/>
-          </a:p>
-        </p:txBody>
-      </p:sp>
-      <p:pic>
-        <p:nvPicPr>
-          <p:cNvPr id="6" name="Content Placeholder 5"/>
-          <p:cNvPicPr>
-            <a:picLocks noGrp="1" noChangeAspect="1"/>
-          </p:cNvPicPr>
-          <p:nvPr>
-            <p:ph idx="1"/>
-          </p:nvPr>
-        </p:nvPicPr>
-        <p:blipFill>
-          <a:blip r:embed="rId3"/>
-          <a:stretch>
-            <a:fillRect/>
-          </a:stretch>
-        </p:blipFill>
-        <p:spPr>
-          <a:xfrm>
-            <a:off x="1333500" y="2039144"/>
-            <a:ext cx="9525000" cy="3648075"/>
-          </a:xfrm>
-          <a:prstGeom prst="rect">
-            <a:avLst/>
-          </a:prstGeom>
-        </p:spPr>
-      </p:pic>
-      <p:sp>
-        <p:nvSpPr>
-          <p:cNvPr id="4" name="Date Placeholder 3"/>
-          <p:cNvSpPr>
-            <a:spLocks noGrp="1"/>
-          </p:cNvSpPr>
-          <p:nvPr>
-            <p:ph type="dt" sz="half" idx="10"/>
-          </p:nvPr>
-        </p:nvSpPr>
-        <p:spPr/>
-        <p:txBody>
-          <a:bodyPr/>
-          <a:lstStyle/>
-          <a:p>
-            <a:fld id="{DF3666C2-D4E3-4220-B5E4-E2A7632DABCB}" type="datetime1">
-              <a:rPr lang="en-US" smtClean="0"/>
-              <a:t>4/30/2019</a:t>
-            </a:fld>
-            <a:endParaRPr lang="en-US"/>
-          </a:p>
-        </p:txBody>
-      </p:sp>
-      <p:sp>
-        <p:nvSpPr>
-          <p:cNvPr id="5" name="Slide Number Placeholder 4"/>
-          <p:cNvSpPr>
-            <a:spLocks noGrp="1"/>
-          </p:cNvSpPr>
-          <p:nvPr>
-            <p:ph type="sldNum" sz="quarter" idx="12"/>
-          </p:nvPr>
-        </p:nvSpPr>
-        <p:spPr/>
-        <p:txBody>
-          <a:bodyPr/>
-          <a:lstStyle/>
-          <a:p>
-            <a:fld id="{ECECBB7F-FEC3-4D28-B490-4AD11841E35E}" type="slidenum">
-              <a:rPr lang="en-US" smtClean="0"/>
-              <a:t>22</a:t>
-            </a:fld>
-            <a:endParaRPr lang="en-US"/>
-          </a:p>
-        </p:txBody>
-      </p:sp>
-      <p:sp>
-        <p:nvSpPr>
-          <p:cNvPr id="7" name="Rectangle 6"/>
-          <p:cNvSpPr/>
-          <p:nvPr/>
-        </p:nvSpPr>
-        <p:spPr>
-          <a:xfrm>
-            <a:off x="6510528" y="2386584"/>
-            <a:ext cx="1755648" cy="841248"/>
-          </a:xfrm>
-          <a:prstGeom prst="rect">
-            <a:avLst/>
-          </a:prstGeom>
-          <a:noFill/>
-          <a:ln>
-            <a:solidFill>
-              <a:srgbClr val="FF0000"/>
-            </a:solidFill>
-          </a:ln>
-        </p:spPr>
-        <p:style>
-          <a:lnRef idx="2">
-            <a:schemeClr val="accent1">
-              <a:shade val="50000"/>
-            </a:schemeClr>
-          </a:lnRef>
-          <a:fillRef idx="1">
-            <a:schemeClr val="accent1"/>
-          </a:fillRef>
-          <a:effectRef idx="0">
-            <a:schemeClr val="accent1"/>
-          </a:effectRef>
-          <a:fontRef idx="minor">
-            <a:schemeClr val="lt1"/>
-          </a:fontRef>
-        </p:style>
-        <p:txBody>
-          <a:bodyPr rtlCol="0" anchor="ctr"/>
-          <a:lstStyle/>
-          <a:p>
-            <a:pPr algn="ctr"/>
-            <a:endParaRPr lang="en-US"/>
-          </a:p>
-        </p:txBody>
-      </p:sp>
-    </p:spTree>
-    <p:extLst>
-      <p:ext uri="{BB962C8B-B14F-4D97-AF65-F5344CB8AC3E}">
-        <p14:creationId xmlns:p14="http://schemas.microsoft.com/office/powerpoint/2010/main" val="3368160775"/>
-      </p:ext>
-    </p:extLst>
-  </p:cSld>
-  <p:clrMapOvr>
-    <a:masterClrMapping/>
-  </p:clrMapOvr>
-  <p:timing>
-    <p:tnLst>
-      <p:par>
-        <p:cTn id="1" dur="indefinite" restart="never" nodeType="tmRoot"/>
-      </p:par>
-    </p:tnLst>
-  </p:timing>
-</p:sld>
-</file>
-
-<file path=ppt/slides/slide23.xml><?xml version="1.0" encoding="utf-8"?>
-<p:sld xmlns:a="http://schemas.openxmlformats.org/drawingml/2006/main" xmlns:r="http://schemas.openxmlformats.org/officeDocument/2006/relationships" xmlns:p="http://schemas.openxmlformats.org/presentationml/2006/main">
-  <p:cSld>
-    <p:spTree>
-      <p:nvGrpSpPr>
-        <p:cNvPr id="1" name=""/>
-        <p:cNvGrpSpPr/>
-        <p:nvPr/>
-      </p:nvGrpSpPr>
-      <p:grpSpPr>
-        <a:xfrm>
-          <a:off x="0" y="0"/>
-          <a:ext cx="0" cy="0"/>
-          <a:chOff x="0" y="0"/>
-          <a:chExt cx="0" cy="0"/>
-        </a:xfrm>
-      </p:grpSpPr>
-      <p:sp>
-        <p:nvSpPr>
-          <p:cNvPr id="2" name="Title 1"/>
-          <p:cNvSpPr>
-            <a:spLocks noGrp="1"/>
-          </p:cNvSpPr>
-          <p:nvPr>
-            <p:ph type="title"/>
-          </p:nvPr>
-        </p:nvSpPr>
-        <p:spPr/>
-        <p:txBody>
-          <a:bodyPr>
-            <a:normAutofit fontScale="90000"/>
-          </a:bodyPr>
-          <a:lstStyle/>
-          <a:p>
-            <a:r>
-              <a:rPr lang="en-US" dirty="0" smtClean="0"/>
-              <a:t>RSP formulations exist for all SP-compatible problems.</a:t>
-            </a:r>
-            <a:endParaRPr lang="en-US" dirty="0"/>
-          </a:p>
-        </p:txBody>
-      </p:sp>
-      <p:pic>
-        <p:nvPicPr>
-          <p:cNvPr id="4" name="Picture 3"/>
-          <p:cNvPicPr>
-            <a:picLocks noChangeAspect="1"/>
-          </p:cNvPicPr>
-          <p:nvPr/>
-        </p:nvPicPr>
-        <p:blipFill>
-          <a:blip r:embed="rId3"/>
-          <a:stretch>
-            <a:fillRect/>
-          </a:stretch>
-        </p:blipFill>
-        <p:spPr>
-          <a:xfrm>
-            <a:off x="1088482" y="1356967"/>
-            <a:ext cx="9893326" cy="4245974"/>
-          </a:xfrm>
-          <a:prstGeom prst="rect">
-            <a:avLst/>
-          </a:prstGeom>
-        </p:spPr>
-      </p:pic>
-      <p:sp>
-        <p:nvSpPr>
-          <p:cNvPr id="3" name="Slide Number Placeholder 2"/>
-          <p:cNvSpPr>
-            <a:spLocks noGrp="1"/>
-          </p:cNvSpPr>
-          <p:nvPr>
-            <p:ph type="sldNum" idx="12"/>
-          </p:nvPr>
-        </p:nvSpPr>
-        <p:spPr/>
-        <p:txBody>
-          <a:bodyPr/>
-          <a:lstStyle/>
-          <a:p>
-            <a:fld id="{00000000-1234-1234-1234-123412341234}" type="slidenum">
-              <a:rPr lang="en" smtClean="0"/>
-              <a:pPr/>
-              <a:t>23</a:t>
-            </a:fld>
-            <a:endParaRPr lang="en"/>
-          </a:p>
-        </p:txBody>
-      </p:sp>
-    </p:spTree>
-    <p:extLst>
-      <p:ext uri="{BB962C8B-B14F-4D97-AF65-F5344CB8AC3E}">
-        <p14:creationId xmlns:p14="http://schemas.microsoft.com/office/powerpoint/2010/main" val="3015213281"/>
       </p:ext>
     </p:extLst>
   </p:cSld>
@@ -13422,6 +17283,294 @@
         </p:nvSpPr>
         <p:spPr/>
         <p:txBody>
+          <a:bodyPr>
+            <a:normAutofit/>
+          </a:bodyPr>
+          <a:lstStyle/>
+          <a:p>
+            <a:r>
+              <a:rPr lang="en-US" dirty="0" smtClean="0"/>
+              <a:t>We augment the SP solution heuristic.</a:t>
+            </a:r>
+            <a:endParaRPr lang="en-US" dirty="0"/>
+          </a:p>
+        </p:txBody>
+      </p:sp>
+      <p:sp>
+        <p:nvSpPr>
+          <p:cNvPr id="4" name="Date Placeholder 3"/>
+          <p:cNvSpPr>
+            <a:spLocks noGrp="1"/>
+          </p:cNvSpPr>
+          <p:nvPr>
+            <p:ph type="dt" sz="half" idx="10"/>
+          </p:nvPr>
+        </p:nvSpPr>
+        <p:spPr/>
+        <p:txBody>
+          <a:bodyPr/>
+          <a:lstStyle/>
+          <a:p>
+            <a:fld id="{DF3666C2-D4E3-4220-B5E4-E2A7632DABCB}" type="datetime1">
+              <a:rPr lang="en-US" smtClean="0"/>
+              <a:t>5/3/2019</a:t>
+            </a:fld>
+            <a:endParaRPr lang="en-US"/>
+          </a:p>
+        </p:txBody>
+      </p:sp>
+      <p:sp>
+        <p:nvSpPr>
+          <p:cNvPr id="5" name="Slide Number Placeholder 4"/>
+          <p:cNvSpPr>
+            <a:spLocks noGrp="1"/>
+          </p:cNvSpPr>
+          <p:nvPr>
+            <p:ph type="sldNum" sz="quarter" idx="12"/>
+          </p:nvPr>
+        </p:nvSpPr>
+        <p:spPr/>
+        <p:txBody>
+          <a:bodyPr/>
+          <a:lstStyle/>
+          <a:p>
+            <a:fld id="{ECECBB7F-FEC3-4D28-B490-4AD11841E35E}" type="slidenum">
+              <a:rPr lang="en-US" smtClean="0"/>
+              <a:t>24</a:t>
+            </a:fld>
+            <a:endParaRPr lang="en-US"/>
+          </a:p>
+        </p:txBody>
+      </p:sp>
+      <p:pic>
+        <p:nvPicPr>
+          <p:cNvPr id="6" name="Content Placeholder 5"/>
+          <p:cNvPicPr>
+            <a:picLocks noChangeAspect="1"/>
+          </p:cNvPicPr>
+          <p:nvPr/>
+        </p:nvPicPr>
+        <p:blipFill>
+          <a:blip r:embed="rId3"/>
+          <a:stretch>
+            <a:fillRect/>
+          </a:stretch>
+        </p:blipFill>
+        <p:spPr>
+          <a:xfrm>
+            <a:off x="1333500" y="2039144"/>
+            <a:ext cx="9525000" cy="3648075"/>
+          </a:xfrm>
+          <a:prstGeom prst="rect">
+            <a:avLst/>
+          </a:prstGeom>
+        </p:spPr>
+      </p:pic>
+      <p:sp>
+        <p:nvSpPr>
+          <p:cNvPr id="7" name="Rectangle 6"/>
+          <p:cNvSpPr/>
+          <p:nvPr/>
+        </p:nvSpPr>
+        <p:spPr>
+          <a:xfrm>
+            <a:off x="6510528" y="2386584"/>
+            <a:ext cx="1755648" cy="841248"/>
+          </a:xfrm>
+          <a:prstGeom prst="rect">
+            <a:avLst/>
+          </a:prstGeom>
+          <a:noFill/>
+          <a:ln>
+            <a:solidFill>
+              <a:srgbClr val="FF0000"/>
+            </a:solidFill>
+          </a:ln>
+        </p:spPr>
+        <p:style>
+          <a:lnRef idx="2">
+            <a:schemeClr val="accent1">
+              <a:shade val="50000"/>
+            </a:schemeClr>
+          </a:lnRef>
+          <a:fillRef idx="1">
+            <a:schemeClr val="accent1"/>
+          </a:fillRef>
+          <a:effectRef idx="0">
+            <a:schemeClr val="accent1"/>
+          </a:effectRef>
+          <a:fontRef idx="minor">
+            <a:schemeClr val="lt1"/>
+          </a:fontRef>
+        </p:style>
+        <p:txBody>
+          <a:bodyPr rtlCol="0" anchor="ctr"/>
+          <a:lstStyle/>
+          <a:p>
+            <a:pPr algn="ctr"/>
+            <a:endParaRPr lang="en-US"/>
+          </a:p>
+        </p:txBody>
+      </p:sp>
+    </p:spTree>
+    <p:extLst>
+      <p:ext uri="{BB962C8B-B14F-4D97-AF65-F5344CB8AC3E}">
+        <p14:creationId xmlns:p14="http://schemas.microsoft.com/office/powerpoint/2010/main" val="3368160775"/>
+      </p:ext>
+    </p:extLst>
+  </p:cSld>
+  <p:clrMapOvr>
+    <a:masterClrMapping/>
+  </p:clrMapOvr>
+  <p:timing>
+    <p:tnLst>
+      <p:par>
+        <p:cTn id="1" dur="indefinite" restart="never" nodeType="tmRoot"/>
+      </p:par>
+    </p:tnLst>
+  </p:timing>
+</p:sld>
+</file>
+
+<file path=ppt/slides/slide25.xml><?xml version="1.0" encoding="utf-8"?>
+<p:sld xmlns:a="http://schemas.openxmlformats.org/drawingml/2006/main" xmlns:r="http://schemas.openxmlformats.org/officeDocument/2006/relationships" xmlns:p="http://schemas.openxmlformats.org/presentationml/2006/main">
+  <p:cSld>
+    <p:spTree>
+      <p:nvGrpSpPr>
+        <p:cNvPr id="1" name=""/>
+        <p:cNvGrpSpPr/>
+        <p:nvPr/>
+      </p:nvGrpSpPr>
+      <p:grpSpPr>
+        <a:xfrm>
+          <a:off x="0" y="0"/>
+          <a:ext cx="0" cy="0"/>
+          <a:chOff x="0" y="0"/>
+          <a:chExt cx="0" cy="0"/>
+        </a:xfrm>
+      </p:grpSpPr>
+      <p:sp>
+        <p:nvSpPr>
+          <p:cNvPr id="2" name="Title 1"/>
+          <p:cNvSpPr>
+            <a:spLocks noGrp="1"/>
+          </p:cNvSpPr>
+          <p:nvPr>
+            <p:ph type="title"/>
+          </p:nvPr>
+        </p:nvSpPr>
+        <p:spPr/>
+        <p:txBody>
+          <a:bodyPr>
+            <a:normAutofit fontScale="90000"/>
+          </a:bodyPr>
+          <a:lstStyle/>
+          <a:p>
+            <a:r>
+              <a:rPr lang="en-US" dirty="0" smtClean="0"/>
+              <a:t>RSP formulations exist for all SP-compatible problems.</a:t>
+            </a:r>
+            <a:endParaRPr lang="en-US" dirty="0"/>
+          </a:p>
+        </p:txBody>
+      </p:sp>
+      <p:sp>
+        <p:nvSpPr>
+          <p:cNvPr id="3" name="Slide Number Placeholder 2"/>
+          <p:cNvSpPr>
+            <a:spLocks noGrp="1"/>
+          </p:cNvSpPr>
+          <p:nvPr>
+            <p:ph type="sldNum" idx="12"/>
+          </p:nvPr>
+        </p:nvSpPr>
+        <p:spPr/>
+        <p:txBody>
+          <a:bodyPr/>
+          <a:lstStyle/>
+          <a:p>
+            <a:fld id="{00000000-1234-1234-1234-123412341234}" type="slidenum">
+              <a:rPr lang="en" smtClean="0"/>
+              <a:pPr/>
+              <a:t>25</a:t>
+            </a:fld>
+            <a:endParaRPr lang="en"/>
+          </a:p>
+        </p:txBody>
+      </p:sp>
+      <p:pic>
+        <p:nvPicPr>
+          <p:cNvPr id="7" name="Content Placeholder 8"/>
+          <p:cNvPicPr>
+            <a:picLocks noChangeAspect="1"/>
+          </p:cNvPicPr>
+          <p:nvPr/>
+        </p:nvPicPr>
+        <p:blipFill>
+          <a:blip r:embed="rId3"/>
+          <a:stretch>
+            <a:fillRect/>
+          </a:stretch>
+        </p:blipFill>
+        <p:spPr>
+          <a:xfrm>
+            <a:off x="1087761" y="1356967"/>
+            <a:ext cx="10016477" cy="4298827"/>
+          </a:xfrm>
+          <a:prstGeom prst="rect">
+            <a:avLst/>
+          </a:prstGeom>
+        </p:spPr>
+      </p:pic>
+    </p:spTree>
+    <p:extLst>
+      <p:ext uri="{BB962C8B-B14F-4D97-AF65-F5344CB8AC3E}">
+        <p14:creationId xmlns:p14="http://schemas.microsoft.com/office/powerpoint/2010/main" val="3015213281"/>
+      </p:ext>
+    </p:extLst>
+  </p:cSld>
+  <p:clrMapOvr>
+    <a:masterClrMapping/>
+  </p:clrMapOvr>
+  <p:timing>
+    <p:tnLst>
+      <p:par>
+        <p:cTn id="1" dur="indefinite" restart="never" nodeType="tmRoot"/>
+      </p:par>
+    </p:tnLst>
+  </p:timing>
+</p:sld>
+</file>
+
+<file path=ppt/slides/slide26.xml><?xml version="1.0" encoding="utf-8"?>
+<p:sld xmlns:a="http://schemas.openxmlformats.org/drawingml/2006/main" xmlns:r="http://schemas.openxmlformats.org/officeDocument/2006/relationships" xmlns:p="http://schemas.openxmlformats.org/presentationml/2006/main">
+  <p:cSld>
+    <p:spTree>
+      <p:nvGrpSpPr>
+        <p:cNvPr id="1" name=""/>
+        <p:cNvGrpSpPr/>
+        <p:nvPr/>
+      </p:nvGrpSpPr>
+      <p:grpSpPr>
+        <a:xfrm>
+          <a:off x="0" y="0"/>
+          <a:ext cx="0" cy="0"/>
+          <a:chOff x="0" y="0"/>
+          <a:chExt cx="0" cy="0"/>
+        </a:xfrm>
+      </p:grpSpPr>
+      <p:sp>
+        <p:nvSpPr>
+          <p:cNvPr id="2" name="Title 1"/>
+          <p:cNvSpPr>
+            <a:spLocks noGrp="1"/>
+          </p:cNvSpPr>
+          <p:nvPr>
+            <p:ph type="title"/>
+          </p:nvPr>
+        </p:nvSpPr>
+        <p:spPr/>
+        <p:txBody>
           <a:bodyPr/>
           <a:lstStyle/>
           <a:p>
@@ -13477,11 +17626,11 @@
             </a:pPr>
             <a:r>
               <a:rPr lang="en-US" dirty="0" smtClean="0"/>
-              <a:t>Good surrogate for use of </a:t>
+              <a:t>More conservative than margins</a:t>
             </a:r>
             <a:r>
               <a:rPr lang="en-US" i="1" dirty="0" smtClean="0"/>
-              <a:t>margins.</a:t>
+              <a:t>.</a:t>
             </a:r>
             <a:endParaRPr lang="en-US" dirty="0"/>
           </a:p>
@@ -13509,7 +17658,15 @@
             </a:r>
             <a:r>
               <a:rPr lang="en-US" dirty="0"/>
-              <a:t>(L-∞ norm</a:t>
+              <a:t>(</a:t>
+            </a:r>
+            <a:r>
+              <a:rPr lang="en-US" dirty="0" smtClean="0"/>
+              <a:t>L-2 </a:t>
+            </a:r>
+            <a:r>
+              <a:rPr lang="en-US" dirty="0"/>
+              <a:t>norm</a:t>
             </a:r>
             <a:r>
               <a:rPr lang="en-US" dirty="0" smtClean="0"/>
@@ -13562,7 +17719,7 @@
           <a:p>
             <a:fld id="{D642F9AF-5928-4D5D-824A-32BCEBC64709}" type="datetime1">
               <a:rPr lang="en-US" smtClean="0"/>
-              <a:t>4/30/2019</a:t>
+              <a:t>5/3/2019</a:t>
             </a:fld>
             <a:endParaRPr lang="en-US"/>
           </a:p>
@@ -13585,7 +17742,7 @@
           <a:p>
             <a:fld id="{ECECBB7F-FEC3-4D28-B490-4AD11841E35E}" type="slidenum">
               <a:rPr lang="en-US" smtClean="0"/>
-              <a:t>24</a:t>
+              <a:t>26</a:t>
             </a:fld>
             <a:endParaRPr lang="en-US"/>
           </a:p>
@@ -14128,7 +18285,7 @@
 </p:sld>
 </file>
 
-<file path=ppt/slides/slide25.xml><?xml version="1.0" encoding="utf-8"?>
+<file path=ppt/slides/slide27.xml><?xml version="1.0" encoding="utf-8"?>
 <p:sld xmlns:a="http://schemas.openxmlformats.org/drawingml/2006/main" xmlns:r="http://schemas.openxmlformats.org/officeDocument/2006/relationships" xmlns:p="http://schemas.openxmlformats.org/presentationml/2006/main">
   <p:cSld>
     <p:spTree>
@@ -14185,7 +18342,7 @@
           <a:p>
             <a:fld id="{2CD7CDF9-E63A-4498-875F-EBA423FDEFBC}" type="datetime1">
               <a:rPr lang="en-US" smtClean="0"/>
-              <a:t>4/30/2019</a:t>
+              <a:t>5/3/2019</a:t>
             </a:fld>
             <a:endParaRPr lang="en-US"/>
           </a:p>
@@ -14208,7 +18365,7 @@
           <a:p>
             <a:fld id="{ECECBB7F-FEC3-4D28-B490-4AD11841E35E}" type="slidenum">
               <a:rPr lang="en-US" smtClean="0"/>
-              <a:t>25</a:t>
+              <a:t>27</a:t>
             </a:fld>
             <a:endParaRPr lang="en-US"/>
           </a:p>
@@ -14234,7 +18391,7 @@
 </p:sld>
 </file>
 
-<file path=ppt/slides/slide26.xml><?xml version="1.0" encoding="utf-8"?>
+<file path=ppt/slides/slide28.xml><?xml version="1.0" encoding="utf-8"?>
 <p:sld xmlns:a="http://schemas.openxmlformats.org/drawingml/2006/main" xmlns:r="http://schemas.openxmlformats.org/officeDocument/2006/relationships" xmlns:p="http://schemas.openxmlformats.org/presentationml/2006/main">
   <p:cSld>
     <p:spTree>
@@ -14350,7 +18507,7 @@
           <a:p>
             <a:fld id="{DF3666C2-D4E3-4220-B5E4-E2A7632DABCB}" type="datetime1">
               <a:rPr lang="en-US" smtClean="0"/>
-              <a:t>4/30/2019</a:t>
+              <a:t>5/3/2019</a:t>
             </a:fld>
             <a:endParaRPr lang="en-US"/>
           </a:p>
@@ -14373,7 +18530,7 @@
           <a:p>
             <a:fld id="{ECECBB7F-FEC3-4D28-B490-4AD11841E35E}" type="slidenum">
               <a:rPr lang="en-US" smtClean="0"/>
-              <a:t>26</a:t>
+              <a:t>28</a:t>
             </a:fld>
             <a:endParaRPr lang="en-US"/>
           </a:p>
@@ -15016,7 +19173,7 @@
 </p:sld>
 </file>
 
-<file path=ppt/slides/slide27.xml><?xml version="1.0" encoding="utf-8"?>
+<file path=ppt/slides/slide29.xml><?xml version="1.0" encoding="utf-8"?>
 <p:sld xmlns:a="http://schemas.openxmlformats.org/drawingml/2006/main" xmlns:r="http://schemas.openxmlformats.org/officeDocument/2006/relationships" xmlns:p="http://schemas.openxmlformats.org/presentationml/2006/main">
   <p:cSld>
     <p:spTree>
@@ -15099,7 +19256,7 @@
           <a:p>
             <a:fld id="{DF3666C2-D4E3-4220-B5E4-E2A7632DABCB}" type="datetime1">
               <a:rPr lang="en-US" smtClean="0"/>
-              <a:t>4/30/2019</a:t>
+              <a:t>5/3/2019</a:t>
             </a:fld>
             <a:endParaRPr lang="en-US"/>
           </a:p>
@@ -15122,7 +19279,7 @@
           <a:p>
             <a:fld id="{ECECBB7F-FEC3-4D28-B490-4AD11841E35E}" type="slidenum">
               <a:rPr lang="en-US" smtClean="0"/>
-              <a:t>27</a:t>
+              <a:t>29</a:t>
             </a:fld>
             <a:endParaRPr lang="en-US"/>
           </a:p>
@@ -15148,7 +19305,7 @@
 </p:sld>
 </file>
 
-<file path=ppt/slides/slide28.xml><?xml version="1.0" encoding="utf-8"?>
+<file path=ppt/slides/slide3.xml><?xml version="1.0" encoding="utf-8"?>
 <p:sld xmlns:a="http://schemas.openxmlformats.org/drawingml/2006/main" xmlns:r="http://schemas.openxmlformats.org/officeDocument/2006/relationships" xmlns:p="http://schemas.openxmlformats.org/presentationml/2006/main">
   <p:cSld>
     <p:spTree>
@@ -15182,6 +19339,779 @@
           <a:p>
             <a:r>
               <a:rPr lang="en-US" dirty="0" smtClean="0"/>
+              <a:t>Motivating Conceptual Design </a:t>
+            </a:r>
+            <a:br>
+              <a:rPr lang="en-US" dirty="0" smtClean="0"/>
+            </a:br>
+            <a:r>
+              <a:rPr lang="en-US" dirty="0"/>
+              <a:t>	</a:t>
+            </a:r>
+            <a:r>
+              <a:rPr lang="en-US" dirty="0" smtClean="0"/>
+              <a:t>			under uncertainty</a:t>
+            </a:r>
+            <a:endParaRPr lang="en-US" dirty="0"/>
+          </a:p>
+        </p:txBody>
+      </p:sp>
+      <p:sp>
+        <p:nvSpPr>
+          <p:cNvPr id="4" name="Date Placeholder 3"/>
+          <p:cNvSpPr>
+            <a:spLocks noGrp="1"/>
+          </p:cNvSpPr>
+          <p:nvPr>
+            <p:ph type="dt" sz="half" idx="10"/>
+          </p:nvPr>
+        </p:nvSpPr>
+        <p:spPr/>
+        <p:txBody>
+          <a:bodyPr/>
+          <a:lstStyle/>
+          <a:p>
+            <a:fld id="{2CD7CDF9-E63A-4498-875F-EBA423FDEFBC}" type="datetime1">
+              <a:rPr lang="en-US" smtClean="0"/>
+              <a:t>5/3/2019</a:t>
+            </a:fld>
+            <a:endParaRPr lang="en-US"/>
+          </a:p>
+        </p:txBody>
+      </p:sp>
+      <p:sp>
+        <p:nvSpPr>
+          <p:cNvPr id="5" name="Slide Number Placeholder 4"/>
+          <p:cNvSpPr>
+            <a:spLocks noGrp="1"/>
+          </p:cNvSpPr>
+          <p:nvPr>
+            <p:ph type="sldNum" sz="quarter" idx="12"/>
+          </p:nvPr>
+        </p:nvSpPr>
+        <p:spPr/>
+        <p:txBody>
+          <a:bodyPr/>
+          <a:lstStyle/>
+          <a:p>
+            <a:fld id="{ECECBB7F-FEC3-4D28-B490-4AD11841E35E}" type="slidenum">
+              <a:rPr lang="en-US" smtClean="0"/>
+              <a:t>3</a:t>
+            </a:fld>
+            <a:endParaRPr lang="en-US"/>
+          </a:p>
+        </p:txBody>
+      </p:sp>
+    </p:spTree>
+    <p:extLst>
+      <p:ext uri="{BB962C8B-B14F-4D97-AF65-F5344CB8AC3E}">
+        <p14:creationId xmlns:p14="http://schemas.microsoft.com/office/powerpoint/2010/main" val="3590512602"/>
+      </p:ext>
+    </p:extLst>
+  </p:cSld>
+  <p:clrMapOvr>
+    <a:masterClrMapping/>
+  </p:clrMapOvr>
+  <p:timing>
+    <p:tnLst>
+      <p:par>
+        <p:cTn id="1" dur="indefinite" restart="never" nodeType="tmRoot"/>
+      </p:par>
+    </p:tnLst>
+  </p:timing>
+</p:sld>
+</file>
+
+<file path=ppt/slides/slide30.xml><?xml version="1.0" encoding="utf-8"?>
+<p:sld xmlns:a="http://schemas.openxmlformats.org/drawingml/2006/main" xmlns:r="http://schemas.openxmlformats.org/officeDocument/2006/relationships" xmlns:p="http://schemas.openxmlformats.org/presentationml/2006/main">
+  <p:cSld>
+    <p:spTree>
+      <p:nvGrpSpPr>
+        <p:cNvPr id="1" name=""/>
+        <p:cNvGrpSpPr/>
+        <p:nvPr/>
+      </p:nvGrpSpPr>
+      <p:grpSpPr>
+        <a:xfrm>
+          <a:off x="0" y="0"/>
+          <a:ext cx="0" cy="0"/>
+          <a:chOff x="0" y="0"/>
+          <a:chExt cx="0" cy="0"/>
+        </a:xfrm>
+      </p:grpSpPr>
+      <p:pic>
+        <p:nvPicPr>
+          <p:cNvPr id="14" name="Picture 13"/>
+          <p:cNvPicPr>
+            <a:picLocks noChangeAspect="1"/>
+          </p:cNvPicPr>
+          <p:nvPr/>
+        </p:nvPicPr>
+        <p:blipFill>
+          <a:blip r:embed="rId3"/>
+          <a:stretch>
+            <a:fillRect/>
+          </a:stretch>
+        </p:blipFill>
+        <p:spPr>
+          <a:xfrm>
+            <a:off x="10620713" y="1822888"/>
+            <a:ext cx="1343753" cy="3637018"/>
+          </a:xfrm>
+          <a:prstGeom prst="rect">
+            <a:avLst/>
+          </a:prstGeom>
+        </p:spPr>
+      </p:pic>
+      <p:pic>
+        <p:nvPicPr>
+          <p:cNvPr id="17" name="Picture 16"/>
+          <p:cNvPicPr>
+            <a:picLocks noChangeAspect="1"/>
+          </p:cNvPicPr>
+          <p:nvPr/>
+        </p:nvPicPr>
+        <p:blipFill>
+          <a:blip r:embed="rId4"/>
+          <a:stretch>
+            <a:fillRect/>
+          </a:stretch>
+        </p:blipFill>
+        <p:spPr>
+          <a:xfrm>
+            <a:off x="9590007" y="1861388"/>
+            <a:ext cx="1343753" cy="3470437"/>
+          </a:xfrm>
+          <a:prstGeom prst="rect">
+            <a:avLst/>
+          </a:prstGeom>
+        </p:spPr>
+      </p:pic>
+      <p:pic>
+        <p:nvPicPr>
+          <p:cNvPr id="16" name="Picture 15"/>
+          <p:cNvPicPr>
+            <a:picLocks noChangeAspect="1"/>
+          </p:cNvPicPr>
+          <p:nvPr/>
+        </p:nvPicPr>
+        <p:blipFill>
+          <a:blip r:embed="rId5"/>
+          <a:stretch>
+            <a:fillRect/>
+          </a:stretch>
+        </p:blipFill>
+        <p:spPr>
+          <a:xfrm>
+            <a:off x="8696439" y="1871013"/>
+            <a:ext cx="1343753" cy="3370489"/>
+          </a:xfrm>
+          <a:prstGeom prst="rect">
+            <a:avLst/>
+          </a:prstGeom>
+        </p:spPr>
+      </p:pic>
+      <p:pic>
+        <p:nvPicPr>
+          <p:cNvPr id="15" name="Picture 14"/>
+          <p:cNvPicPr>
+            <a:picLocks noChangeAspect="1"/>
+          </p:cNvPicPr>
+          <p:nvPr/>
+        </p:nvPicPr>
+        <p:blipFill>
+          <a:blip r:embed="rId6"/>
+          <a:stretch>
+            <a:fillRect/>
+          </a:stretch>
+        </p:blipFill>
+        <p:spPr>
+          <a:xfrm>
+            <a:off x="7828478" y="2059806"/>
+            <a:ext cx="1349306" cy="2992905"/>
+          </a:xfrm>
+          <a:prstGeom prst="rect">
+            <a:avLst/>
+          </a:prstGeom>
+        </p:spPr>
+      </p:pic>
+      <p:sp>
+        <p:nvSpPr>
+          <p:cNvPr id="4" name="Date Placeholder 3"/>
+          <p:cNvSpPr>
+            <a:spLocks noGrp="1"/>
+          </p:cNvSpPr>
+          <p:nvPr>
+            <p:ph type="dt" sz="half" idx="10"/>
+          </p:nvPr>
+        </p:nvSpPr>
+        <p:spPr/>
+        <p:txBody>
+          <a:bodyPr/>
+          <a:lstStyle/>
+          <a:p>
+            <a:fld id="{DF3666C2-D4E3-4220-B5E4-E2A7632DABCB}" type="datetime1">
+              <a:rPr lang="en-US" smtClean="0"/>
+              <a:t>5/3/2019</a:t>
+            </a:fld>
+            <a:endParaRPr lang="en-US"/>
+          </a:p>
+        </p:txBody>
+      </p:sp>
+      <p:sp>
+        <p:nvSpPr>
+          <p:cNvPr id="5" name="Slide Number Placeholder 4"/>
+          <p:cNvSpPr>
+            <a:spLocks noGrp="1"/>
+          </p:cNvSpPr>
+          <p:nvPr>
+            <p:ph type="sldNum" sz="quarter" idx="12"/>
+          </p:nvPr>
+        </p:nvSpPr>
+        <p:spPr/>
+        <p:txBody>
+          <a:bodyPr/>
+          <a:lstStyle/>
+          <a:p>
+            <a:fld id="{ECECBB7F-FEC3-4D28-B490-4AD11841E35E}" type="slidenum">
+              <a:rPr lang="en-US" smtClean="0"/>
+              <a:t>30</a:t>
+            </a:fld>
+            <a:endParaRPr lang="en-US"/>
+          </a:p>
+        </p:txBody>
+      </p:sp>
+      <p:pic>
+        <p:nvPicPr>
+          <p:cNvPr id="7" name="Picture 6"/>
+          <p:cNvPicPr>
+            <a:picLocks noChangeAspect="1"/>
+          </p:cNvPicPr>
+          <p:nvPr/>
+        </p:nvPicPr>
+        <p:blipFill>
+          <a:blip r:embed="rId7"/>
+          <a:stretch>
+            <a:fillRect/>
+          </a:stretch>
+        </p:blipFill>
+        <p:spPr>
+          <a:xfrm>
+            <a:off x="0" y="720283"/>
+            <a:ext cx="8337609" cy="5199572"/>
+          </a:xfrm>
+          <a:prstGeom prst="rect">
+            <a:avLst/>
+          </a:prstGeom>
+        </p:spPr>
+      </p:pic>
+      <p:sp>
+        <p:nvSpPr>
+          <p:cNvPr id="18" name="Rectangle 17"/>
+          <p:cNvSpPr/>
+          <p:nvPr/>
+        </p:nvSpPr>
+        <p:spPr>
+          <a:xfrm>
+            <a:off x="5409399" y="4523874"/>
+            <a:ext cx="731520" cy="1174283"/>
+          </a:xfrm>
+          <a:prstGeom prst="rect">
+            <a:avLst/>
+          </a:prstGeom>
+          <a:noFill/>
+          <a:ln>
+            <a:solidFill>
+              <a:srgbClr val="FFB733"/>
+            </a:solidFill>
+          </a:ln>
+        </p:spPr>
+        <p:style>
+          <a:lnRef idx="2">
+            <a:schemeClr val="accent1">
+              <a:shade val="50000"/>
+            </a:schemeClr>
+          </a:lnRef>
+          <a:fillRef idx="1">
+            <a:schemeClr val="accent1"/>
+          </a:fillRef>
+          <a:effectRef idx="0">
+            <a:schemeClr val="accent1"/>
+          </a:effectRef>
+          <a:fontRef idx="minor">
+            <a:schemeClr val="lt1"/>
+          </a:fontRef>
+        </p:style>
+        <p:txBody>
+          <a:bodyPr rtlCol="0" anchor="ctr"/>
+          <a:lstStyle/>
+          <a:p>
+            <a:pPr algn="ctr"/>
+            <a:endParaRPr lang="en-US"/>
+          </a:p>
+        </p:txBody>
+      </p:sp>
+      <p:sp>
+        <p:nvSpPr>
+          <p:cNvPr id="19" name="Rectangle 18"/>
+          <p:cNvSpPr/>
+          <p:nvPr/>
+        </p:nvSpPr>
+        <p:spPr>
+          <a:xfrm>
+            <a:off x="250256" y="4427621"/>
+            <a:ext cx="7865661" cy="1386037"/>
+          </a:xfrm>
+          <a:prstGeom prst="rect">
+            <a:avLst/>
+          </a:prstGeom>
+          <a:noFill/>
+          <a:ln>
+            <a:solidFill>
+              <a:schemeClr val="tx1"/>
+            </a:solidFill>
+          </a:ln>
+        </p:spPr>
+        <p:style>
+          <a:lnRef idx="2">
+            <a:schemeClr val="accent1">
+              <a:shade val="50000"/>
+            </a:schemeClr>
+          </a:lnRef>
+          <a:fillRef idx="1">
+            <a:schemeClr val="accent1"/>
+          </a:fillRef>
+          <a:effectRef idx="0">
+            <a:schemeClr val="accent1"/>
+          </a:effectRef>
+          <a:fontRef idx="minor">
+            <a:schemeClr val="lt1"/>
+          </a:fontRef>
+        </p:style>
+        <p:txBody>
+          <a:bodyPr rtlCol="0" anchor="ctr"/>
+          <a:lstStyle/>
+          <a:p>
+            <a:pPr algn="ctr"/>
+            <a:endParaRPr lang="en-US"/>
+          </a:p>
+        </p:txBody>
+      </p:sp>
+      <p:sp>
+        <p:nvSpPr>
+          <p:cNvPr id="22" name="Rectangle 21"/>
+          <p:cNvSpPr/>
+          <p:nvPr/>
+        </p:nvSpPr>
+        <p:spPr>
+          <a:xfrm>
+            <a:off x="6351069" y="4522274"/>
+            <a:ext cx="731520" cy="1174283"/>
+          </a:xfrm>
+          <a:prstGeom prst="rect">
+            <a:avLst/>
+          </a:prstGeom>
+          <a:noFill/>
+          <a:ln>
+            <a:solidFill>
+              <a:srgbClr val="FF3333"/>
+            </a:solidFill>
+          </a:ln>
+        </p:spPr>
+        <p:style>
+          <a:lnRef idx="2">
+            <a:schemeClr val="accent1">
+              <a:shade val="50000"/>
+            </a:schemeClr>
+          </a:lnRef>
+          <a:fillRef idx="1">
+            <a:schemeClr val="accent1"/>
+          </a:fillRef>
+          <a:effectRef idx="0">
+            <a:schemeClr val="accent1"/>
+          </a:effectRef>
+          <a:fontRef idx="minor">
+            <a:schemeClr val="lt1"/>
+          </a:fontRef>
+        </p:style>
+        <p:txBody>
+          <a:bodyPr rtlCol="0" anchor="ctr"/>
+          <a:lstStyle/>
+          <a:p>
+            <a:pPr algn="ctr"/>
+            <a:endParaRPr lang="en-US"/>
+          </a:p>
+        </p:txBody>
+      </p:sp>
+      <p:sp>
+        <p:nvSpPr>
+          <p:cNvPr id="23" name="Rectangle 22"/>
+          <p:cNvSpPr/>
+          <p:nvPr/>
+        </p:nvSpPr>
+        <p:spPr>
+          <a:xfrm>
+            <a:off x="7227627" y="4515031"/>
+            <a:ext cx="787030" cy="1174283"/>
+          </a:xfrm>
+          <a:prstGeom prst="rect">
+            <a:avLst/>
+          </a:prstGeom>
+          <a:noFill/>
+          <a:ln>
+            <a:solidFill>
+              <a:srgbClr val="339933"/>
+            </a:solidFill>
+          </a:ln>
+        </p:spPr>
+        <p:style>
+          <a:lnRef idx="2">
+            <a:schemeClr val="accent1">
+              <a:shade val="50000"/>
+            </a:schemeClr>
+          </a:lnRef>
+          <a:fillRef idx="1">
+            <a:schemeClr val="accent1"/>
+          </a:fillRef>
+          <a:effectRef idx="0">
+            <a:schemeClr val="accent1"/>
+          </a:effectRef>
+          <a:fontRef idx="minor">
+            <a:schemeClr val="lt1"/>
+          </a:fontRef>
+        </p:style>
+        <p:txBody>
+          <a:bodyPr rtlCol="0" anchor="ctr"/>
+          <a:lstStyle/>
+          <a:p>
+            <a:pPr algn="ctr"/>
+            <a:endParaRPr lang="en-US"/>
+          </a:p>
+        </p:txBody>
+      </p:sp>
+      <p:sp>
+        <p:nvSpPr>
+          <p:cNvPr id="24" name="Rectangle 23"/>
+          <p:cNvSpPr/>
+          <p:nvPr/>
+        </p:nvSpPr>
+        <p:spPr>
+          <a:xfrm>
+            <a:off x="4344825" y="4522274"/>
+            <a:ext cx="885668" cy="1174283"/>
+          </a:xfrm>
+          <a:prstGeom prst="rect">
+            <a:avLst/>
+          </a:prstGeom>
+          <a:noFill/>
+          <a:ln>
+            <a:solidFill>
+              <a:srgbClr val="3333FE"/>
+            </a:solidFill>
+          </a:ln>
+        </p:spPr>
+        <p:style>
+          <a:lnRef idx="2">
+            <a:schemeClr val="accent1">
+              <a:shade val="50000"/>
+            </a:schemeClr>
+          </a:lnRef>
+          <a:fillRef idx="1">
+            <a:schemeClr val="accent1"/>
+          </a:fillRef>
+          <a:effectRef idx="0">
+            <a:schemeClr val="accent1"/>
+          </a:effectRef>
+          <a:fontRef idx="minor">
+            <a:schemeClr val="lt1"/>
+          </a:fontRef>
+        </p:style>
+        <p:txBody>
+          <a:bodyPr rtlCol="0" anchor="ctr"/>
+          <a:lstStyle/>
+          <a:p>
+            <a:pPr algn="ctr"/>
+            <a:endParaRPr lang="en-US"/>
+          </a:p>
+        </p:txBody>
+      </p:sp>
+    </p:spTree>
+    <p:extLst>
+      <p:ext uri="{BB962C8B-B14F-4D97-AF65-F5344CB8AC3E}">
+        <p14:creationId xmlns:p14="http://schemas.microsoft.com/office/powerpoint/2010/main" val="4255888491"/>
+      </p:ext>
+    </p:extLst>
+  </p:cSld>
+  <p:clrMapOvr>
+    <a:masterClrMapping/>
+  </p:clrMapOvr>
+  <p:timing>
+    <p:tnLst>
+      <p:par>
+        <p:cTn id="1" dur="indefinite" restart="never" nodeType="tmRoot">
+          <p:childTnLst>
+            <p:seq concurrent="1" nextAc="seek">
+              <p:cTn id="2" dur="indefinite" nodeType="mainSeq">
+                <p:childTnLst>
+                  <p:par>
+                    <p:cTn id="3" fill="hold">
+                      <p:stCondLst>
+                        <p:cond delay="indefinite"/>
+                      </p:stCondLst>
+                      <p:childTnLst>
+                        <p:par>
+                          <p:cTn id="4" fill="hold">
+                            <p:stCondLst>
+                              <p:cond delay="0"/>
+                            </p:stCondLst>
+                            <p:childTnLst>
+                              <p:par>
+                                <p:cTn id="5" presetID="10" presetClass="entr" presetSubtype="0" fill="hold" grpId="0" nodeType="clickEffect">
+                                  <p:stCondLst>
+                                    <p:cond delay="0"/>
+                                  </p:stCondLst>
+                                  <p:childTnLst>
+                                    <p:set>
+                                      <p:cBhvr>
+                                        <p:cTn id="6" dur="1" fill="hold">
+                                          <p:stCondLst>
+                                            <p:cond delay="0"/>
+                                          </p:stCondLst>
+                                        </p:cTn>
+                                        <p:tgtEl>
+                                          <p:spTgt spid="18"/>
+                                        </p:tgtEl>
+                                        <p:attrNameLst>
+                                          <p:attrName>style.visibility</p:attrName>
+                                        </p:attrNameLst>
+                                      </p:cBhvr>
+                                      <p:to>
+                                        <p:strVal val="visible"/>
+                                      </p:to>
+                                    </p:set>
+                                    <p:animEffect transition="in" filter="fade">
+                                      <p:cBhvr>
+                                        <p:cTn id="7" dur="500"/>
+                                        <p:tgtEl>
+                                          <p:spTgt spid="18"/>
+                                        </p:tgtEl>
+                                      </p:cBhvr>
+                                    </p:animEffect>
+                                  </p:childTnLst>
+                                </p:cTn>
+                              </p:par>
+                              <p:par>
+                                <p:cTn id="8" presetID="10" presetClass="entr" presetSubtype="0" fill="hold" grpId="0" nodeType="withEffect">
+                                  <p:stCondLst>
+                                    <p:cond delay="0"/>
+                                  </p:stCondLst>
+                                  <p:childTnLst>
+                                    <p:set>
+                                      <p:cBhvr>
+                                        <p:cTn id="9" dur="1" fill="hold">
+                                          <p:stCondLst>
+                                            <p:cond delay="0"/>
+                                          </p:stCondLst>
+                                        </p:cTn>
+                                        <p:tgtEl>
+                                          <p:spTgt spid="19"/>
+                                        </p:tgtEl>
+                                        <p:attrNameLst>
+                                          <p:attrName>style.visibility</p:attrName>
+                                        </p:attrNameLst>
+                                      </p:cBhvr>
+                                      <p:to>
+                                        <p:strVal val="visible"/>
+                                      </p:to>
+                                    </p:set>
+                                    <p:animEffect transition="in" filter="fade">
+                                      <p:cBhvr>
+                                        <p:cTn id="10" dur="500"/>
+                                        <p:tgtEl>
+                                          <p:spTgt spid="19"/>
+                                        </p:tgtEl>
+                                      </p:cBhvr>
+                                    </p:animEffect>
+                                  </p:childTnLst>
+                                </p:cTn>
+                              </p:par>
+                              <p:par>
+                                <p:cTn id="11" presetID="10" presetClass="entr" presetSubtype="0" fill="hold" grpId="0" nodeType="withEffect">
+                                  <p:stCondLst>
+                                    <p:cond delay="0"/>
+                                  </p:stCondLst>
+                                  <p:childTnLst>
+                                    <p:set>
+                                      <p:cBhvr>
+                                        <p:cTn id="12" dur="1" fill="hold">
+                                          <p:stCondLst>
+                                            <p:cond delay="0"/>
+                                          </p:stCondLst>
+                                        </p:cTn>
+                                        <p:tgtEl>
+                                          <p:spTgt spid="22"/>
+                                        </p:tgtEl>
+                                        <p:attrNameLst>
+                                          <p:attrName>style.visibility</p:attrName>
+                                        </p:attrNameLst>
+                                      </p:cBhvr>
+                                      <p:to>
+                                        <p:strVal val="visible"/>
+                                      </p:to>
+                                    </p:set>
+                                    <p:animEffect transition="in" filter="fade">
+                                      <p:cBhvr>
+                                        <p:cTn id="13" dur="500"/>
+                                        <p:tgtEl>
+                                          <p:spTgt spid="22"/>
+                                        </p:tgtEl>
+                                      </p:cBhvr>
+                                    </p:animEffect>
+                                  </p:childTnLst>
+                                </p:cTn>
+                              </p:par>
+                              <p:par>
+                                <p:cTn id="14" presetID="10" presetClass="entr" presetSubtype="0" fill="hold" grpId="0" nodeType="withEffect">
+                                  <p:stCondLst>
+                                    <p:cond delay="0"/>
+                                  </p:stCondLst>
+                                  <p:childTnLst>
+                                    <p:set>
+                                      <p:cBhvr>
+                                        <p:cTn id="15" dur="1" fill="hold">
+                                          <p:stCondLst>
+                                            <p:cond delay="0"/>
+                                          </p:stCondLst>
+                                        </p:cTn>
+                                        <p:tgtEl>
+                                          <p:spTgt spid="23"/>
+                                        </p:tgtEl>
+                                        <p:attrNameLst>
+                                          <p:attrName>style.visibility</p:attrName>
+                                        </p:attrNameLst>
+                                      </p:cBhvr>
+                                      <p:to>
+                                        <p:strVal val="visible"/>
+                                      </p:to>
+                                    </p:set>
+                                    <p:animEffect transition="in" filter="fade">
+                                      <p:cBhvr>
+                                        <p:cTn id="16" dur="500"/>
+                                        <p:tgtEl>
+                                          <p:spTgt spid="23"/>
+                                        </p:tgtEl>
+                                      </p:cBhvr>
+                                    </p:animEffect>
+                                  </p:childTnLst>
+                                </p:cTn>
+                              </p:par>
+                              <p:par>
+                                <p:cTn id="17" presetID="10" presetClass="entr" presetSubtype="0" fill="hold" grpId="0" nodeType="withEffect">
+                                  <p:stCondLst>
+                                    <p:cond delay="0"/>
+                                  </p:stCondLst>
+                                  <p:childTnLst>
+                                    <p:set>
+                                      <p:cBhvr>
+                                        <p:cTn id="18" dur="1" fill="hold">
+                                          <p:stCondLst>
+                                            <p:cond delay="0"/>
+                                          </p:stCondLst>
+                                        </p:cTn>
+                                        <p:tgtEl>
+                                          <p:spTgt spid="24"/>
+                                        </p:tgtEl>
+                                        <p:attrNameLst>
+                                          <p:attrName>style.visibility</p:attrName>
+                                        </p:attrNameLst>
+                                      </p:cBhvr>
+                                      <p:to>
+                                        <p:strVal val="visible"/>
+                                      </p:to>
+                                    </p:set>
+                                    <p:animEffect transition="in" filter="fade">
+                                      <p:cBhvr>
+                                        <p:cTn id="19" dur="500"/>
+                                        <p:tgtEl>
+                                          <p:spTgt spid="24"/>
+                                        </p:tgtEl>
+                                      </p:cBhvr>
+                                    </p:animEffect>
+                                  </p:childTnLst>
+                                </p:cTn>
+                              </p:par>
+                            </p:childTnLst>
+                          </p:cTn>
+                        </p:par>
+                      </p:childTnLst>
+                    </p:cTn>
+                  </p:par>
+                </p:childTnLst>
+              </p:cTn>
+              <p:prevCondLst>
+                <p:cond evt="onPrev" delay="0">
+                  <p:tgtEl>
+                    <p:sldTgt/>
+                  </p:tgtEl>
+                </p:cond>
+              </p:prevCondLst>
+              <p:nextCondLst>
+                <p:cond evt="onNext" delay="0">
+                  <p:tgtEl>
+                    <p:sldTgt/>
+                  </p:tgtEl>
+                </p:cond>
+              </p:nextCondLst>
+            </p:seq>
+          </p:childTnLst>
+        </p:cTn>
+      </p:par>
+    </p:tnLst>
+    <p:bldLst>
+      <p:bldP spid="18" grpId="0" animBg="1"/>
+      <p:bldP spid="19" grpId="0" animBg="1"/>
+      <p:bldP spid="22" grpId="0" animBg="1"/>
+      <p:bldP spid="23" grpId="0" animBg="1"/>
+      <p:bldP spid="24" grpId="0" animBg="1"/>
+    </p:bldLst>
+  </p:timing>
+</p:sld>
+</file>
+
+<file path=ppt/slides/slide31.xml><?xml version="1.0" encoding="utf-8"?>
+<p:sld xmlns:a="http://schemas.openxmlformats.org/drawingml/2006/main" xmlns:r="http://schemas.openxmlformats.org/officeDocument/2006/relationships" xmlns:p="http://schemas.openxmlformats.org/presentationml/2006/main">
+  <p:cSld>
+    <p:spTree>
+      <p:nvGrpSpPr>
+        <p:cNvPr id="1" name=""/>
+        <p:cNvGrpSpPr/>
+        <p:nvPr/>
+      </p:nvGrpSpPr>
+      <p:grpSpPr>
+        <a:xfrm>
+          <a:off x="0" y="0"/>
+          <a:ext cx="0" cy="0"/>
+          <a:chOff x="0" y="0"/>
+          <a:chExt cx="0" cy="0"/>
+        </a:xfrm>
+      </p:grpSpPr>
+      <p:sp>
+        <p:nvSpPr>
+          <p:cNvPr id="2" name="Title 1"/>
+          <p:cNvSpPr>
+            <a:spLocks noGrp="1"/>
+          </p:cNvSpPr>
+          <p:nvPr>
+            <p:ph type="title"/>
+          </p:nvPr>
+        </p:nvSpPr>
+        <p:spPr/>
+        <p:txBody>
+          <a:bodyPr/>
+          <a:lstStyle/>
+          <a:p>
+            <a:r>
+              <a:rPr lang="en-US" dirty="0" smtClean="0"/>
               <a:t>RSP successfully mitigates probability of failure.</a:t>
             </a:r>
             <a:endParaRPr lang="en-US" dirty="0"/>
@@ -15205,7 +20135,7 @@
           <a:p>
             <a:fld id="{33354F1C-279F-4CB4-87B8-AE06E5B6B501}" type="datetime1">
               <a:rPr lang="en-US" smtClean="0"/>
-              <a:t>4/30/2019</a:t>
+              <a:t>5/3/2019</a:t>
             </a:fld>
             <a:endParaRPr lang="en-US"/>
           </a:p>
@@ -15228,7 +20158,7 @@
           <a:p>
             <a:fld id="{ECECBB7F-FEC3-4D28-B490-4AD11841E35E}" type="slidenum">
               <a:rPr lang="en-US" smtClean="0"/>
-              <a:t>28</a:t>
+              <a:t>31</a:t>
             </a:fld>
             <a:endParaRPr lang="en-US"/>
           </a:p>
@@ -15395,7 +20325,7 @@
             </a:r>
             <a:r>
               <a:rPr lang="en-US" sz="2600" dirty="0" smtClean="0"/>
-              <a:t> = 1, the elliptical design spends 14% less fuel than the box design (margins), while protecting against the same uncertainty! </a:t>
+              <a:t> = 1, the elliptical design spends 14% less fuel than the box design, while protecting against the same uncertainty! </a:t>
             </a:r>
             <a:endParaRPr lang="en-US" sz="2600" dirty="0"/>
           </a:p>
@@ -15421,303 +20351,7 @@
 </p:sld>
 </file>
 
-<file path=ppt/slides/slide29.xml><?xml version="1.0" encoding="utf-8"?>
-<p:sld xmlns:a="http://schemas.openxmlformats.org/drawingml/2006/main" xmlns:r="http://schemas.openxmlformats.org/officeDocument/2006/relationships" xmlns:p="http://schemas.openxmlformats.org/presentationml/2006/main">
-  <p:cSld>
-    <p:spTree>
-      <p:nvGrpSpPr>
-        <p:cNvPr id="1" name=""/>
-        <p:cNvGrpSpPr/>
-        <p:nvPr/>
-      </p:nvGrpSpPr>
-      <p:grpSpPr>
-        <a:xfrm>
-          <a:off x="0" y="0"/>
-          <a:ext cx="0" cy="0"/>
-          <a:chOff x="0" y="0"/>
-          <a:chExt cx="0" cy="0"/>
-        </a:xfrm>
-      </p:grpSpPr>
-      <p:sp>
-        <p:nvSpPr>
-          <p:cNvPr id="4" name="Date Placeholder 3"/>
-          <p:cNvSpPr>
-            <a:spLocks noGrp="1"/>
-          </p:cNvSpPr>
-          <p:nvPr>
-            <p:ph type="dt" sz="half" idx="10"/>
-          </p:nvPr>
-        </p:nvSpPr>
-        <p:spPr/>
-        <p:txBody>
-          <a:bodyPr/>
-          <a:lstStyle/>
-          <a:p>
-            <a:fld id="{DF3666C2-D4E3-4220-B5E4-E2A7632DABCB}" type="datetime1">
-              <a:rPr lang="en-US" smtClean="0"/>
-              <a:t>4/30/2019</a:t>
-            </a:fld>
-            <a:endParaRPr lang="en-US"/>
-          </a:p>
-        </p:txBody>
-      </p:sp>
-      <p:sp>
-        <p:nvSpPr>
-          <p:cNvPr id="5" name="Slide Number Placeholder 4"/>
-          <p:cNvSpPr>
-            <a:spLocks noGrp="1"/>
-          </p:cNvSpPr>
-          <p:nvPr>
-            <p:ph type="sldNum" sz="quarter" idx="12"/>
-          </p:nvPr>
-        </p:nvSpPr>
-        <p:spPr/>
-        <p:txBody>
-          <a:bodyPr/>
-          <a:lstStyle/>
-          <a:p>
-            <a:fld id="{ECECBB7F-FEC3-4D28-B490-4AD11841E35E}" type="slidenum">
-              <a:rPr lang="en-US" smtClean="0"/>
-              <a:t>29</a:t>
-            </a:fld>
-            <a:endParaRPr lang="en-US"/>
-          </a:p>
-        </p:txBody>
-      </p:sp>
-      <p:pic>
-        <p:nvPicPr>
-          <p:cNvPr id="12" name="Picture 11"/>
-          <p:cNvPicPr>
-            <a:picLocks noChangeAspect="1"/>
-          </p:cNvPicPr>
-          <p:nvPr/>
-        </p:nvPicPr>
-        <p:blipFill>
-          <a:blip r:embed="rId3"/>
-          <a:stretch>
-            <a:fillRect/>
-          </a:stretch>
-        </p:blipFill>
-        <p:spPr>
-          <a:xfrm>
-            <a:off x="10036008" y="1376145"/>
-            <a:ext cx="2000405" cy="3667409"/>
-          </a:xfrm>
-          <a:prstGeom prst="rect">
-            <a:avLst/>
-          </a:prstGeom>
-        </p:spPr>
-      </p:pic>
-      <p:pic>
-        <p:nvPicPr>
-          <p:cNvPr id="11" name="Picture 10"/>
-          <p:cNvPicPr>
-            <a:picLocks noChangeAspect="1"/>
-          </p:cNvPicPr>
-          <p:nvPr/>
-        </p:nvPicPr>
-        <p:blipFill>
-          <a:blip r:embed="rId4"/>
-          <a:stretch>
-            <a:fillRect/>
-          </a:stretch>
-        </p:blipFill>
-        <p:spPr>
-          <a:xfrm>
-            <a:off x="9164856" y="1434539"/>
-            <a:ext cx="1688514" cy="3570616"/>
-          </a:xfrm>
-          <a:prstGeom prst="rect">
-            <a:avLst/>
-          </a:prstGeom>
-        </p:spPr>
-      </p:pic>
-      <p:pic>
-        <p:nvPicPr>
-          <p:cNvPr id="10" name="Picture 9"/>
-          <p:cNvPicPr>
-            <a:picLocks noChangeAspect="1"/>
-          </p:cNvPicPr>
-          <p:nvPr/>
-        </p:nvPicPr>
-        <p:blipFill>
-          <a:blip r:embed="rId5"/>
-          <a:stretch>
-            <a:fillRect/>
-          </a:stretch>
-        </p:blipFill>
-        <p:spPr>
-          <a:xfrm>
-            <a:off x="8089393" y="1611103"/>
-            <a:ext cx="1484172" cy="3253347"/>
-          </a:xfrm>
-          <a:prstGeom prst="rect">
-            <a:avLst/>
-          </a:prstGeom>
-        </p:spPr>
-      </p:pic>
-      <p:pic>
-        <p:nvPicPr>
-          <p:cNvPr id="3" name="Picture 2"/>
-          <p:cNvPicPr>
-            <a:picLocks noChangeAspect="1"/>
-          </p:cNvPicPr>
-          <p:nvPr/>
-        </p:nvPicPr>
-        <p:blipFill>
-          <a:blip r:embed="rId6"/>
-          <a:stretch>
-            <a:fillRect/>
-          </a:stretch>
-        </p:blipFill>
-        <p:spPr>
-          <a:xfrm>
-            <a:off x="-34736" y="856647"/>
-            <a:ext cx="8584746" cy="5256288"/>
-          </a:xfrm>
-          <a:prstGeom prst="rect">
-            <a:avLst/>
-          </a:prstGeom>
-        </p:spPr>
-      </p:pic>
-    </p:spTree>
-    <p:extLst>
-      <p:ext uri="{BB962C8B-B14F-4D97-AF65-F5344CB8AC3E}">
-        <p14:creationId xmlns:p14="http://schemas.microsoft.com/office/powerpoint/2010/main" val="4255888491"/>
-      </p:ext>
-    </p:extLst>
-  </p:cSld>
-  <p:clrMapOvr>
-    <a:masterClrMapping/>
-  </p:clrMapOvr>
-  <p:timing>
-    <p:tnLst>
-      <p:par>
-        <p:cTn id="1" dur="indefinite" restart="never" nodeType="tmRoot"/>
-      </p:par>
-    </p:tnLst>
-  </p:timing>
-</p:sld>
-</file>
-
-<file path=ppt/slides/slide3.xml><?xml version="1.0" encoding="utf-8"?>
-<p:sld xmlns:a="http://schemas.openxmlformats.org/drawingml/2006/main" xmlns:r="http://schemas.openxmlformats.org/officeDocument/2006/relationships" xmlns:p="http://schemas.openxmlformats.org/presentationml/2006/main">
-  <p:cSld>
-    <p:spTree>
-      <p:nvGrpSpPr>
-        <p:cNvPr id="1" name=""/>
-        <p:cNvGrpSpPr/>
-        <p:nvPr/>
-      </p:nvGrpSpPr>
-      <p:grpSpPr>
-        <a:xfrm>
-          <a:off x="0" y="0"/>
-          <a:ext cx="0" cy="0"/>
-          <a:chOff x="0" y="0"/>
-          <a:chExt cx="0" cy="0"/>
-        </a:xfrm>
-      </p:grpSpPr>
-      <p:sp>
-        <p:nvSpPr>
-          <p:cNvPr id="2" name="Title 1"/>
-          <p:cNvSpPr>
-            <a:spLocks noGrp="1"/>
-          </p:cNvSpPr>
-          <p:nvPr>
-            <p:ph type="title"/>
-          </p:nvPr>
-        </p:nvSpPr>
-        <p:spPr/>
-        <p:txBody>
-          <a:bodyPr/>
-          <a:lstStyle/>
-          <a:p>
-            <a:r>
-              <a:rPr lang="en-US" dirty="0" smtClean="0"/>
-              <a:t>Motivating Conceptual Design </a:t>
-            </a:r>
-            <a:br>
-              <a:rPr lang="en-US" dirty="0" smtClean="0"/>
-            </a:br>
-            <a:r>
-              <a:rPr lang="en-US" dirty="0"/>
-              <a:t>	</a:t>
-            </a:r>
-            <a:r>
-              <a:rPr lang="en-US" dirty="0" smtClean="0"/>
-              <a:t>			under uncertainty</a:t>
-            </a:r>
-            <a:endParaRPr lang="en-US" dirty="0"/>
-          </a:p>
-        </p:txBody>
-      </p:sp>
-      <p:sp>
-        <p:nvSpPr>
-          <p:cNvPr id="4" name="Date Placeholder 3"/>
-          <p:cNvSpPr>
-            <a:spLocks noGrp="1"/>
-          </p:cNvSpPr>
-          <p:nvPr>
-            <p:ph type="dt" sz="half" idx="10"/>
-          </p:nvPr>
-        </p:nvSpPr>
-        <p:spPr/>
-        <p:txBody>
-          <a:bodyPr/>
-          <a:lstStyle/>
-          <a:p>
-            <a:fld id="{2CD7CDF9-E63A-4498-875F-EBA423FDEFBC}" type="datetime1">
-              <a:rPr lang="en-US" smtClean="0"/>
-              <a:t>4/30/2019</a:t>
-            </a:fld>
-            <a:endParaRPr lang="en-US"/>
-          </a:p>
-        </p:txBody>
-      </p:sp>
-      <p:sp>
-        <p:nvSpPr>
-          <p:cNvPr id="5" name="Slide Number Placeholder 4"/>
-          <p:cNvSpPr>
-            <a:spLocks noGrp="1"/>
-          </p:cNvSpPr>
-          <p:nvPr>
-            <p:ph type="sldNum" sz="quarter" idx="12"/>
-          </p:nvPr>
-        </p:nvSpPr>
-        <p:spPr/>
-        <p:txBody>
-          <a:bodyPr/>
-          <a:lstStyle/>
-          <a:p>
-            <a:fld id="{ECECBB7F-FEC3-4D28-B490-4AD11841E35E}" type="slidenum">
-              <a:rPr lang="en-US" smtClean="0"/>
-              <a:t>3</a:t>
-            </a:fld>
-            <a:endParaRPr lang="en-US"/>
-          </a:p>
-        </p:txBody>
-      </p:sp>
-    </p:spTree>
-    <p:extLst>
-      <p:ext uri="{BB962C8B-B14F-4D97-AF65-F5344CB8AC3E}">
-        <p14:creationId xmlns:p14="http://schemas.microsoft.com/office/powerpoint/2010/main" val="3590512602"/>
-      </p:ext>
-    </p:extLst>
-  </p:cSld>
-  <p:clrMapOvr>
-    <a:masterClrMapping/>
-  </p:clrMapOvr>
-  <p:timing>
-    <p:tnLst>
-      <p:par>
-        <p:cTn id="1" dur="indefinite" restart="never" nodeType="tmRoot"/>
-      </p:par>
-    </p:tnLst>
-  </p:timing>
-</p:sld>
-</file>
-
-<file path=ppt/slides/slide30.xml><?xml version="1.0" encoding="utf-8"?>
+<file path=ppt/slides/slide32.xml><?xml version="1.0" encoding="utf-8"?>
 <p:sld xmlns:a="http://schemas.openxmlformats.org/drawingml/2006/main" xmlns:r="http://schemas.openxmlformats.org/officeDocument/2006/relationships" xmlns:p="http://schemas.openxmlformats.org/presentationml/2006/main">
   <p:cSld>
     <p:spTree>
@@ -15806,7 +20440,7 @@
           <a:p>
             <a:fld id="{DF3666C2-D4E3-4220-B5E4-E2A7632DABCB}" type="datetime1">
               <a:rPr lang="en-US" smtClean="0"/>
-              <a:t>4/30/2019</a:t>
+              <a:t>5/3/2019</a:t>
             </a:fld>
             <a:endParaRPr lang="en-US"/>
           </a:p>
@@ -15829,7 +20463,7 @@
           <a:p>
             <a:fld id="{ECECBB7F-FEC3-4D28-B490-4AD11841E35E}" type="slidenum">
               <a:rPr lang="en-US" smtClean="0"/>
-              <a:t>30</a:t>
+              <a:t>32</a:t>
             </a:fld>
             <a:endParaRPr lang="en-US"/>
           </a:p>
@@ -16075,6 +20709,98 @@
           <a:xfrm>
             <a:off x="2353730" y="3699967"/>
             <a:ext cx="8517467" cy="203201"/>
+          </a:xfrm>
+          <a:prstGeom prst="rect">
+            <a:avLst/>
+          </a:prstGeom>
+          <a:noFill/>
+          <a:ln>
+            <a:solidFill>
+              <a:srgbClr val="FFC000"/>
+            </a:solidFill>
+          </a:ln>
+        </p:spPr>
+        <p:style>
+          <a:lnRef idx="2">
+            <a:schemeClr val="accent1">
+              <a:shade val="50000"/>
+            </a:schemeClr>
+          </a:lnRef>
+          <a:fillRef idx="1">
+            <a:schemeClr val="accent1"/>
+          </a:fillRef>
+          <a:effectRef idx="0">
+            <a:schemeClr val="accent1"/>
+          </a:effectRef>
+          <a:fontRef idx="minor">
+            <a:schemeClr val="lt1"/>
+          </a:fontRef>
+        </p:style>
+        <p:txBody>
+          <a:bodyPr rtlCol="0" anchor="ctr"/>
+          <a:lstStyle/>
+          <a:p>
+            <a:pPr algn="ctr"/>
+            <a:endParaRPr lang="en-US"/>
+          </a:p>
+        </p:txBody>
+      </p:sp>
+      <p:sp>
+        <p:nvSpPr>
+          <p:cNvPr id="12" name="Rectangle 11"/>
+          <p:cNvSpPr/>
+          <p:nvPr/>
+        </p:nvSpPr>
+        <p:spPr>
+          <a:xfrm>
+            <a:off x="898552" y="3181576"/>
+            <a:ext cx="1302772" cy="230484"/>
+          </a:xfrm>
+          <a:prstGeom prst="rect">
+            <a:avLst/>
+          </a:prstGeom>
+          <a:noFill/>
+          <a:ln>
+            <a:solidFill>
+              <a:srgbClr val="FFC000"/>
+            </a:solidFill>
+          </a:ln>
+        </p:spPr>
+        <p:style>
+          <a:lnRef idx="2">
+            <a:schemeClr val="accent1">
+              <a:shade val="50000"/>
+            </a:schemeClr>
+          </a:lnRef>
+          <a:fillRef idx="1">
+            <a:schemeClr val="accent1"/>
+          </a:fillRef>
+          <a:effectRef idx="0">
+            <a:schemeClr val="accent1"/>
+          </a:effectRef>
+          <a:fontRef idx="minor">
+            <a:schemeClr val="lt1"/>
+          </a:fontRef>
+        </p:style>
+        <p:txBody>
+          <a:bodyPr rtlCol="0" anchor="ctr"/>
+          <a:lstStyle/>
+          <a:p>
+            <a:pPr algn="ctr"/>
+            <a:endParaRPr lang="en-US"/>
+          </a:p>
+        </p:txBody>
+      </p:sp>
+      <p:sp>
+        <p:nvSpPr>
+          <p:cNvPr id="17" name="Rectangle 16"/>
+          <p:cNvSpPr/>
+          <p:nvPr/>
+        </p:nvSpPr>
+        <p:spPr>
+          <a:xfrm>
+            <a:off x="2353730" y="3181576"/>
+            <a:ext cx="8737255" cy="230484"/>
           </a:xfrm>
           <a:prstGeom prst="rect">
             <a:avLst/>
@@ -16412,7 +21138,7 @@
                             </p:stCondLst>
                             <p:childTnLst>
                               <p:par>
-                                <p:cTn id="27" presetID="1" presetClass="exit" presetSubtype="0" fill="hold" grpId="1" nodeType="clickEffect">
+                                <p:cTn id="27" presetID="1" presetClass="entr" presetSubtype="0" fill="hold" grpId="0" nodeType="clickEffect">
                                   <p:stCondLst>
                                     <p:cond delay="0"/>
                                   </p:stCondLst>
@@ -16420,6 +21146,78 @@
                                     <p:set>
                                       <p:cBhvr>
                                         <p:cTn id="28" dur="1" fill="hold">
+                                          <p:stCondLst>
+                                            <p:cond delay="0"/>
+                                          </p:stCondLst>
+                                        </p:cTn>
+                                        <p:tgtEl>
+                                          <p:spTgt spid="12"/>
+                                        </p:tgtEl>
+                                        <p:attrNameLst>
+                                          <p:attrName>style.visibility</p:attrName>
+                                        </p:attrNameLst>
+                                      </p:cBhvr>
+                                      <p:to>
+                                        <p:strVal val="visible"/>
+                                      </p:to>
+                                    </p:set>
+                                  </p:childTnLst>
+                                </p:cTn>
+                              </p:par>
+                              <p:par>
+                                <p:cTn id="29" presetID="1" presetClass="entr" presetSubtype="0" fill="hold" grpId="0" nodeType="withEffect">
+                                  <p:stCondLst>
+                                    <p:cond delay="0"/>
+                                  </p:stCondLst>
+                                  <p:childTnLst>
+                                    <p:set>
+                                      <p:cBhvr>
+                                        <p:cTn id="30" dur="1" fill="hold">
+                                          <p:stCondLst>
+                                            <p:cond delay="0"/>
+                                          </p:stCondLst>
+                                        </p:cTn>
+                                        <p:tgtEl>
+                                          <p:spTgt spid="17"/>
+                                        </p:tgtEl>
+                                        <p:attrNameLst>
+                                          <p:attrName>style.visibility</p:attrName>
+                                        </p:attrNameLst>
+                                      </p:cBhvr>
+                                      <p:to>
+                                        <p:strVal val="visible"/>
+                                      </p:to>
+                                    </p:set>
+                                  </p:childTnLst>
+                                </p:cTn>
+                              </p:par>
+                            </p:childTnLst>
+                          </p:cTn>
+                        </p:par>
+                      </p:childTnLst>
+                    </p:cTn>
+                  </p:par>
+                  <p:par>
+                    <p:cTn id="31" fill="hold">
+                      <p:stCondLst>
+                        <p:cond delay="indefinite"/>
+                      </p:stCondLst>
+                      <p:childTnLst>
+                        <p:par>
+                          <p:cTn id="32" fill="hold">
+                            <p:stCondLst>
+                              <p:cond delay="0"/>
+                            </p:stCondLst>
+                            <p:childTnLst>
+                              <p:par>
+                                <p:cTn id="33" presetID="1" presetClass="exit" presetSubtype="0" fill="hold" grpId="1" nodeType="clickEffect">
+                                  <p:stCondLst>
+                                    <p:cond delay="0"/>
+                                  </p:stCondLst>
+                                  <p:childTnLst>
+                                    <p:set>
+                                      <p:cBhvr>
+                                        <p:cTn id="34" dur="1" fill="hold">
                                           <p:stCondLst>
                                             <p:cond delay="0"/>
                                           </p:stCondLst>
@@ -16439,14 +21237,14 @@
                                 </p:cTn>
                               </p:par>
                               <p:par>
-                                <p:cTn id="29" presetID="1" presetClass="exit" presetSubtype="0" fill="hold" grpId="1" nodeType="withEffect">
+                                <p:cTn id="35" presetID="1" presetClass="exit" presetSubtype="0" fill="hold" grpId="1" nodeType="withEffect">
                                   <p:stCondLst>
                                     <p:cond delay="0"/>
                                   </p:stCondLst>
                                   <p:childTnLst>
                                     <p:set>
                                       <p:cBhvr>
-                                        <p:cTn id="30" dur="1" fill="hold">
+                                        <p:cTn id="36" dur="1" fill="hold">
                                           <p:stCondLst>
                                             <p:cond delay="0"/>
                                           </p:stCondLst>
@@ -16466,14 +21264,14 @@
                                 </p:cTn>
                               </p:par>
                               <p:par>
-                                <p:cTn id="31" presetID="1" presetClass="exit" presetSubtype="0" fill="hold" grpId="1" nodeType="withEffect">
+                                <p:cTn id="37" presetID="1" presetClass="exit" presetSubtype="0" fill="hold" grpId="1" nodeType="withEffect">
                                   <p:stCondLst>
                                     <p:cond delay="0"/>
                                   </p:stCondLst>
                                   <p:childTnLst>
                                     <p:set>
                                       <p:cBhvr>
-                                        <p:cTn id="32" dur="1" fill="hold">
+                                        <p:cTn id="38" dur="1" fill="hold">
                                           <p:stCondLst>
                                             <p:cond delay="0"/>
                                           </p:stCondLst>
@@ -16493,20 +21291,74 @@
                                 </p:cTn>
                               </p:par>
                               <p:par>
-                                <p:cTn id="33" presetID="1" presetClass="exit" presetSubtype="0" fill="hold" grpId="1" nodeType="withEffect">
+                                <p:cTn id="39" presetID="1" presetClass="exit" presetSubtype="0" fill="hold" grpId="1" nodeType="withEffect">
                                   <p:stCondLst>
                                     <p:cond delay="0"/>
                                   </p:stCondLst>
                                   <p:childTnLst>
                                     <p:set>
                                       <p:cBhvr>
-                                        <p:cTn id="34" dur="1" fill="hold">
+                                        <p:cTn id="40" dur="1" fill="hold">
                                           <p:stCondLst>
                                             <p:cond delay="0"/>
                                           </p:stCondLst>
                                         </p:cTn>
                                         <p:tgtEl>
                                           <p:spTgt spid="16"/>
+                                        </p:tgtEl>
+                                        <p:attrNameLst>
+                                          <p:attrName>style.visibility</p:attrName>
+                                        </p:attrNameLst>
+                                      </p:cBhvr>
+                                      <p:to>
+                                        <p:strVal val="hidden"/>
+                                      </p:to>
+                                    </p:set>
+                                  </p:childTnLst>
+                                </p:cTn>
+                              </p:par>
+                              <p:par>
+                                <p:cTn id="41" presetID="1" presetClass="exit" presetSubtype="0" fill="hold" grpId="1" nodeType="withEffect">
+                                  <p:stCondLst>
+                                    <p:cond delay="0"/>
+                                  </p:stCondLst>
+                                  <p:childTnLst>
+                                    <p:set>
+                                      <p:cBhvr>
+                                        <p:cTn id="42" dur="1" fill="hold">
+                                          <p:stCondLst>
+                                            <p:cond delay="0"/>
+                                          </p:stCondLst>
+                                        </p:cTn>
+                                        <p:tgtEl>
+                                          <p:spTgt spid="12"/>
+                                        </p:tgtEl>
+                                        <p:attrNameLst>
+                                          <p:attrName>style.visibility</p:attrName>
+                                        </p:attrNameLst>
+                                      </p:cBhvr>
+                                      <p:to>
+                                        <p:strVal val="hidden"/>
+                                      </p:to>
+                                    </p:set>
+                                  </p:childTnLst>
+                                </p:cTn>
+                              </p:par>
+                              <p:par>
+                                <p:cTn id="43" presetID="1" presetClass="exit" presetSubtype="0" fill="hold" grpId="1" nodeType="withEffect">
+                                  <p:stCondLst>
+                                    <p:cond delay="0"/>
+                                  </p:stCondLst>
+                                  <p:childTnLst>
+                                    <p:set>
+                                      <p:cBhvr>
+                                        <p:cTn id="44" dur="1" fill="hold">
+                                          <p:stCondLst>
+                                            <p:cond delay="0"/>
+                                          </p:stCondLst>
+                                        </p:cTn>
+                                        <p:tgtEl>
+                                          <p:spTgt spid="17"/>
                                         </p:tgtEl>
                                         <p:attrNameLst>
                                           <p:attrName>style.visibility</p:attrName>
@@ -16559,12 +21411,16 @@
       <p:bldP spid="15" grpId="1" animBg="1"/>
       <p:bldP spid="16" grpId="0" animBg="1"/>
       <p:bldP spid="16" grpId="1" animBg="1"/>
+      <p:bldP spid="12" grpId="0" animBg="1"/>
+      <p:bldP spid="12" grpId="1" animBg="1"/>
+      <p:bldP spid="17" grpId="0" animBg="1"/>
+      <p:bldP spid="17" grpId="1" animBg="1"/>
     </p:bldLst>
   </p:timing>
 </p:sld>
 </file>
 
-<file path=ppt/slides/slide31.xml><?xml version="1.0" encoding="utf-8"?>
+<file path=ppt/slides/slide33.xml><?xml version="1.0" encoding="utf-8"?>
 <p:sld xmlns:a="http://schemas.openxmlformats.org/drawingml/2006/main" xmlns:r="http://schemas.openxmlformats.org/officeDocument/2006/relationships" xmlns:p="http://schemas.openxmlformats.org/presentationml/2006/main">
   <p:cSld>
     <p:spTree>
@@ -16669,14 +21525,24 @@
         </p:nvSpPr>
         <p:spPr/>
         <p:txBody>
-          <a:bodyPr/>
-          <a:lstStyle/>
-          <a:p>
-            <a:r>
-              <a:rPr lang="en-US" dirty="0" smtClean="0"/>
-              <a:t>Considering correlated objectives</a:t>
-            </a:r>
-            <a:endParaRPr lang="en-US" dirty="0"/>
+          <a:bodyPr>
+            <a:noAutofit/>
+          </a:bodyPr>
+          <a:lstStyle/>
+          <a:p>
+            <a:r>
+              <a:rPr lang="en-US" sz="3600" dirty="0" smtClean="0"/>
+              <a:t>Understanding </a:t>
+            </a:r>
+            <a:r>
+              <a:rPr lang="en-US" sz="3600" dirty="0" err="1" smtClean="0"/>
+              <a:t>multiobjective</a:t>
+            </a:r>
+            <a:r>
+              <a:rPr lang="en-US" sz="3600" dirty="0" smtClean="0"/>
+              <a:t> tradeoffs is key to risk mitigation.  </a:t>
+            </a:r>
+            <a:endParaRPr lang="en-US" sz="3600" dirty="0"/>
           </a:p>
         </p:txBody>
       </p:sp>
@@ -16697,7 +21563,7 @@
           <a:p>
             <a:fld id="{DF3666C2-D4E3-4220-B5E4-E2A7632DABCB}" type="datetime1">
               <a:rPr lang="en-US" smtClean="0"/>
-              <a:t>4/30/2019</a:t>
+              <a:t>5/3/2019</a:t>
             </a:fld>
             <a:endParaRPr lang="en-US"/>
           </a:p>
@@ -16720,7 +21586,7 @@
           <a:p>
             <a:fld id="{ECECBB7F-FEC3-4D28-B490-4AD11841E35E}" type="slidenum">
               <a:rPr lang="en-US" smtClean="0"/>
-              <a:t>31</a:t>
+              <a:t>33</a:t>
             </a:fld>
             <a:endParaRPr lang="en-US"/>
           </a:p>
@@ -16746,7 +21612,7 @@
 </p:sld>
 </file>
 
-<file path=ppt/slides/slide32.xml><?xml version="1.0" encoding="utf-8"?>
+<file path=ppt/slides/slide34.xml><?xml version="1.0" encoding="utf-8"?>
 <p:sld xmlns:a="http://schemas.openxmlformats.org/drawingml/2006/main" xmlns:r="http://schemas.openxmlformats.org/officeDocument/2006/relationships" xmlns:p="http://schemas.openxmlformats.org/presentationml/2006/main">
   <p:cSld>
     <p:spTree>
@@ -16829,7 +21695,7 @@
           <a:p>
             <a:fld id="{82417EC8-E9CC-41A9-AD92-E8AB9F780417}" type="datetime1">
               <a:rPr lang="en-US" smtClean="0"/>
-              <a:t>4/30/2019</a:t>
+              <a:t>5/3/2019</a:t>
             </a:fld>
             <a:endParaRPr lang="en-US"/>
           </a:p>
@@ -16852,7 +21718,7 @@
           <a:p>
             <a:fld id="{ECECBB7F-FEC3-4D28-B490-4AD11841E35E}" type="slidenum">
               <a:rPr lang="en-US" smtClean="0"/>
-              <a:t>32</a:t>
+              <a:t>34</a:t>
             </a:fld>
             <a:endParaRPr lang="en-US"/>
           </a:p>
@@ -17054,7 +21920,7 @@
         </p:blipFill>
         <p:spPr>
           <a:xfrm>
-            <a:off x="6406092" y="4649159"/>
+            <a:off x="6406092" y="4772845"/>
             <a:ext cx="5382682" cy="752195"/>
           </a:xfrm>
           <a:prstGeom prst="rect">
@@ -17208,7 +22074,7 @@
 </p:sld>
 </file>
 
-<file path=ppt/slides/slide33.xml><?xml version="1.0" encoding="utf-8"?>
+<file path=ppt/slides/slide35.xml><?xml version="1.0" encoding="utf-8"?>
 <p:sld xmlns:a="http://schemas.openxmlformats.org/drawingml/2006/main" xmlns:r="http://schemas.openxmlformats.org/officeDocument/2006/relationships" xmlns:p="http://schemas.openxmlformats.org/presentationml/2006/main">
   <p:cSld>
     <p:spTree>
@@ -17275,36 +22141,19 @@
               <a:rPr lang="en-US" dirty="0" smtClean="0"/>
               <a:t>Demonstration of </a:t>
             </a:r>
-            <a:endParaRPr lang="en-US" dirty="0" smtClean="0"/>
           </a:p>
           <a:p>
             <a:pPr lvl="1"/>
             <a:r>
               <a:rPr lang="en-US" dirty="0" smtClean="0"/>
-              <a:t>Probabilistic </a:t>
-            </a:r>
+              <a:t>Probabilistic guarantees of RSPs</a:t>
+            </a:r>
+          </a:p>
+          <a:p>
+            <a:pPr lvl="1"/>
             <a:r>
               <a:rPr lang="en-US" dirty="0" smtClean="0"/>
-              <a:t>guarantees of RSPs</a:t>
-            </a:r>
-          </a:p>
-          <a:p>
-            <a:pPr lvl="1"/>
-            <a:r>
-              <a:rPr lang="en-US" dirty="0" smtClean="0"/>
-              <a:t>Less </a:t>
-            </a:r>
-            <a:r>
-              <a:rPr lang="en-US" dirty="0" smtClean="0"/>
-              <a:t>conservative designs </a:t>
-            </a:r>
-            <a:r>
-              <a:rPr lang="en-US" dirty="0" smtClean="0"/>
-              <a:t>through RSP than </a:t>
-            </a:r>
-            <a:r>
-              <a:rPr lang="en-US" dirty="0" smtClean="0"/>
-              <a:t>legacy methods</a:t>
+              <a:t>Less conservative designs through RSP than legacy methods</a:t>
             </a:r>
           </a:p>
           <a:p>
@@ -17347,7 +22196,7 @@
           <a:p>
             <a:fld id="{DF3666C2-D4E3-4220-B5E4-E2A7632DABCB}" type="datetime1">
               <a:rPr lang="en-US" smtClean="0"/>
-              <a:t>4/30/2019</a:t>
+              <a:t>5/3/2019</a:t>
             </a:fld>
             <a:endParaRPr lang="en-US"/>
           </a:p>
@@ -17370,7 +22219,7 @@
           <a:p>
             <a:fld id="{ECECBB7F-FEC3-4D28-B490-4AD11841E35E}" type="slidenum">
               <a:rPr lang="en-US" smtClean="0"/>
-              <a:t>33</a:t>
+              <a:t>35</a:t>
             </a:fld>
             <a:endParaRPr lang="en-US"/>
           </a:p>
@@ -17396,7 +22245,7 @@
 </p:sld>
 </file>
 
-<file path=ppt/slides/slide34.xml><?xml version="1.0" encoding="utf-8"?>
+<file path=ppt/slides/slide36.xml><?xml version="1.0" encoding="utf-8"?>
 <p:sld xmlns:a="http://schemas.openxmlformats.org/drawingml/2006/main" xmlns:r="http://schemas.openxmlformats.org/officeDocument/2006/relationships" xmlns:p="http://schemas.openxmlformats.org/presentationml/2006/main">
   <p:cSld>
     <p:spTree>
@@ -17532,7 +22381,7 @@
             <a:fld id="{00000000-1234-1234-1234-123412341234}" type="slidenum">
               <a:rPr lang="en" smtClean="0"/>
               <a:pPr/>
-              <a:t>34</a:t>
+              <a:t>36</a:t>
             </a:fld>
             <a:endParaRPr lang="en"/>
           </a:p>
@@ -17558,7 +22407,7 @@
 </p:sld>
 </file>
 
-<file path=ppt/slides/slide35.xml><?xml version="1.0" encoding="utf-8"?>
+<file path=ppt/slides/slide37.xml><?xml version="1.0" encoding="utf-8"?>
 <p:sld xmlns:a="http://schemas.openxmlformats.org/drawingml/2006/main" xmlns:r="http://schemas.openxmlformats.org/officeDocument/2006/relationships" xmlns:p="http://schemas.openxmlformats.org/presentationml/2006/main">
   <p:cSld>
     <p:spTree>
@@ -17634,7 +22483,7 @@
           <a:p>
             <a:fld id="{2CD7CDF9-E63A-4498-875F-EBA423FDEFBC}" type="datetime1">
               <a:rPr lang="en-US" smtClean="0"/>
-              <a:t>4/30/2019</a:t>
+              <a:t>5/3/2019</a:t>
             </a:fld>
             <a:endParaRPr lang="en-US"/>
           </a:p>
@@ -17657,7 +22506,7 @@
           <a:p>
             <a:fld id="{ECECBB7F-FEC3-4D28-B490-4AD11841E35E}" type="slidenum">
               <a:rPr lang="en-US" smtClean="0"/>
-              <a:t>35</a:t>
+              <a:t>37</a:t>
             </a:fld>
             <a:endParaRPr lang="en-US"/>
           </a:p>
@@ -17673,10 +22522,17 @@
   <p:clrMapOvr>
     <a:masterClrMapping/>
   </p:clrMapOvr>
+  <p:timing>
+    <p:tnLst>
+      <p:par>
+        <p:cTn id="1" dur="indefinite" restart="never" nodeType="tmRoot"/>
+      </p:par>
+    </p:tnLst>
+  </p:timing>
 </p:sld>
 </file>
 
-<file path=ppt/slides/slide36.xml><?xml version="1.0" encoding="utf-8"?>
+<file path=ppt/slides/slide38.xml><?xml version="1.0" encoding="utf-8"?>
 <p:sld xmlns:a="http://schemas.openxmlformats.org/drawingml/2006/main" xmlns:r="http://schemas.openxmlformats.org/officeDocument/2006/relationships" xmlns:p="http://schemas.openxmlformats.org/presentationml/2006/main">
   <p:cSld>
     <p:spTree>
@@ -17733,7 +22589,7 @@
           <a:p>
             <a:fld id="{DF3666C2-D4E3-4220-B5E4-E2A7632DABCB}" type="datetime1">
               <a:rPr lang="en-US" smtClean="0"/>
-              <a:t>4/30/2019</a:t>
+              <a:t>5/3/2019</a:t>
             </a:fld>
             <a:endParaRPr lang="en-US"/>
           </a:p>
@@ -17756,7 +22612,7 @@
           <a:p>
             <a:fld id="{ECECBB7F-FEC3-4D28-B490-4AD11841E35E}" type="slidenum">
               <a:rPr lang="en-US" smtClean="0"/>
-              <a:t>36</a:t>
+              <a:t>38</a:t>
             </a:fld>
             <a:endParaRPr lang="en-US"/>
           </a:p>
@@ -17864,7 +22720,9 @@
           </a:xfrm>
         </p:spPr>
         <p:txBody>
-          <a:bodyPr/>
+          <a:bodyPr>
+            <a:normAutofit/>
+          </a:bodyPr>
           <a:lstStyle/>
           <a:p>
             <a:r>
@@ -17876,7 +22734,14 @@
             </a:br>
             <a:r>
               <a:rPr lang="en-US" dirty="0" smtClean="0"/>
-              <a:t>schedule and cost overruns of aerospace programs?  </a:t>
+              <a:t>schedule and cost explosion</a:t>
+            </a:r>
+            <a:br>
+              <a:rPr lang="en-US" dirty="0" smtClean="0"/>
+            </a:br>
+            <a:r>
+              <a:rPr lang="en-US" dirty="0" smtClean="0"/>
+              <a:t>of aerospace programs?  </a:t>
             </a:r>
             <a:endParaRPr lang="en-US" dirty="0"/>
           </a:p>
@@ -17899,7 +22764,7 @@
           <a:p>
             <a:fld id="{DF3666C2-D4E3-4220-B5E4-E2A7632DABCB}" type="datetime1">
               <a:rPr lang="en-US" smtClean="0"/>
-              <a:t>4/30/2019</a:t>
+              <a:t>5/3/2019</a:t>
             </a:fld>
             <a:endParaRPr lang="en-US"/>
           </a:p>
@@ -17946,6 +22811,30 @@
           <a:xfrm>
             <a:off x="63873" y="412377"/>
             <a:ext cx="7884085" cy="6445624"/>
+          </a:xfrm>
+          <a:prstGeom prst="rect">
+            <a:avLst/>
+          </a:prstGeom>
+        </p:spPr>
+      </p:pic>
+      <p:pic>
+        <p:nvPicPr>
+          <p:cNvPr id="7" name="Picture 6"/>
+          <p:cNvPicPr>
+            <a:picLocks noChangeAspect="1"/>
+          </p:cNvPicPr>
+          <p:nvPr/>
+        </p:nvPicPr>
+        <p:blipFill>
+          <a:blip r:embed="rId4"/>
+          <a:stretch>
+            <a:fillRect/>
+          </a:stretch>
+        </p:blipFill>
+        <p:spPr>
+          <a:xfrm>
+            <a:off x="9347200" y="6143529"/>
+            <a:ext cx="2438400" cy="476250"/>
           </a:xfrm>
           <a:prstGeom prst="rect">
             <a:avLst/>
@@ -18046,7 +22935,7 @@
           <a:p>
             <a:fld id="{DF3666C2-D4E3-4220-B5E4-E2A7632DABCB}" type="datetime1">
               <a:rPr lang="en-US" smtClean="0"/>
-              <a:t>4/30/2019</a:t>
+              <a:t>5/3/2019</a:t>
             </a:fld>
             <a:endParaRPr lang="en-US" dirty="0"/>
           </a:p>
@@ -18343,7 +23232,7 @@
           <a:p>
             <a:fld id="{DF3666C2-D4E3-4220-B5E4-E2A7632DABCB}" type="datetime1">
               <a:rPr lang="en-US" smtClean="0"/>
-              <a:t>4/30/2019</a:t>
+              <a:t>5/3/2019</a:t>
             </a:fld>
             <a:endParaRPr lang="en-US"/>
           </a:p>
@@ -18884,11 +23773,7 @@
           <a:p>
             <a:r>
               <a:rPr lang="en-US" dirty="0" smtClean="0"/>
-              <a:t>No </a:t>
-            </a:r>
-            <a:r>
-              <a:rPr lang="en-US" dirty="0" smtClean="0"/>
-              <a:t>quantitative measures of reliability.</a:t>
+              <a:t>No quantitative measures of reliability.</a:t>
             </a:r>
           </a:p>
           <a:p>
@@ -18923,7 +23808,7 @@
           <a:p>
             <a:fld id="{21C8A796-70F1-4F9E-A3A3-C46D8473184F}" type="datetime1">
               <a:rPr lang="en-US" smtClean="0"/>
-              <a:t>4/30/2019</a:t>
+              <a:t>5/3/2019</a:t>
             </a:fld>
             <a:endParaRPr lang="en-US"/>
           </a:p>
@@ -19397,7 +24282,7 @@
           <a:p>
             <a:fld id="{0C1E516E-6EAD-4F60-A918-6A4D81BA6C87}" type="datetime1">
               <a:rPr lang="en-US" smtClean="0"/>
-              <a:t>4/30/2019</a:t>
+              <a:t>5/3/2019</a:t>
             </a:fld>
             <a:endParaRPr lang="en-US"/>
           </a:p>
@@ -19651,11 +24536,7 @@
             </a:pPr>
             <a:r>
               <a:rPr lang="en-US" sz="2400" dirty="0" smtClean="0"/>
-              <a:t>Makes best use of available data</a:t>
-            </a:r>
-            <a:r>
-              <a:rPr lang="en-US" sz="2400" dirty="0" smtClean="0"/>
-              <a:t>.</a:t>
+              <a:t>Makes best use of available data.</a:t>
             </a:r>
           </a:p>
           <a:p>
@@ -19667,7 +24548,6 @@
               <a:rPr lang="en-US" sz="2400" dirty="0" smtClean="0"/>
               <a:t>Extremely general.</a:t>
             </a:r>
-            <a:endParaRPr lang="en-US" sz="2400" dirty="0" smtClean="0"/>
           </a:p>
           <a:p>
             <a:pPr marL="342900" indent="-342900">
@@ -19689,11 +24569,7 @@
             </a:pPr>
             <a:r>
               <a:rPr lang="en-US" sz="2400" dirty="0" smtClean="0"/>
-              <a:t>Not deterministic</a:t>
-            </a:r>
-            <a:r>
-              <a:rPr lang="en-US" sz="2400" dirty="0" smtClean="0"/>
-              <a:t>.</a:t>
+              <a:t>Not deterministic.</a:t>
             </a:r>
           </a:p>
           <a:p>
@@ -19702,8 +24578,8 @@
               <a:buChar char="-"/>
             </a:pPr>
             <a:r>
-              <a:rPr lang="en-US" sz="2400" dirty="0" smtClean="0"/>
-              <a:t>Constraints are soft.</a:t>
+              <a:rPr lang="en-US" sz="2400" smtClean="0"/>
+              <a:t>Not conservative. </a:t>
             </a:r>
             <a:endParaRPr lang="en-US" sz="2400" dirty="0" smtClean="0"/>
           </a:p>
@@ -19856,7 +24732,7 @@
           <a:p>
             <a:fld id="{DF3666C2-D4E3-4220-B5E4-E2A7632DABCB}" type="datetime1">
               <a:rPr lang="en-US" smtClean="0"/>
-              <a:t>4/30/2019</a:t>
+              <a:t>5/3/2019</a:t>
             </a:fld>
             <a:endParaRPr lang="en-US" dirty="0"/>
           </a:p>
@@ -19893,7 +24769,7 @@
         </p:nvSpPr>
         <p:spPr>
           <a:xfrm>
-            <a:off x="-16654" y="5825416"/>
+            <a:off x="-16654" y="5843346"/>
             <a:ext cx="3842342" cy="954107"/>
           </a:xfrm>
           <a:prstGeom prst="rect">
